--- a/研究ミーティング/20220623/20220623.pptx
+++ b/研究ミーティング/20220623/20220623.pptx
@@ -5079,7 +5079,7 @@
         <p:spPr>
           <a:xfrm>
             <a:off x="412459" y="930602"/>
-            <a:ext cx="9245347" cy="2554545"/>
+            <a:ext cx="9245347" cy="2246769"/>
           </a:xfrm>
           <a:prstGeom prst="rect">
             <a:avLst/>
@@ -5202,17 +5202,6 @@
               <a:rPr lang="en-US" altLang="ja-JP" sz="2000" dirty="0"/>
               <a:t>)</a:t>
             </a:r>
-          </a:p>
-          <a:p>
-            <a:pPr marL="342900" indent="-342900">
-              <a:buFont typeface="Arial" panose="020B0604020202020204" pitchFamily="34" charset="0"/>
-              <a:buChar char="•"/>
-            </a:pPr>
-            <a:r>
-              <a:rPr lang="ja-JP" altLang="en-US" sz="2000" dirty="0"/>
-              <a:t>グローバルパッチとローカルパッチの基底関数の次数の関係についての考察</a:t>
-            </a:r>
-            <a:endParaRPr lang="en-US" altLang="ja-JP" sz="2000" dirty="0"/>
           </a:p>
         </p:txBody>
       </p:sp>

--- a/研究ミーティング/20220623/20220623.pptx
+++ b/研究ミーティング/20220623/20220623.pptx
@@ -5,7 +5,7 @@
     <p:sldMasterId id="2147483648" r:id="rId1"/>
   </p:sldMasterIdLst>
   <p:notesMasterIdLst>
-    <p:notesMasterId r:id="rId11"/>
+    <p:notesMasterId r:id="rId12"/>
   </p:notesMasterIdLst>
   <p:sldIdLst>
     <p:sldId id="256" r:id="rId2"/>
@@ -16,7 +16,8 @@
     <p:sldId id="294" r:id="rId7"/>
     <p:sldId id="296" r:id="rId8"/>
     <p:sldId id="298" r:id="rId9"/>
-    <p:sldId id="295" r:id="rId10"/>
+    <p:sldId id="299" r:id="rId10"/>
+    <p:sldId id="295" r:id="rId11"/>
   </p:sldIdLst>
   <p:sldSz cx="12192000" cy="6858000"/>
   <p:notesSz cx="6858000" cy="9144000"/>
@@ -121,6 +122,4943 @@
     </p:ext>
   </p:extLst>
 </p:presentation>
+</file>
+
+<file path=ppt/charts/chart1.xml><?xml version="1.0" encoding="utf-8"?>
+<c:chartSpace xmlns:c="http://schemas.openxmlformats.org/drawingml/2006/chart" xmlns:a="http://schemas.openxmlformats.org/drawingml/2006/main" xmlns:r="http://schemas.openxmlformats.org/officeDocument/2006/relationships" xmlns:c16r2="http://schemas.microsoft.com/office/drawing/2015/06/chart">
+  <c:date1904 val="0"/>
+  <c:lang val="ja-JP"/>
+  <c:roundedCorners val="0"/>
+  <mc:AlternateContent xmlns:mc="http://schemas.openxmlformats.org/markup-compatibility/2006">
+    <mc:Choice xmlns:c14="http://schemas.microsoft.com/office/drawing/2007/8/2/chart" Requires="c14">
+      <c14:style val="102"/>
+    </mc:Choice>
+    <mc:Fallback>
+      <c:style val="2"/>
+    </mc:Fallback>
+  </mc:AlternateContent>
+  <c:chart>
+    <c:autoTitleDeleted val="0"/>
+    <c:plotArea>
+      <c:layout/>
+      <c:scatterChart>
+        <c:scatterStyle val="lineMarker"/>
+        <c:varyColors val="0"/>
+        <c:ser>
+          <c:idx val="0"/>
+          <c:order val="0"/>
+          <c:tx>
+            <c:v>sigma_1</c:v>
+          </c:tx>
+          <c:spPr>
+            <a:ln w="25400" cap="rnd">
+              <a:noFill/>
+              <a:round/>
+            </a:ln>
+            <a:effectLst/>
+          </c:spPr>
+          <c:marker>
+            <c:symbol val="diamond"/>
+            <c:size val="5"/>
+            <c:spPr>
+              <a:noFill/>
+              <a:ln w="9525">
+                <a:solidFill>
+                  <a:schemeClr val="accent1"/>
+                </a:solidFill>
+              </a:ln>
+              <a:effectLst/>
+            </c:spPr>
+          </c:marker>
+          <c:xVal>
+            <c:numRef>
+              <c:f>'3_5x5'!$J$3:$J$134</c:f>
+              <c:numCache>
+                <c:formatCode>General</c:formatCode>
+                <c:ptCount val="22"/>
+                <c:pt idx="0">
+                  <c:v>0</c:v>
+                </c:pt>
+                <c:pt idx="1">
+                  <c:v>4.109873829899084</c:v>
+                </c:pt>
+                <c:pt idx="2">
+                  <c:v>8.3326170066357026</c:v>
+                </c:pt>
+                <c:pt idx="3">
+                  <c:v>12.661020663458276</c:v>
+                </c:pt>
+                <c:pt idx="4">
+                  <c:v>17.086309630741997</c:v>
+                </c:pt>
+                <c:pt idx="5">
+                  <c:v>21.598160984709388</c:v>
+                </c:pt>
+                <c:pt idx="6">
+                  <c:v>26.184776006687819</c:v>
+                </c:pt>
+                <c:pt idx="7">
+                  <c:v>30.833008915260002</c:v>
+                </c:pt>
+                <c:pt idx="8">
+                  <c:v>35.528552159491731</c:v>
+                </c:pt>
+                <c:pt idx="9">
+                  <c:v>40.256174011427241</c:v>
+                </c:pt>
+                <c:pt idx="10">
+                  <c:v>45</c:v>
+                </c:pt>
+                <c:pt idx="11">
+                  <c:v>45</c:v>
+                </c:pt>
+                <c:pt idx="12">
+                  <c:v>49.743825988572759</c:v>
+                </c:pt>
+                <c:pt idx="13">
+                  <c:v>54.471447840508269</c:v>
+                </c:pt>
+                <c:pt idx="14">
+                  <c:v>59.166991084739998</c:v>
+                </c:pt>
+                <c:pt idx="15">
+                  <c:v>63.815223993312181</c:v>
+                </c:pt>
+                <c:pt idx="16">
+                  <c:v>68.401839015290605</c:v>
+                </c:pt>
+                <c:pt idx="17">
+                  <c:v>72.913690369258006</c:v>
+                </c:pt>
+                <c:pt idx="18">
+                  <c:v>77.338979336541726</c:v>
+                </c:pt>
+                <c:pt idx="19">
+                  <c:v>81.667382993364299</c:v>
+                </c:pt>
+                <c:pt idx="20">
+                  <c:v>85.890126170100913</c:v>
+                </c:pt>
+                <c:pt idx="21">
+                  <c:v>90</c:v>
+                </c:pt>
+              </c:numCache>
+            </c:numRef>
+          </c:xVal>
+          <c:yVal>
+            <c:numRef>
+              <c:f>'3_5x5'!$E$3:$E$134</c:f>
+              <c:numCache>
+                <c:formatCode>0.00E+00</c:formatCode>
+                <c:ptCount val="22"/>
+                <c:pt idx="0">
+                  <c:v>51.901696723000001</c:v>
+                </c:pt>
+                <c:pt idx="1">
+                  <c:v>59.787751419999999</c:v>
+                </c:pt>
+                <c:pt idx="2">
+                  <c:v>75.748264528999997</c:v>
+                </c:pt>
+                <c:pt idx="3">
+                  <c:v>71.402990157999994</c:v>
+                </c:pt>
+                <c:pt idx="4">
+                  <c:v>51.315063084999998</c:v>
+                </c:pt>
+                <c:pt idx="5">
+                  <c:v>27.732687903999999</c:v>
+                </c:pt>
+                <c:pt idx="6">
+                  <c:v>19.783764468000001</c:v>
+                </c:pt>
+                <c:pt idx="7">
+                  <c:v>29.13907382</c:v>
+                </c:pt>
+                <c:pt idx="8">
+                  <c:v>45.464953704999999</c:v>
+                </c:pt>
+                <c:pt idx="9">
+                  <c:v>55.612037027</c:v>
+                </c:pt>
+                <c:pt idx="10">
+                  <c:v>49.781350773</c:v>
+                </c:pt>
+                <c:pt idx="11">
+                  <c:v>49.781350773</c:v>
+                </c:pt>
+                <c:pt idx="12">
+                  <c:v>37.208943331999997</c:v>
+                </c:pt>
+                <c:pt idx="13">
+                  <c:v>34.665894979999997</c:v>
+                </c:pt>
+                <c:pt idx="14">
+                  <c:v>36.855218002000001</c:v>
+                </c:pt>
+                <c:pt idx="15">
+                  <c:v>34.769493734000001</c:v>
+                </c:pt>
+                <c:pt idx="16">
+                  <c:v>32.023711026999997</c:v>
+                </c:pt>
+                <c:pt idx="17">
+                  <c:v>27.012118043000001</c:v>
+                </c:pt>
+                <c:pt idx="18">
+                  <c:v>12.554325063</c:v>
+                </c:pt>
+                <c:pt idx="19">
+                  <c:v>-9.2653863990000005</c:v>
+                </c:pt>
+                <c:pt idx="20">
+                  <c:v>-34.353001919</c:v>
+                </c:pt>
+                <c:pt idx="21">
+                  <c:v>-7.8632261444999996</c:v>
+                </c:pt>
+              </c:numCache>
+            </c:numRef>
+          </c:yVal>
+          <c:smooth val="0"/>
+          <c:extLst>
+            <c:ext xmlns:c16="http://schemas.microsoft.com/office/drawing/2014/chart" uri="{C3380CC4-5D6E-409C-BE32-E72D297353CC}">
+              <c16:uniqueId val="{00000000-7C73-4D40-B349-0BC9EC841170}"/>
+            </c:ext>
+          </c:extLst>
+        </c:ser>
+        <c:ser>
+          <c:idx val="1"/>
+          <c:order val="1"/>
+          <c:tx>
+            <c:v>sigma_2</c:v>
+          </c:tx>
+          <c:spPr>
+            <a:ln w="25400" cap="rnd">
+              <a:noFill/>
+              <a:round/>
+            </a:ln>
+            <a:effectLst/>
+          </c:spPr>
+          <c:marker>
+            <c:symbol val="x"/>
+            <c:size val="5"/>
+            <c:spPr>
+              <a:noFill/>
+              <a:ln w="9525">
+                <a:solidFill>
+                  <a:schemeClr val="accent2"/>
+                </a:solidFill>
+              </a:ln>
+              <a:effectLst/>
+            </c:spPr>
+          </c:marker>
+          <c:xVal>
+            <c:numRef>
+              <c:f>'3_5x5'!$J$3:$J$134</c:f>
+              <c:numCache>
+                <c:formatCode>General</c:formatCode>
+                <c:ptCount val="22"/>
+                <c:pt idx="0">
+                  <c:v>0</c:v>
+                </c:pt>
+                <c:pt idx="1">
+                  <c:v>4.109873829899084</c:v>
+                </c:pt>
+                <c:pt idx="2">
+                  <c:v>8.3326170066357026</c:v>
+                </c:pt>
+                <c:pt idx="3">
+                  <c:v>12.661020663458276</c:v>
+                </c:pt>
+                <c:pt idx="4">
+                  <c:v>17.086309630741997</c:v>
+                </c:pt>
+                <c:pt idx="5">
+                  <c:v>21.598160984709388</c:v>
+                </c:pt>
+                <c:pt idx="6">
+                  <c:v>26.184776006687819</c:v>
+                </c:pt>
+                <c:pt idx="7">
+                  <c:v>30.833008915260002</c:v>
+                </c:pt>
+                <c:pt idx="8">
+                  <c:v>35.528552159491731</c:v>
+                </c:pt>
+                <c:pt idx="9">
+                  <c:v>40.256174011427241</c:v>
+                </c:pt>
+                <c:pt idx="10">
+                  <c:v>45</c:v>
+                </c:pt>
+                <c:pt idx="11">
+                  <c:v>45</c:v>
+                </c:pt>
+                <c:pt idx="12">
+                  <c:v>49.743825988572759</c:v>
+                </c:pt>
+                <c:pt idx="13">
+                  <c:v>54.471447840508269</c:v>
+                </c:pt>
+                <c:pt idx="14">
+                  <c:v>59.166991084739998</c:v>
+                </c:pt>
+                <c:pt idx="15">
+                  <c:v>63.815223993312181</c:v>
+                </c:pt>
+                <c:pt idx="16">
+                  <c:v>68.401839015290605</c:v>
+                </c:pt>
+                <c:pt idx="17">
+                  <c:v>72.913690369258006</c:v>
+                </c:pt>
+                <c:pt idx="18">
+                  <c:v>77.338979336541726</c:v>
+                </c:pt>
+                <c:pt idx="19">
+                  <c:v>81.667382993364299</c:v>
+                </c:pt>
+                <c:pt idx="20">
+                  <c:v>85.890126170100913</c:v>
+                </c:pt>
+                <c:pt idx="21">
+                  <c:v>90</c:v>
+                </c:pt>
+              </c:numCache>
+            </c:numRef>
+          </c:xVal>
+          <c:yVal>
+            <c:numRef>
+              <c:f>'3_5x5'!$F$3:$F$134</c:f>
+              <c:numCache>
+                <c:formatCode>0.00E+00</c:formatCode>
+                <c:ptCount val="22"/>
+                <c:pt idx="0">
+                  <c:v>12.151554835000001</c:v>
+                </c:pt>
+                <c:pt idx="1">
+                  <c:v>56.148440346000001</c:v>
+                </c:pt>
+                <c:pt idx="2">
+                  <c:v>54.432112867000001</c:v>
+                </c:pt>
+                <c:pt idx="3">
+                  <c:v>42.364497892999999</c:v>
+                </c:pt>
+                <c:pt idx="4">
+                  <c:v>24.406193507000001</c:v>
+                </c:pt>
+                <c:pt idx="5">
+                  <c:v>2.0160757239999998</c:v>
+                </c:pt>
+                <c:pt idx="6">
+                  <c:v>-18.179447464999999</c:v>
+                </c:pt>
+                <c:pt idx="7">
+                  <c:v>-25.487613682999999</c:v>
+                </c:pt>
+                <c:pt idx="8">
+                  <c:v>-24.223972740000001</c:v>
+                </c:pt>
+                <c:pt idx="9">
+                  <c:v>-24.156482244999999</c:v>
+                </c:pt>
+                <c:pt idx="10">
+                  <c:v>-31.451472818999999</c:v>
+                </c:pt>
+                <c:pt idx="11">
+                  <c:v>-31.451472818999999</c:v>
+                </c:pt>
+                <c:pt idx="12">
+                  <c:v>-34.295176314999999</c:v>
+                </c:pt>
+                <c:pt idx="13">
+                  <c:v>-23.129692279</c:v>
+                </c:pt>
+                <c:pt idx="14">
+                  <c:v>-4.5174526674999997</c:v>
+                </c:pt>
+                <c:pt idx="15">
+                  <c:v>9.8459064250000008</c:v>
+                </c:pt>
+                <c:pt idx="16">
+                  <c:v>1.412291902</c:v>
+                </c:pt>
+                <c:pt idx="17">
+                  <c:v>-25.582106528000001</c:v>
+                </c:pt>
+                <c:pt idx="18">
+                  <c:v>-49.059827089999999</c:v>
+                </c:pt>
+                <c:pt idx="19">
+                  <c:v>-58.761748828000002</c:v>
+                </c:pt>
+                <c:pt idx="20">
+                  <c:v>-47.187745378000002</c:v>
+                </c:pt>
+                <c:pt idx="21">
+                  <c:v>-56.789066548000001</c:v>
+                </c:pt>
+              </c:numCache>
+            </c:numRef>
+          </c:yVal>
+          <c:smooth val="0"/>
+          <c:extLst>
+            <c:ext xmlns:c16="http://schemas.microsoft.com/office/drawing/2014/chart" uri="{C3380CC4-5D6E-409C-BE32-E72D297353CC}">
+              <c16:uniqueId val="{00000001-7C73-4D40-B349-0BC9EC841170}"/>
+            </c:ext>
+          </c:extLst>
+        </c:ser>
+        <c:ser>
+          <c:idx val="2"/>
+          <c:order val="2"/>
+          <c:tx>
+            <c:v>Reference</c:v>
+          </c:tx>
+          <c:spPr>
+            <a:ln w="25400" cap="rnd">
+              <a:solidFill>
+                <a:schemeClr val="accent3"/>
+              </a:solidFill>
+              <a:round/>
+            </a:ln>
+            <a:effectLst/>
+          </c:spPr>
+          <c:marker>
+            <c:symbol val="none"/>
+          </c:marker>
+          <c:xVal>
+            <c:numRef>
+              <c:f>'3_30x30'!$J$3:$J$3159</c:f>
+              <c:numCache>
+                <c:formatCode>General</c:formatCode>
+                <c:ptCount val="297"/>
+                <c:pt idx="0">
+                  <c:v>0</c:v>
+                </c:pt>
+                <c:pt idx="1">
+                  <c:v>0.30043452212253335</c:v>
+                </c:pt>
+                <c:pt idx="2">
+                  <c:v>0.60152528482918577</c:v>
+                </c:pt>
+                <c:pt idx="3">
+                  <c:v>0.9032693543408854</c:v>
+                </c:pt>
+                <c:pt idx="4">
+                  <c:v>1.2056637350150439</c:v>
+                </c:pt>
+                <c:pt idx="5">
+                  <c:v>1.508705369598301</c:v>
+                </c:pt>
+                <c:pt idx="6">
+                  <c:v>1.8123911389736993</c:v>
+                </c:pt>
+                <c:pt idx="7">
+                  <c:v>2.11671786236754</c:v>
+                </c:pt>
+                <c:pt idx="8">
+                  <c:v>2.4216822972530094</c:v>
+                </c:pt>
+                <c:pt idx="9">
+                  <c:v>2.7272811396232579</c:v>
+                </c:pt>
+                <c:pt idx="10">
+                  <c:v>3.0335110237293703</c:v>
+                </c:pt>
+                <c:pt idx="11">
+                  <c:v>3.0335110237293703</c:v>
+                </c:pt>
+                <c:pt idx="12">
+                  <c:v>3.3402857820670375</c:v>
+                </c:pt>
+                <c:pt idx="13">
+                  <c:v>3.6476854689965599</c:v>
+                </c:pt>
+                <c:pt idx="14">
+                  <c:v>3.9557076922751877</c:v>
+                </c:pt>
+                <c:pt idx="15">
+                  <c:v>4.2643500154794358</c:v>
+                </c:pt>
+                <c:pt idx="16">
+                  <c:v>4.5736099583872303</c:v>
+                </c:pt>
+                <c:pt idx="17">
+                  <c:v>4.8834849964048663</c:v>
+                </c:pt>
+                <c:pt idx="18">
+                  <c:v>5.1939725607301748</c:v>
+                </c:pt>
+                <c:pt idx="19">
+                  <c:v>5.5050700380131339</c:v>
+                </c:pt>
+                <c:pt idx="20">
+                  <c:v>5.8167747703964769</c:v>
+                </c:pt>
+                <c:pt idx="21">
+                  <c:v>6.1290840552105301</c:v>
+                </c:pt>
+                <c:pt idx="22">
+                  <c:v>6.1290840552105301</c:v>
+                </c:pt>
+                <c:pt idx="23">
+                  <c:v>6.4420796598356711</c:v>
+                </c:pt>
+                <c:pt idx="24">
+                  <c:v>6.7556741857583011</c:v>
+                </c:pt>
+                <c:pt idx="25">
+                  <c:v>7.0698643732875128</c:v>
+                </c:pt>
+                <c:pt idx="26">
+                  <c:v>7.3846469109151309</c:v>
+                </c:pt>
+                <c:pt idx="27">
+                  <c:v>7.7000184361242603</c:v>
+                </c:pt>
+                <c:pt idx="28">
+                  <c:v>8.015975532600967</c:v>
+                </c:pt>
+                <c:pt idx="29">
+                  <c:v>8.3325147351760034</c:v>
+                </c:pt>
+                <c:pt idx="30">
+                  <c:v>8.6496325251906949</c:v>
+                </c:pt>
+                <c:pt idx="31">
+                  <c:v>8.9673253334230232</c:v>
+                </c:pt>
+                <c:pt idx="32">
+                  <c:v>9.2855895379718891</c:v>
+                </c:pt>
+                <c:pt idx="33">
+                  <c:v>9.2855895379718891</c:v>
+                </c:pt>
+                <c:pt idx="34">
+                  <c:v>9.6044216086219762</c:v>
+                </c:pt>
+                <c:pt idx="35">
+                  <c:v>9.9238185321828478</c:v>
+                </c:pt>
+                <c:pt idx="36">
+                  <c:v>10.243777397504852</c:v>
+                </c:pt>
+                <c:pt idx="37">
+                  <c:v>10.564295254574896</c:v>
+                </c:pt>
+                <c:pt idx="38">
+                  <c:v>10.88536911384011</c:v>
+                </c:pt>
+                <c:pt idx="39">
+                  <c:v>11.206995947003925</c:v>
+                </c:pt>
+                <c:pt idx="40">
+                  <c:v>11.529172686555846</c:v>
+                </c:pt>
+                <c:pt idx="41">
+                  <c:v>11.851896225024895</c:v>
+                </c:pt>
+                <c:pt idx="42">
+                  <c:v>12.175163416756968</c:v>
+                </c:pt>
+                <c:pt idx="43">
+                  <c:v>12.49897107430772</c:v>
+                </c:pt>
+                <c:pt idx="44">
+                  <c:v>12.49897107430772</c:v>
+                </c:pt>
+                <c:pt idx="45">
+                  <c:v>12.823315823624402</c:v>
+                </c:pt>
+                <c:pt idx="46">
+                  <c:v>13.148193650472505</c:v>
+                </c:pt>
+                <c:pt idx="47">
+                  <c:v>13.47360034312765</c:v>
+                </c:pt>
+                <c:pt idx="48">
+                  <c:v>13.799531638783913</c:v>
+                </c:pt>
+                <c:pt idx="49">
+                  <c:v>14.125983224701251</c:v>
+                </c:pt>
+                <c:pt idx="50">
+                  <c:v>14.452950735975632</c:v>
+                </c:pt>
+                <c:pt idx="51">
+                  <c:v>14.780429760491426</c:v>
+                </c:pt>
+                <c:pt idx="52">
+                  <c:v>15.108415833832717</c:v>
+                </c:pt>
+                <c:pt idx="53">
+                  <c:v>15.436904443341449</c:v>
+                </c:pt>
+                <c:pt idx="54">
+                  <c:v>15.765891026636316</c:v>
+                </c:pt>
+                <c:pt idx="55">
+                  <c:v>15.765891026636316</c:v>
+                </c:pt>
+                <c:pt idx="56">
+                  <c:v>16.09528200650859</c:v>
+                </c:pt>
+                <c:pt idx="57">
+                  <c:v>16.425161737593264</c:v>
+                </c:pt>
+                <c:pt idx="58">
+                  <c:v>16.755525830618883</c:v>
+                </c:pt>
+                <c:pt idx="59">
+                  <c:v>17.086369850090421</c:v>
+                </c:pt>
+                <c:pt idx="60">
+                  <c:v>17.417689314816506</c:v>
+                </c:pt>
+                <c:pt idx="61">
+                  <c:v>17.749479700624818</c:v>
+                </c:pt>
+                <c:pt idx="62">
+                  <c:v>18.081736437633477</c:v>
+                </c:pt>
+                <c:pt idx="63">
+                  <c:v>18.414454912147033</c:v>
+                </c:pt>
+                <c:pt idx="64">
+                  <c:v>18.747630466706358</c:v>
+                </c:pt>
+                <c:pt idx="65">
+                  <c:v>19.08125840045717</c:v>
+                </c:pt>
+                <c:pt idx="66">
+                  <c:v>19.08125840045717</c:v>
+                </c:pt>
+                <c:pt idx="67">
+                  <c:v>19.415424246369938</c:v>
+                </c:pt>
+                <c:pt idx="68">
+                  <c:v>19.750033181920617</c:v>
+                </c:pt>
+                <c:pt idx="69">
+                  <c:v>20.085080378455032</c:v>
+                </c:pt>
+                <c:pt idx="70">
+                  <c:v>20.420560963951708</c:v>
+                </c:pt>
+                <c:pt idx="71">
+                  <c:v>20.75647002344558</c:v>
+                </c:pt>
+                <c:pt idx="72">
+                  <c:v>21.092802600167651</c:v>
+                </c:pt>
+                <c:pt idx="73">
+                  <c:v>21.429553694912752</c:v>
+                </c:pt>
+                <c:pt idx="74">
+                  <c:v>21.766718268087558</c:v>
+                </c:pt>
+                <c:pt idx="75">
+                  <c:v>22.104291236621311</c:v>
+                </c:pt>
+                <c:pt idx="76">
+                  <c:v>22.442267478309098</c:v>
+                </c:pt>
+                <c:pt idx="77">
+                  <c:v>22.442267478309098</c:v>
+                </c:pt>
+                <c:pt idx="78">
+                  <c:v>22.780641828112259</c:v>
+                </c:pt>
+                <c:pt idx="79">
+                  <c:v>23.119409073468827</c:v>
+                </c:pt>
+                <c:pt idx="80">
+                  <c:v>23.458563960812025</c:v>
+                </c:pt>
+                <c:pt idx="81">
+                  <c:v>23.798101197855754</c:v>
+                </c:pt>
+                <c:pt idx="82">
+                  <c:v>24.138015453699872</c:v>
+                </c:pt>
+                <c:pt idx="83">
+                  <c:v>24.478301359653283</c:v>
+                </c:pt>
+                <c:pt idx="84">
+                  <c:v>24.818953508639609</c:v>
+                </c:pt>
+                <c:pt idx="85">
+                  <c:v>25.159966456770803</c:v>
+                </c:pt>
+                <c:pt idx="86">
+                  <c:v>25.50133472393917</c:v>
+                </c:pt>
+                <c:pt idx="87">
+                  <c:v>25.843052793189408</c:v>
+                </c:pt>
+                <c:pt idx="88">
+                  <c:v>25.843052793189408</c:v>
+                </c:pt>
+                <c:pt idx="89">
+                  <c:v>26.185022716090426</c:v>
+                </c:pt>
+                <c:pt idx="90">
+                  <c:v>26.527331122902357</c:v>
+                </c:pt>
+                <c:pt idx="91">
+                  <c:v>26.869972399000769</c:v>
+                </c:pt>
+                <c:pt idx="92">
+                  <c:v>27.212940895177326</c:v>
+                </c:pt>
+                <c:pt idx="93">
+                  <c:v>27.556230927911376</c:v>
+                </c:pt>
+                <c:pt idx="94">
+                  <c:v>27.899836779865673</c:v>
+                </c:pt>
+                <c:pt idx="95">
+                  <c:v>28.243752700323867</c:v>
+                </c:pt>
+                <c:pt idx="96">
+                  <c:v>28.587972907690908</c:v>
+                </c:pt>
+                <c:pt idx="97">
+                  <c:v>28.932491584721063</c:v>
+                </c:pt>
+                <c:pt idx="98">
+                  <c:v>29.277302885304461</c:v>
+                </c:pt>
+                <c:pt idx="99">
+                  <c:v>29.277302885304461</c:v>
+                </c:pt>
+                <c:pt idx="100">
+                  <c:v>29.622494164664793</c:v>
+                </c:pt>
+                <c:pt idx="101">
+                  <c:v>29.967966434360537</c:v>
+                </c:pt>
+                <c:pt idx="102">
+                  <c:v>30.31371375405298</c:v>
+                </c:pt>
+                <c:pt idx="103">
+                  <c:v>30.659730154233056</c:v>
+                </c:pt>
+                <c:pt idx="104">
+                  <c:v>31.006009635894582</c:v>
+                </c:pt>
+                <c:pt idx="105">
+                  <c:v>31.352546170169223</c:v>
+                </c:pt>
+                <c:pt idx="106">
+                  <c:v>31.699333701750806</c:v>
+                </c:pt>
+                <c:pt idx="107">
+                  <c:v>32.046366147106696</c:v>
+                </c:pt>
+                <c:pt idx="108">
+                  <c:v>32.393637395192478</c:v>
+                </c:pt>
+                <c:pt idx="109">
+                  <c:v>32.741141310104751</c:v>
+                </c:pt>
+                <c:pt idx="110">
+                  <c:v>32.741141310104751</c:v>
+                </c:pt>
+                <c:pt idx="111">
+                  <c:v>33.088871728202818</c:v>
+                </c:pt>
+                <c:pt idx="112">
+                  <c:v>33.436822457266601</c:v>
+                </c:pt>
+                <c:pt idx="113">
+                  <c:v>33.784987280486227</c:v>
+                </c:pt>
+                <c:pt idx="114">
+                  <c:v>34.133359957040618</c:v>
+                </c:pt>
+                <c:pt idx="115">
+                  <c:v>34.481934225113974</c:v>
+                </c:pt>
+                <c:pt idx="116">
+                  <c:v>34.830703799324134</c:v>
+                </c:pt>
+                <c:pt idx="117">
+                  <c:v>35.179662374651507</c:v>
+                </c:pt>
+                <c:pt idx="118">
+                  <c:v>35.528803625114342</c:v>
+                </c:pt>
+                <c:pt idx="119">
+                  <c:v>35.87812120441739</c:v>
+                </c:pt>
+                <c:pt idx="120">
+                  <c:v>36.227608747369757</c:v>
+                </c:pt>
+                <c:pt idx="121">
+                  <c:v>36.227608747369757</c:v>
+                </c:pt>
+                <c:pt idx="122">
+                  <c:v>36.577165450912311</c:v>
+                </c:pt>
+                <c:pt idx="123">
+                  <c:v>36.92687925201507</c:v>
+                </c:pt>
+                <c:pt idx="124">
+                  <c:v>37.276743738968875</c:v>
+                </c:pt>
+                <c:pt idx="125">
+                  <c:v>37.626752483217842</c:v>
+                </c:pt>
+                <c:pt idx="126">
+                  <c:v>37.976899039845478</c:v>
+                </c:pt>
+                <c:pt idx="127">
+                  <c:v>38.327176949602183</c:v>
+                </c:pt>
+                <c:pt idx="128">
+                  <c:v>38.677579737797267</c:v>
+                </c:pt>
+                <c:pt idx="129">
+                  <c:v>39.028100915576772</c:v>
+                </c:pt>
+                <c:pt idx="130">
+                  <c:v>39.378733981400565</c:v>
+                </c:pt>
+                <c:pt idx="131">
+                  <c:v>39.729472421250676</c:v>
+                </c:pt>
+                <c:pt idx="132">
+                  <c:v>39.729472421250676</c:v>
+                </c:pt>
+                <c:pt idx="133">
+                  <c:v>40.080404412835748</c:v>
+                </c:pt>
+                <c:pt idx="134">
+                  <c:v>40.431428449204681</c:v>
+                </c:pt>
+                <c:pt idx="135">
+                  <c:v>40.782537662424019</c:v>
+                </c:pt>
+                <c:pt idx="136">
+                  <c:v>41.133725174081121</c:v>
+                </c:pt>
+                <c:pt idx="137">
+                  <c:v>41.484984095617861</c:v>
+                </c:pt>
+                <c:pt idx="138">
+                  <c:v>41.836307529611915</c:v>
+                </c:pt>
+                <c:pt idx="139">
+                  <c:v>42.187688570742566</c:v>
+                </c:pt>
+                <c:pt idx="140">
+                  <c:v>42.539120306495249</c:v>
+                </c:pt>
+                <c:pt idx="141">
+                  <c:v>42.890595819185201</c:v>
+                </c:pt>
+                <c:pt idx="142">
+                  <c:v>43.242108184438528</c:v>
+                </c:pt>
+                <c:pt idx="143">
+                  <c:v>43.242108184438528</c:v>
+                </c:pt>
+                <c:pt idx="144">
+                  <c:v>43.593650632572221</c:v>
+                </c:pt>
+                <c:pt idx="145">
+                  <c:v>43.945217023345663</c:v>
+                </c:pt>
+                <c:pt idx="146">
+                  <c:v>44.296801371336386</c:v>
+                </c:pt>
+                <c:pt idx="147">
+                  <c:v>44.648397692723769</c:v>
+                </c:pt>
+                <c:pt idx="148">
+                  <c:v>45</c:v>
+                </c:pt>
+                <c:pt idx="149">
+                  <c:v>45.351602307276231</c:v>
+                </c:pt>
+                <c:pt idx="150">
+                  <c:v>45.703198628663614</c:v>
+                </c:pt>
+                <c:pt idx="151">
+                  <c:v>46.054782976654344</c:v>
+                </c:pt>
+                <c:pt idx="152">
+                  <c:v>46.406349367427786</c:v>
+                </c:pt>
+                <c:pt idx="153">
+                  <c:v>46.757891815561472</c:v>
+                </c:pt>
+                <c:pt idx="154">
+                  <c:v>46.757891815561472</c:v>
+                </c:pt>
+                <c:pt idx="155">
+                  <c:v>47.109404180814806</c:v>
+                </c:pt>
+                <c:pt idx="156">
+                  <c:v>47.460879693504751</c:v>
+                </c:pt>
+                <c:pt idx="157">
+                  <c:v>47.812311429257434</c:v>
+                </c:pt>
+                <c:pt idx="158">
+                  <c:v>48.163692470388092</c:v>
+                </c:pt>
+                <c:pt idx="159">
+                  <c:v>48.515015904382139</c:v>
+                </c:pt>
+                <c:pt idx="160">
+                  <c:v>48.866274825918879</c:v>
+                </c:pt>
+                <c:pt idx="161">
+                  <c:v>49.217462337575981</c:v>
+                </c:pt>
+                <c:pt idx="162">
+                  <c:v>49.568571550795326</c:v>
+                </c:pt>
+                <c:pt idx="163">
+                  <c:v>49.919595587164252</c:v>
+                </c:pt>
+                <c:pt idx="164">
+                  <c:v>50.270527578749324</c:v>
+                </c:pt>
+                <c:pt idx="165">
+                  <c:v>50.270527578749324</c:v>
+                </c:pt>
+                <c:pt idx="166">
+                  <c:v>50.621266018599442</c:v>
+                </c:pt>
+                <c:pt idx="167">
+                  <c:v>50.971899084423228</c:v>
+                </c:pt>
+                <c:pt idx="168">
+                  <c:v>51.322420262202733</c:v>
+                </c:pt>
+                <c:pt idx="169">
+                  <c:v>51.672823050397817</c:v>
+                </c:pt>
+                <c:pt idx="170">
+                  <c:v>52.023100960154522</c:v>
+                </c:pt>
+                <c:pt idx="171">
+                  <c:v>52.373247516782165</c:v>
+                </c:pt>
+                <c:pt idx="172">
+                  <c:v>52.723256261031132</c:v>
+                </c:pt>
+                <c:pt idx="173">
+                  <c:v>53.073120747984937</c:v>
+                </c:pt>
+                <c:pt idx="174">
+                  <c:v>53.422834549087689</c:v>
+                </c:pt>
+                <c:pt idx="175">
+                  <c:v>53.772391252630243</c:v>
+                </c:pt>
+                <c:pt idx="176">
+                  <c:v>53.772391252630243</c:v>
+                </c:pt>
+                <c:pt idx="177">
+                  <c:v>54.12187879558261</c:v>
+                </c:pt>
+                <c:pt idx="178">
+                  <c:v>54.471196374885665</c:v>
+                </c:pt>
+                <c:pt idx="179">
+                  <c:v>54.8203376253485</c:v>
+                </c:pt>
+                <c:pt idx="180">
+                  <c:v>55.169296200675866</c:v>
+                </c:pt>
+                <c:pt idx="181">
+                  <c:v>55.518065774886033</c:v>
+                </c:pt>
+                <c:pt idx="182">
+                  <c:v>55.866640042959389</c:v>
+                </c:pt>
+                <c:pt idx="183">
+                  <c:v>56.21501271951378</c:v>
+                </c:pt>
+                <c:pt idx="184">
+                  <c:v>56.563177542733406</c:v>
+                </c:pt>
+                <c:pt idx="185">
+                  <c:v>56.911128271797189</c:v>
+                </c:pt>
+                <c:pt idx="186">
+                  <c:v>57.258858689895256</c:v>
+                </c:pt>
+                <c:pt idx="187">
+                  <c:v>57.258858689895256</c:v>
+                </c:pt>
+                <c:pt idx="188">
+                  <c:v>57.606362604807515</c:v>
+                </c:pt>
+                <c:pt idx="189">
+                  <c:v>57.953633852893304</c:v>
+                </c:pt>
+                <c:pt idx="190">
+                  <c:v>58.300666298249197</c:v>
+                </c:pt>
+                <c:pt idx="191">
+                  <c:v>58.647453829830781</c:v>
+                </c:pt>
+                <c:pt idx="192">
+                  <c:v>58.993990364105414</c:v>
+                </c:pt>
+                <c:pt idx="193">
+                  <c:v>59.340269845766947</c:v>
+                </c:pt>
+                <c:pt idx="194">
+                  <c:v>59.686286245947024</c:v>
+                </c:pt>
+                <c:pt idx="195">
+                  <c:v>60.032033565639466</c:v>
+                </c:pt>
+                <c:pt idx="196">
+                  <c:v>60.377505835335214</c:v>
+                </c:pt>
+                <c:pt idx="197">
+                  <c:v>60.722697114695542</c:v>
+                </c:pt>
+                <c:pt idx="198">
+                  <c:v>60.722697114695542</c:v>
+                </c:pt>
+                <c:pt idx="199">
+                  <c:v>61.067508415278944</c:v>
+                </c:pt>
+                <c:pt idx="200">
+                  <c:v>61.412027092309096</c:v>
+                </c:pt>
+                <c:pt idx="201">
+                  <c:v>61.756247299676133</c:v>
+                </c:pt>
+                <c:pt idx="202">
+                  <c:v>62.100163220134334</c:v>
+                </c:pt>
+                <c:pt idx="203">
+                  <c:v>62.443769072088635</c:v>
+                </c:pt>
+                <c:pt idx="204">
+                  <c:v>62.787059104822674</c:v>
+                </c:pt>
+                <c:pt idx="205">
+                  <c:v>63.130027600999234</c:v>
+                </c:pt>
+                <c:pt idx="206">
+                  <c:v>63.472668877097647</c:v>
+                </c:pt>
+                <c:pt idx="207">
+                  <c:v>63.814977283909577</c:v>
+                </c:pt>
+                <c:pt idx="208">
+                  <c:v>64.156947206810599</c:v>
+                </c:pt>
+                <c:pt idx="209">
+                  <c:v>64.156947206810599</c:v>
+                </c:pt>
+                <c:pt idx="210">
+                  <c:v>64.498665276060834</c:v>
+                </c:pt>
+                <c:pt idx="211">
+                  <c:v>64.840033543229197</c:v>
+                </c:pt>
+                <c:pt idx="212">
+                  <c:v>65.181046491360391</c:v>
+                </c:pt>
+                <c:pt idx="213">
+                  <c:v>65.521698640346713</c:v>
+                </c:pt>
+                <c:pt idx="214">
+                  <c:v>65.861984546300135</c:v>
+                </c:pt>
+                <c:pt idx="215">
+                  <c:v>66.201898802144257</c:v>
+                </c:pt>
+                <c:pt idx="216">
+                  <c:v>66.541436039187985</c:v>
+                </c:pt>
+                <c:pt idx="217">
+                  <c:v>66.880590926531184</c:v>
+                </c:pt>
+                <c:pt idx="218">
+                  <c:v>67.219358171887748</c:v>
+                </c:pt>
+                <c:pt idx="219">
+                  <c:v>67.557732521690895</c:v>
+                </c:pt>
+                <c:pt idx="220">
+                  <c:v>67.557732521690895</c:v>
+                </c:pt>
+                <c:pt idx="221">
+                  <c:v>67.895708763378693</c:v>
+                </c:pt>
+                <c:pt idx="222">
+                  <c:v>68.233281731912456</c:v>
+                </c:pt>
+                <c:pt idx="223">
+                  <c:v>68.570446305087259</c:v>
+                </c:pt>
+                <c:pt idx="224">
+                  <c:v>68.907197399832356</c:v>
+                </c:pt>
+                <c:pt idx="225">
+                  <c:v>69.243529976554427</c:v>
+                </c:pt>
+                <c:pt idx="226">
+                  <c:v>69.579439036048299</c:v>
+                </c:pt>
+                <c:pt idx="227">
+                  <c:v>69.914919621544982</c:v>
+                </c:pt>
+                <c:pt idx="228">
+                  <c:v>70.249966818079386</c:v>
+                </c:pt>
+                <c:pt idx="229">
+                  <c:v>70.584575753630062</c:v>
+                </c:pt>
+                <c:pt idx="230">
+                  <c:v>70.918741599542827</c:v>
+                </c:pt>
+                <c:pt idx="231">
+                  <c:v>70.918741599542827</c:v>
+                </c:pt>
+                <c:pt idx="232">
+                  <c:v>71.252369533293646</c:v>
+                </c:pt>
+                <c:pt idx="233">
+                  <c:v>71.585545087852964</c:v>
+                </c:pt>
+                <c:pt idx="234">
+                  <c:v>71.918263562366519</c:v>
+                </c:pt>
+                <c:pt idx="235">
+                  <c:v>72.250520299375182</c:v>
+                </c:pt>
+                <c:pt idx="236">
+                  <c:v>72.582310685183501</c:v>
+                </c:pt>
+                <c:pt idx="237">
+                  <c:v>72.913630149909594</c:v>
+                </c:pt>
+                <c:pt idx="238">
+                  <c:v>73.244474169381121</c:v>
+                </c:pt>
+                <c:pt idx="239">
+                  <c:v>73.574838262406743</c:v>
+                </c:pt>
+                <c:pt idx="240">
+                  <c:v>73.904717993491417</c:v>
+                </c:pt>
+                <c:pt idx="241">
+                  <c:v>74.234108973363689</c:v>
+                </c:pt>
+                <c:pt idx="242">
+                  <c:v>74.234108973363689</c:v>
+                </c:pt>
+                <c:pt idx="243">
+                  <c:v>74.563095556658553</c:v>
+                </c:pt>
+                <c:pt idx="244">
+                  <c:v>74.891584166167291</c:v>
+                </c:pt>
+                <c:pt idx="245">
+                  <c:v>75.21957023950857</c:v>
+                </c:pt>
+                <c:pt idx="246">
+                  <c:v>75.54704926402438</c:v>
+                </c:pt>
+                <c:pt idx="247">
+                  <c:v>75.874016775298756</c:v>
+                </c:pt>
+                <c:pt idx="248">
+                  <c:v>76.200468361216096</c:v>
+                </c:pt>
+                <c:pt idx="249">
+                  <c:v>76.526399656872343</c:v>
+                </c:pt>
+                <c:pt idx="250">
+                  <c:v>76.851806349527493</c:v>
+                </c:pt>
+                <c:pt idx="251">
+                  <c:v>77.176684176375602</c:v>
+                </c:pt>
+                <c:pt idx="252">
+                  <c:v>77.501028925692282</c:v>
+                </c:pt>
+                <c:pt idx="253">
+                  <c:v>77.501028925692282</c:v>
+                </c:pt>
+                <c:pt idx="254">
+                  <c:v>77.824836583243041</c:v>
+                </c:pt>
+                <c:pt idx="255">
+                  <c:v>78.148103774975098</c:v>
+                </c:pt>
+                <c:pt idx="256">
+                  <c:v>78.470827313444147</c:v>
+                </c:pt>
+                <c:pt idx="257">
+                  <c:v>78.793004052996068</c:v>
+                </c:pt>
+                <c:pt idx="258">
+                  <c:v>79.114630886159887</c:v>
+                </c:pt>
+                <c:pt idx="259">
+                  <c:v>79.435704745425099</c:v>
+                </c:pt>
+                <c:pt idx="260">
+                  <c:v>79.756222602495157</c:v>
+                </c:pt>
+                <c:pt idx="261">
+                  <c:v>80.076181467817165</c:v>
+                </c:pt>
+                <c:pt idx="262">
+                  <c:v>80.395578391378024</c:v>
+                </c:pt>
+                <c:pt idx="263">
+                  <c:v>80.714410462028113</c:v>
+                </c:pt>
+                <c:pt idx="264">
+                  <c:v>80.714410462028113</c:v>
+                </c:pt>
+                <c:pt idx="265">
+                  <c:v>81.03267466657698</c:v>
+                </c:pt>
+                <c:pt idx="266">
+                  <c:v>81.350367474809318</c:v>
+                </c:pt>
+                <c:pt idx="267">
+                  <c:v>81.667485264823995</c:v>
+                </c:pt>
+                <c:pt idx="268">
+                  <c:v>81.984024467399038</c:v>
+                </c:pt>
+                <c:pt idx="269">
+                  <c:v>82.299981563875733</c:v>
+                </c:pt>
+                <c:pt idx="270">
+                  <c:v>82.615353089084877</c:v>
+                </c:pt>
+                <c:pt idx="271">
+                  <c:v>82.930135626712499</c:v>
+                </c:pt>
+                <c:pt idx="272">
+                  <c:v>83.244325814241705</c:v>
+                </c:pt>
+                <c:pt idx="273">
+                  <c:v>83.55792034016433</c:v>
+                </c:pt>
+                <c:pt idx="274">
+                  <c:v>83.870915944789473</c:v>
+                </c:pt>
+                <c:pt idx="275">
+                  <c:v>83.870915944789473</c:v>
+                </c:pt>
+                <c:pt idx="276">
+                  <c:v>84.183225229603522</c:v>
+                </c:pt>
+                <c:pt idx="277">
+                  <c:v>84.49492996198687</c:v>
+                </c:pt>
+                <c:pt idx="278">
+                  <c:v>84.806027439269826</c:v>
+                </c:pt>
+                <c:pt idx="279">
+                  <c:v>85.11651500359514</c:v>
+                </c:pt>
+                <c:pt idx="280">
+                  <c:v>85.426390041612777</c:v>
+                </c:pt>
+                <c:pt idx="281">
+                  <c:v>85.735649984520563</c:v>
+                </c:pt>
+                <c:pt idx="282">
+                  <c:v>86.044292307724817</c:v>
+                </c:pt>
+                <c:pt idx="283">
+                  <c:v>86.352314531003444</c:v>
+                </c:pt>
+                <c:pt idx="284">
+                  <c:v>86.659714217932958</c:v>
+                </c:pt>
+                <c:pt idx="285">
+                  <c:v>86.966488976270625</c:v>
+                </c:pt>
+                <c:pt idx="286">
+                  <c:v>86.966488976270625</c:v>
+                </c:pt>
+                <c:pt idx="287">
+                  <c:v>87.272718860376742</c:v>
+                </c:pt>
+                <c:pt idx="288">
+                  <c:v>87.578317702746986</c:v>
+                </c:pt>
+                <c:pt idx="289">
+                  <c:v>87.883282137632463</c:v>
+                </c:pt>
+                <c:pt idx="290">
+                  <c:v>88.187608861026305</c:v>
+                </c:pt>
+                <c:pt idx="291">
+                  <c:v>88.491294630401711</c:v>
+                </c:pt>
+                <c:pt idx="292">
+                  <c:v>88.794336264984949</c:v>
+                </c:pt>
+                <c:pt idx="293">
+                  <c:v>89.096730645659122</c:v>
+                </c:pt>
+                <c:pt idx="294">
+                  <c:v>89.398474715170821</c:v>
+                </c:pt>
+                <c:pt idx="295">
+                  <c:v>89.699565477877471</c:v>
+                </c:pt>
+                <c:pt idx="296">
+                  <c:v>90</c:v>
+                </c:pt>
+              </c:numCache>
+            </c:numRef>
+          </c:xVal>
+          <c:yVal>
+            <c:numRef>
+              <c:f>'3_30x30'!$K$3:$K$3159</c:f>
+              <c:numCache>
+                <c:formatCode>General</c:formatCode>
+                <c:ptCount val="297"/>
+                <c:pt idx="0">
+                  <c:v>30</c:v>
+                </c:pt>
+                <c:pt idx="1">
+                  <c:v>29.998900315448502</c:v>
+                </c:pt>
+                <c:pt idx="2">
+                  <c:v>29.995591688429478</c:v>
+                </c:pt>
+                <c:pt idx="3">
+                  <c:v>29.990059998293361</c:v>
+                </c:pt>
+                <c:pt idx="4">
+                  <c:v>29.982291458932885</c:v>
+                </c:pt>
+                <c:pt idx="5">
+                  <c:v>29.972272620543702</c:v>
+                </c:pt>
+                <c:pt idx="6">
+                  <c:v>29.959990383968698</c:v>
+                </c:pt>
+                <c:pt idx="7">
+                  <c:v>29.945432005183235</c:v>
+                </c:pt>
+                <c:pt idx="8">
+                  <c:v>29.928585104649983</c:v>
+                </c:pt>
+                <c:pt idx="9">
+                  <c:v>29.909437677279993</c:v>
+                </c:pt>
+                <c:pt idx="10">
+                  <c:v>29.887978098892823</c:v>
+                </c:pt>
+                <c:pt idx="11">
+                  <c:v>29.887978098892823</c:v>
+                </c:pt>
+                <c:pt idx="12">
+                  <c:v>29.864201840128842</c:v>
+                </c:pt>
+                <c:pt idx="13">
+                  <c:v>29.838092418745752</c:v>
+                </c:pt>
+                <c:pt idx="14">
+                  <c:v>29.809639150607538</c:v>
+                </c:pt>
+                <c:pt idx="15">
+                  <c:v>29.778831695741953</c:v>
+                </c:pt>
+                <c:pt idx="16">
+                  <c:v>29.745660069467917</c:v>
+                </c:pt>
+                <c:pt idx="17">
+                  <c:v>29.710114644626515</c:v>
+                </c:pt>
+                <c:pt idx="18">
+                  <c:v>29.672186163384783</c:v>
+                </c:pt>
+                <c:pt idx="19">
+                  <c:v>29.631865740079853</c:v>
+                </c:pt>
+                <c:pt idx="20">
+                  <c:v>29.589144870889829</c:v>
+                </c:pt>
+                <c:pt idx="21">
+                  <c:v>29.54401543593438</c:v>
+                </c:pt>
+                <c:pt idx="22">
+                  <c:v>29.54401543593438</c:v>
+                </c:pt>
+                <c:pt idx="23">
+                  <c:v>29.496456550546434</c:v>
+                </c:pt>
+                <c:pt idx="24">
+                  <c:v>29.446472774225359</c:v>
+                </c:pt>
+                <c:pt idx="25">
+                  <c:v>29.394057240536419</c:v>
+                </c:pt>
+                <c:pt idx="26">
+                  <c:v>29.339203521216376</c:v>
+                </c:pt>
+                <c:pt idx="27">
+                  <c:v>29.281905632891167</c:v>
+                </c:pt>
+                <c:pt idx="28">
+                  <c:v>29.222158043550607</c:v>
+                </c:pt>
+                <c:pt idx="29">
+                  <c:v>29.159955679688629</c:v>
+                </c:pt>
+                <c:pt idx="30">
+                  <c:v>29.095293932519116</c:v>
+                </c:pt>
+                <c:pt idx="31">
+                  <c:v>29.028168663490483</c:v>
+                </c:pt>
+                <c:pt idx="32">
+                  <c:v>28.95857621220118</c:v>
+                </c:pt>
+                <c:pt idx="33">
+                  <c:v>28.95857621220118</c:v>
+                </c:pt>
+                <c:pt idx="34">
+                  <c:v>28.886513374991832</c:v>
+                </c:pt>
+                <c:pt idx="35">
+                  <c:v>28.811977327354032</c:v>
+                </c:pt>
+                <c:pt idx="36">
+                  <c:v>28.734965666155539</c:v>
+                </c:pt>
+                <c:pt idx="37">
+                  <c:v>28.655476439406279</c:v>
+                </c:pt>
+                <c:pt idx="38">
+                  <c:v>28.573508149846784</c:v>
+                </c:pt>
+                <c:pt idx="39">
+                  <c:v>28.489059760474113</c:v>
+                </c:pt>
+                <c:pt idx="40">
+                  <c:v>28.402130699874196</c:v>
+                </c:pt>
+                <c:pt idx="41">
+                  <c:v>28.312720866308315</c:v>
+                </c:pt>
+                <c:pt idx="42">
+                  <c:v>28.220830632422615</c:v>
+                </c:pt>
+                <c:pt idx="43">
+                  <c:v>28.126460853952455</c:v>
+                </c:pt>
+                <c:pt idx="44">
+                  <c:v>28.126460853952455</c:v>
+                </c:pt>
+                <c:pt idx="45">
+                  <c:v>28.029612922999473</c:v>
+                </c:pt>
+                <c:pt idx="46">
+                  <c:v>27.930288962051847</c:v>
+                </c:pt>
+                <c:pt idx="47">
+                  <c:v>27.828491687876554</c:v>
+                </c:pt>
+                <c:pt idx="48">
+                  <c:v>27.724224366614834</c:v>
+                </c:pt>
+                <c:pt idx="49">
+                  <c:v>27.617490817335511</c:v>
+                </c:pt>
+                <c:pt idx="50">
+                  <c:v>27.50829541739407</c:v>
+                </c:pt>
+                <c:pt idx="51">
+                  <c:v>27.396643103220015</c:v>
+                </c:pt>
+                <c:pt idx="52">
+                  <c:v>27.282539376991792</c:v>
+                </c:pt>
+                <c:pt idx="53">
+                  <c:v>27.165990308754782</c:v>
+                </c:pt>
+                <c:pt idx="54">
+                  <c:v>27.04700253724539</c:v>
+                </c:pt>
+                <c:pt idx="55">
+                  <c:v>27.04700253724539</c:v>
+                </c:pt>
+                <c:pt idx="56">
+                  <c:v>26.925616355440546</c:v>
+                </c:pt>
+                <c:pt idx="57">
+                  <c:v>26.801807602788696</c:v>
+                </c:pt>
+                <c:pt idx="58">
+                  <c:v>26.675584448979912</c:v>
+                </c:pt>
+                <c:pt idx="59">
+                  <c:v>26.546955627021642</c:v>
+                </c:pt>
+                <c:pt idx="60">
+                  <c:v>26.415930436902258</c:v>
+                </c:pt>
+                <c:pt idx="61">
+                  <c:v>26.282518747349556</c:v>
+                </c:pt>
+                <c:pt idx="62">
+                  <c:v>26.146730997510595</c:v>
+                </c:pt>
+                <c:pt idx="63">
+                  <c:v>26.008578198214693</c:v>
+                </c:pt>
+                <c:pt idx="64">
+                  <c:v>25.868071933665838</c:v>
+                </c:pt>
+                <c:pt idx="65">
+                  <c:v>25.725224362042823</c:v>
+                </c:pt>
+                <c:pt idx="66">
+                  <c:v>25.725224362042823</c:v>
+                </c:pt>
+                <c:pt idx="67">
+                  <c:v>25.58000869582068</c:v>
+                </c:pt>
+                <c:pt idx="68">
+                  <c:v>25.432476492955338</c:v>
+                </c:pt>
+                <c:pt idx="69">
+                  <c:v>25.282641623871768</c:v>
+                </c:pt>
+                <c:pt idx="70">
+                  <c:v>25.130518538809376</c:v>
+                </c:pt>
+                <c:pt idx="71">
+                  <c:v>24.976122264797752</c:v>
+                </c:pt>
+                <c:pt idx="72">
+                  <c:v>24.819468408874425</c:v>
+                </c:pt>
+                <c:pt idx="73">
+                  <c:v>24.660573154210866</c:v>
+                </c:pt>
+                <c:pt idx="74">
+                  <c:v>24.49945326311078</c:v>
+                </c:pt>
+                <c:pt idx="75">
+                  <c:v>24.336126074144058</c:v>
+                </c:pt>
+                <c:pt idx="76">
+                  <c:v>24.170609500290638</c:v>
+                </c:pt>
+                <c:pt idx="77">
+                  <c:v>24.170609500290638</c:v>
+                </c:pt>
+                <c:pt idx="78">
+                  <c:v>24.002922038640001</c:v>
+                </c:pt>
+                <c:pt idx="79">
+                  <c:v>23.833082795678902</c:v>
+                </c:pt>
+                <c:pt idx="80">
+                  <c:v>23.661111454775135</c:v>
+                </c:pt>
+                <c:pt idx="81">
+                  <c:v>23.487028266701582</c:v>
+                </c:pt>
+                <c:pt idx="82">
+                  <c:v>23.310854048577831</c:v>
+                </c:pt>
+                <c:pt idx="83">
+                  <c:v>23.132610177478504</c:v>
+                </c:pt>
+                <c:pt idx="84">
+                  <c:v>22.952318590586948</c:v>
+                </c:pt>
+                <c:pt idx="85">
+                  <c:v>22.770001781907446</c:v>
+                </c:pt>
+                <c:pt idx="86">
+                  <c:v>22.585682796333735</c:v>
+                </c:pt>
+                <c:pt idx="87">
+                  <c:v>22.399385227839964</c:v>
+                </c:pt>
+                <c:pt idx="88">
+                  <c:v>22.399385227839964</c:v>
+                </c:pt>
+                <c:pt idx="89">
+                  <c:v>22.211184298222165</c:v>
+                </c:pt>
+                <c:pt idx="90">
+                  <c:v>22.021054617137835</c:v>
+                </c:pt>
+                <c:pt idx="91">
+                  <c:v>21.829021355785045</c:v>
+                </c:pt>
+                <c:pt idx="92">
+                  <c:v>21.635110219544707</c:v>
+                </c:pt>
+                <c:pt idx="93">
+                  <c:v>21.439347439735354</c:v>
+                </c:pt>
+                <c:pt idx="94">
+                  <c:v>21.241759770513756</c:v>
+                </c:pt>
+                <c:pt idx="95">
+                  <c:v>21.042374482483119</c:v>
+                </c:pt>
+                <c:pt idx="96">
+                  <c:v>20.841219356939952</c:v>
+                </c:pt>
+                <c:pt idx="97">
+                  <c:v>20.638322682109632</c:v>
+                </c:pt>
+                <c:pt idx="98">
+                  <c:v>20.433713244038117</c:v>
+                </c:pt>
+                <c:pt idx="99">
+                  <c:v>20.433713244038117</c:v>
+                </c:pt>
+                <c:pt idx="100">
+                  <c:v>20.22736438373807</c:v>
+                </c:pt>
+                <c:pt idx="101">
+                  <c:v>20.019360898061947</c:v>
+                </c:pt>
+                <c:pt idx="102">
+                  <c:v>19.809733035994384</c:v>
+                </c:pt>
+                <c:pt idx="103">
+                  <c:v>19.598511520477466</c:v>
+                </c:pt>
+                <c:pt idx="104">
+                  <c:v>19.385727541537854</c:v>
+                </c:pt>
+                <c:pt idx="105">
+                  <c:v>19.171412749228967</c:v>
+                </c:pt>
+                <c:pt idx="106">
+                  <c:v>18.955599243781855</c:v>
+                </c:pt>
+                <c:pt idx="107">
+                  <c:v>18.738319570293847</c:v>
+                </c:pt>
+                <c:pt idx="108">
+                  <c:v>18.519606709328741</c:v>
+                </c:pt>
+                <c:pt idx="109">
+                  <c:v>18.299494067425769</c:v>
+                </c:pt>
+                <c:pt idx="110">
+                  <c:v>18.299494067425769</c:v>
+                </c:pt>
+                <c:pt idx="111">
+                  <c:v>18.07801547701569</c:v>
+                </c:pt>
+                <c:pt idx="112">
+                  <c:v>17.855205203595666</c:v>
+                </c:pt>
+                <c:pt idx="113">
+                  <c:v>17.631097917327097</c:v>
+                </c:pt>
+                <c:pt idx="114">
+                  <c:v>17.405728676621933</c:v>
+                </c:pt>
+                <c:pt idx="115">
+                  <c:v>17.179132918052918</c:v>
+                </c:pt>
+                <c:pt idx="116">
+                  <c:v>16.951346447831661</c:v>
+                </c:pt>
+                <c:pt idx="117">
+                  <c:v>16.722405430268466</c:v>
+                </c:pt>
+                <c:pt idx="118">
+                  <c:v>16.492346379058365</c:v>
+                </c:pt>
+                <c:pt idx="119">
+                  <c:v>16.261206146021319</c:v>
+                </c:pt>
+                <c:pt idx="120">
+                  <c:v>16.029021911735526</c:v>
+                </c:pt>
+                <c:pt idx="121">
+                  <c:v>16.029021911735526</c:v>
+                </c:pt>
+                <c:pt idx="122">
+                  <c:v>15.795894258908142</c:v>
+                </c:pt>
+                <c:pt idx="123">
+                  <c:v>15.561798403690503</c:v>
+                </c:pt>
+                <c:pt idx="124">
+                  <c:v>15.326772400806632</c:v>
+                </c:pt>
+                <c:pt idx="125">
+                  <c:v>15.090854590699021</c:v>
+                </c:pt>
+                <c:pt idx="126">
+                  <c:v>14.854083588668214</c:v>
+                </c:pt>
+                <c:pt idx="127">
+                  <c:v>14.616498271637122</c:v>
+                </c:pt>
+                <c:pt idx="128">
+                  <c:v>14.378137769174767</c:v>
+                </c:pt>
+                <c:pt idx="129">
+                  <c:v>14.139041450084452</c:v>
+                </c:pt>
+                <c:pt idx="130">
+                  <c:v>13.899248910783971</c:v>
+                </c:pt>
+                <c:pt idx="131">
+                  <c:v>13.658799963026805</c:v>
+                </c:pt>
+                <c:pt idx="132">
+                  <c:v>13.658799963026805</c:v>
+                </c:pt>
+                <c:pt idx="133">
+                  <c:v>13.417669476759563</c:v>
+                </c:pt>
+                <c:pt idx="134">
+                  <c:v>13.175962704201369</c:v>
+                </c:pt>
+                <c:pt idx="135">
+                  <c:v>12.933720270763715</c:v>
+                </c:pt>
+                <c:pt idx="136">
+                  <c:v>12.690982975331899</c:v>
+                </c:pt>
+                <c:pt idx="137">
+                  <c:v>12.447791777800035</c:v>
+                </c:pt>
+                <c:pt idx="138">
+                  <c:v>12.204187785263954</c:v>
+                </c:pt>
+                <c:pt idx="139">
+                  <c:v>11.960212237755332</c:v>
+                </c:pt>
+                <c:pt idx="140">
+                  <c:v>11.715906495293735</c:v>
+                </c:pt>
+                <c:pt idx="141">
+                  <c:v>11.471312023499468</c:v>
+                </c:pt>
+                <c:pt idx="142">
+                  <c:v>11.226470380831968</c:v>
+                </c:pt>
+                <c:pt idx="143">
+                  <c:v>11.226470380831968</c:v>
+                </c:pt>
+                <c:pt idx="144">
+                  <c:v>10.981423095397858</c:v>
+                </c:pt>
+                <c:pt idx="145">
+                  <c:v>10.736211323313269</c:v>
+                </c:pt>
+                <c:pt idx="146">
+                  <c:v>10.490876156408932</c:v>
+                </c:pt>
+                <c:pt idx="147">
+                  <c:v>10.245458715012722</c:v>
+                </c:pt>
+                <c:pt idx="148">
+                  <c:v>10.000000141372537</c:v>
+                </c:pt>
+                <c:pt idx="149">
+                  <c:v>9.7545415842869616</c:v>
+                </c:pt>
+                <c:pt idx="150">
+                  <c:v>9.5091241903810531</c:v>
+                </c:pt>
+                <c:pt idx="151">
+                  <c:v>9.2637890934045366</c:v>
+                </c:pt>
+                <c:pt idx="152">
+                  <c:v>9.018577400366139</c:v>
+                </c:pt>
+                <c:pt idx="153">
+                  <c:v>8.7735301839436346</c:v>
+                </c:pt>
+                <c:pt idx="154">
+                  <c:v>8.7735301839436346</c:v>
+                </c:pt>
+                <c:pt idx="155">
+                  <c:v>8.5286885796029797</c:v>
+                </c:pt>
+                <c:pt idx="156">
+                  <c:v>8.284094106968638</c:v>
+                </c:pt>
+                <c:pt idx="157">
+                  <c:v>8.0397883220490929</c:v>
+                </c:pt>
+                <c:pt idx="158">
+                  <c:v>7.7958126902360672</c:v>
+                </c:pt>
+                <c:pt idx="159">
+                  <c:v>7.552208574390944</c:v>
+                </c:pt>
+                <c:pt idx="160">
+                  <c:v>7.3090172202376174</c:v>
+                </c:pt>
+                <c:pt idx="161">
+                  <c:v>7.066279742763351</c:v>
+                </c:pt>
+                <c:pt idx="162">
+                  <c:v>6.8240371126890382</c:v>
+                </c:pt>
+                <c:pt idx="163">
+                  <c:v>6.5823301426554126</c:v>
+                </c:pt>
+                <c:pt idx="164">
+                  <c:v>6.3411994741842888</c:v>
+                </c:pt>
+                <c:pt idx="165">
+                  <c:v>6.3411994741842888</c:v>
+                </c:pt>
+                <c:pt idx="166">
+                  <c:v>6.1007503750820433</c:v>
+                </c:pt>
+                <c:pt idx="167">
+                  <c:v>5.8609577181330001</c:v>
+                </c:pt>
+                <c:pt idx="168">
+                  <c:v>5.621861315376508</c:v>
+                </c:pt>
+                <c:pt idx="169">
+                  <c:v>5.3835007630797058</c:v>
+                </c:pt>
+                <c:pt idx="170">
+                  <c:v>5.145915430064905</c:v>
+                </c:pt>
+                <c:pt idx="171">
+                  <c:v>4.9091444454847446</c:v>
+                </c:pt>
+                <c:pt idx="172">
+                  <c:v>4.673226686492459</c:v>
+                </c:pt>
+                <c:pt idx="173">
+                  <c:v>4.4382007681564604</c:v>
+                </c:pt>
+                <c:pt idx="174">
+                  <c:v>4.2041050309508661</c:v>
+                </c:pt>
+                <c:pt idx="175">
+                  <c:v>3.9709775296677847</c:v>
+                </c:pt>
+                <c:pt idx="176">
+                  <c:v>3.9709775296677847</c:v>
+                </c:pt>
+                <c:pt idx="177">
+                  <c:v>3.7387934781183683</c:v>
+                </c:pt>
+                <c:pt idx="178">
+                  <c:v>3.5076534511563038</c:v>
+                </c:pt>
+                <c:pt idx="179">
+                  <c:v>3.2775946188382195</c:v>
+                </c:pt>
+                <c:pt idx="180">
+                  <c:v>3.048653823167462</c:v>
+                </c:pt>
+                <c:pt idx="181">
+                  <c:v>2.8208675676249975</c:v>
+                </c:pt>
+                <c:pt idx="182">
+                  <c:v>2.5942720065500007</c:v>
+                </c:pt>
+                <c:pt idx="183">
+                  <c:v>2.3689029363227458</c:v>
+                </c:pt>
+                <c:pt idx="184">
+                  <c:v>2.1447957834953737</c:v>
+                </c:pt>
+                <c:pt idx="185">
+                  <c:v>1.9219855967899768</c:v>
+                </c:pt>
+                <c:pt idx="186">
+                  <c:v>1.7005070364074228</c:v>
+                </c:pt>
+                <c:pt idx="187">
+                  <c:v>1.7005070364074228</c:v>
+                </c:pt>
+                <c:pt idx="188">
+                  <c:v>1.4803943616414372</c:v>
+                </c:pt>
+                <c:pt idx="189">
+                  <c:v>1.2616814116151858</c:v>
+                </c:pt>
+                <c:pt idx="190">
+                  <c:v>1.044401603121095</c:v>
+                </c:pt>
+                <c:pt idx="191">
+                  <c:v>0.82858792683146554</c:v>
+                </c:pt>
+                <c:pt idx="192">
+                  <c:v>0.61427293769771474</c:v>
+                </c:pt>
+                <c:pt idx="193">
+                  <c:v>0.40148874615364072</c:v>
+                </c:pt>
+                <c:pt idx="194">
+                  <c:v>0.19026701216180442</c:v>
+                </c:pt>
+                <c:pt idx="195">
+                  <c:v>-1.936106444061636E-2</c:v>
+                </c:pt>
+                <c:pt idx="196">
+                  <c:v>-0.22736475093105568</c:v>
+                </c:pt>
+                <c:pt idx="197">
+                  <c:v>-0.43371378851220221</c:v>
+                </c:pt>
+                <c:pt idx="198">
+                  <c:v>-0.43371378851220221</c:v>
+                </c:pt>
+                <c:pt idx="199">
+                  <c:v>-0.63832337220034852</c:v>
+                </c:pt>
+                <c:pt idx="200">
+                  <c:v>-0.84122015956069163</c:v>
+                </c:pt>
+                <c:pt idx="201">
+                  <c:v>-1.0423753647688851</c:v>
+                </c:pt>
+                <c:pt idx="202">
+                  <c:v>-1.2417606997128967</c:v>
+                </c:pt>
+                <c:pt idx="203">
+                  <c:v>-1.439348383402276</c:v>
+                </c:pt>
+                <c:pt idx="204">
+                  <c:v>-1.6351111452800815</c:v>
+                </c:pt>
+                <c:pt idx="205">
+                  <c:v>-1.829022231444279</c:v>
+                </c:pt>
+                <c:pt idx="206">
+                  <c:v>-2.0210554105644292</c:v>
+                </c:pt>
+                <c:pt idx="207">
+                  <c:v>-2.2111849778629491</c:v>
+                </c:pt>
+                <c:pt idx="208">
+                  <c:v>-2.3993857618417209</c:v>
+                </c:pt>
+                <c:pt idx="209">
+                  <c:v>-2.3993857618417209</c:v>
+                </c:pt>
+                <c:pt idx="210">
+                  <c:v>-2.5856831549069916</c:v>
+                </c:pt>
+                <c:pt idx="211">
+                  <c:v>-2.7700019436507564</c:v>
+                </c:pt>
+                <c:pt idx="212">
+                  <c:v>-2.952318543573055</c:v>
+                </c:pt>
+                <c:pt idx="213">
+                  <c:v>-3.1326099192107488</c:v>
+                </c:pt>
+                <c:pt idx="214">
+                  <c:v>-3.3108535864589719</c:v>
+                </c:pt>
+                <c:pt idx="215">
+                  <c:v>-3.4870276175142489</c:v>
+                </c:pt>
+                <c:pt idx="216">
+                  <c:v>-3.6611106443702912</c:v>
+                </c:pt>
+                <c:pt idx="217">
+                  <c:v>-3.8330818596602168</c:v>
+                </c:pt>
+                <c:pt idx="218">
+                  <c:v>-4.0029210216583717</c:v>
+                </c:pt>
+                <c:pt idx="219">
+                  <c:v>-4.1706084558278818</c:v>
+                </c:pt>
+                <c:pt idx="220">
+                  <c:v>-4.1706084558278818</c:v>
+                </c:pt>
+                <c:pt idx="221">
+                  <c:v>-4.3361250618933393</c:v>
+                </c:pt>
+                <c:pt idx="222">
+                  <c:v>-4.4994523361168355</c:v>
+                </c:pt>
+                <c:pt idx="223">
+                  <c:v>-4.6605723555878367</c:v>
+                </c:pt>
+                <c:pt idx="224">
+                  <c:v>-4.8194677719967629</c:v>
+                </c:pt>
+                <c:pt idx="225">
+                  <c:v>-4.9761218138936467</c:v>
+                </c:pt>
+                <c:pt idx="226">
+                  <c:v>-5.1305182882081226</c:v>
+                </c:pt>
+                <c:pt idx="227">
+                  <c:v>-5.2826415788613748</c:v>
+                </c:pt>
+                <c:pt idx="228">
+                  <c:v>-5.4324766492017904</c:v>
+                </c:pt>
+                <c:pt idx="229">
+                  <c:v>-5.5800090401216664</c:v>
+                </c:pt>
+                <c:pt idx="230">
+                  <c:v>-5.7252248719710739</c:v>
+                </c:pt>
+                <c:pt idx="231">
+                  <c:v>-5.7252248719710739</c:v>
+                </c:pt>
+                <c:pt idx="232">
+                  <c:v>-5.868072579183977</c:v>
+                </c:pt>
+                <c:pt idx="233">
+                  <c:v>-6.0085789483172114</c:v>
+                </c:pt>
+                <c:pt idx="234">
+                  <c:v>-6.1467318212622004</c:v>
+                </c:pt>
+                <c:pt idx="235">
+                  <c:v>-6.2825196140546797</c:v>
+                </c:pt>
+                <c:pt idx="236">
+                  <c:v>-6.4159313160879226</c:v>
+                </c:pt>
+                <c:pt idx="237">
+                  <c:v>-6.5469564884928104</c:v>
+                </c:pt>
+                <c:pt idx="238">
+                  <c:v>-6.6755852629712589</c:v>
+                </c:pt>
+                <c:pt idx="239">
+                  <c:v>-6.8018083396768425</c:v>
+                </c:pt>
+                <c:pt idx="240">
+                  <c:v>-6.9256169856976086</c:v>
+                </c:pt>
+                <c:pt idx="241">
+                  <c:v>-7.0470030318879768</c:v>
+                </c:pt>
+                <c:pt idx="242">
+                  <c:v>-7.0470030318879768</c:v>
+                </c:pt>
+                <c:pt idx="243">
+                  <c:v>-7.1659906417814661</c:v>
+                </c:pt>
+                <c:pt idx="244">
+                  <c:v>-7.2825395363480521</c:v>
+                </c:pt>
+                <c:pt idx="245">
+                  <c:v>-7.3966430907194862</c:v>
+                </c:pt>
+                <c:pt idx="246">
+                  <c:v>-7.5082952468688617</c:v>
+                </c:pt>
+                <c:pt idx="247">
+                  <c:v>-7.6174905119067624</c:v>
+                </c:pt>
+                <c:pt idx="248">
+                  <c:v>-7.7242239560464032</c:v>
+                </c:pt>
+                <c:pt idx="249">
+                  <c:v>-7.8284912064187253</c:v>
+                </c:pt>
+                <c:pt idx="250">
+                  <c:v>-7.9302884458972578</c:v>
+                </c:pt>
+                <c:pt idx="251">
+                  <c:v>-8.0296124079891094</c:v>
+                </c:pt>
+                <c:pt idx="252">
+                  <c:v>-8.1264603732470242</c:v>
+                </c:pt>
+                <c:pt idx="253">
+                  <c:v>-8.1264603732470242</c:v>
+                </c:pt>
+                <c:pt idx="254">
+                  <c:v>-8.2208302120157022</c:v>
+                </c:pt>
+                <c:pt idx="255">
+                  <c:v>-8.3127205139576752</c:v>
+                </c:pt>
+                <c:pt idx="256">
+                  <c:v>-8.4021304077502066</c:v>
+                </c:pt>
+                <c:pt idx="257">
+                  <c:v>-8.4890595092055321</c:v>
+                </c:pt>
+                <c:pt idx="258">
+                  <c:v>-8.5735079133668926</c:v>
+                </c:pt>
+                <c:pt idx="259">
+                  <c:v>-8.6554761897997281</c:v>
+                </c:pt>
+                <c:pt idx="260">
+                  <c:v>-8.7349653780815544</c:v>
+                </c:pt>
+                <c:pt idx="261">
+                  <c:v>-8.8119769824340963</c:v>
+                </c:pt>
+                <c:pt idx="262">
+                  <c:v>-8.8865129662893203</c:v>
+                </c:pt>
+                <c:pt idx="263">
+                  <c:v>-8.958575748079614</c:v>
+                </c:pt>
+                <c:pt idx="264">
+                  <c:v>-8.958575748079614</c:v>
+                </c:pt>
+                <c:pt idx="265">
+                  <c:v>-9.0281681696653298</c:v>
+                </c:pt>
+                <c:pt idx="266">
+                  <c:v>-9.0952934409582937</c:v>
+                </c:pt>
+                <c:pt idx="267">
+                  <c:v>-9.1599552243778941</c:v>
+                </c:pt>
+                <c:pt idx="268">
+                  <c:v>-9.2221576580025211</c:v>
+                </c:pt>
+                <c:pt idx="269">
+                  <c:v>-9.2819053480849689</c:v>
+                </c:pt>
+                <c:pt idx="270">
+                  <c:v>-9.3392033635136826</c:v>
+                </c:pt>
+                <c:pt idx="271">
+                  <c:v>-9.394057229330171</c:v>
+                </c:pt>
+                <c:pt idx="272">
+                  <c:v>-9.4464729200830178</c:v>
+                </c:pt>
+                <c:pt idx="273">
+                  <c:v>-9.4964568532008116</c:v>
+                </c:pt>
+                <c:pt idx="274">
+                  <c:v>-9.5440158823586465</c:v>
+                </c:pt>
+                <c:pt idx="275">
+                  <c:v>-9.5440158823586465</c:v>
+                </c:pt>
+                <c:pt idx="276">
+                  <c:v>-9.589145434890316</c:v>
+                </c:pt>
+                <c:pt idx="277">
+                  <c:v>-9.6318663911018874</c:v>
+                </c:pt>
+                <c:pt idx="278">
+                  <c:v>-9.6721868682509502</c:v>
+                </c:pt>
+                <c:pt idx="279">
+                  <c:v>-9.7101153695308167</c:v>
+                </c:pt>
+                <c:pt idx="280">
+                  <c:v>-9.7456607806112689</c:v>
+                </c:pt>
+                <c:pt idx="281">
+                  <c:v>-9.7788323608064225</c:v>
+                </c:pt>
+                <c:pt idx="282">
+                  <c:v>-9.8096397390718568</c:v>
+                </c:pt>
+                <c:pt idx="283">
+                  <c:v>-9.8380929036347329</c:v>
+                </c:pt>
+                <c:pt idx="284">
+                  <c:v>-9.8642021984049819</c:v>
+                </c:pt>
+                <c:pt idx="285">
+                  <c:v>-9.8879783130716543</c:v>
+                </c:pt>
+                <c:pt idx="286">
+                  <c:v>-9.8879783130716543</c:v>
+                </c:pt>
+                <c:pt idx="287">
+                  <c:v>-9.9094377392127946</c:v>
+                </c:pt>
+                <c:pt idx="288">
+                  <c:v>-9.9285850279734529</c:v>
+                </c:pt>
+                <c:pt idx="289">
+                  <c:v>-9.9454318219794757</c:v>
+                </c:pt>
+                <c:pt idx="290">
+                  <c:v>-9.9599901375027322</c:v>
+                </c:pt>
+                <c:pt idx="291">
+                  <c:v>-9.972272357641085</c:v>
+                </c:pt>
+                <c:pt idx="292">
+                  <c:v>-9.9822912229863174</c:v>
+                </c:pt>
+                <c:pt idx="293">
+                  <c:v>-9.9900598226978037</c:v>
+                </c:pt>
+                <c:pt idx="294">
+                  <c:v>-9.9955915890383196</c:v>
+                </c:pt>
+                <c:pt idx="295">
+                  <c:v>-9.9989002848491051</c:v>
+                </c:pt>
+                <c:pt idx="296">
+                  <c:v>-10</c:v>
+                </c:pt>
+              </c:numCache>
+            </c:numRef>
+          </c:yVal>
+          <c:smooth val="0"/>
+          <c:extLst>
+            <c:ext xmlns:c16="http://schemas.microsoft.com/office/drawing/2014/chart" uri="{C3380CC4-5D6E-409C-BE32-E72D297353CC}">
+              <c16:uniqueId val="{00000002-7C73-4D40-B349-0BC9EC841170}"/>
+            </c:ext>
+          </c:extLst>
+        </c:ser>
+        <c:ser>
+          <c:idx val="3"/>
+          <c:order val="3"/>
+          <c:tx>
+            <c:v>Reference</c:v>
+          </c:tx>
+          <c:spPr>
+            <a:ln w="25400" cap="rnd">
+              <a:solidFill>
+                <a:schemeClr val="accent3"/>
+              </a:solidFill>
+              <a:round/>
+            </a:ln>
+            <a:effectLst/>
+          </c:spPr>
+          <c:marker>
+            <c:symbol val="none"/>
+          </c:marker>
+          <c:xVal>
+            <c:numRef>
+              <c:f>'3_30x30'!$J$3:$J$3159</c:f>
+              <c:numCache>
+                <c:formatCode>General</c:formatCode>
+                <c:ptCount val="297"/>
+                <c:pt idx="0">
+                  <c:v>0</c:v>
+                </c:pt>
+                <c:pt idx="1">
+                  <c:v>0.30043452212253335</c:v>
+                </c:pt>
+                <c:pt idx="2">
+                  <c:v>0.60152528482918577</c:v>
+                </c:pt>
+                <c:pt idx="3">
+                  <c:v>0.9032693543408854</c:v>
+                </c:pt>
+                <c:pt idx="4">
+                  <c:v>1.2056637350150439</c:v>
+                </c:pt>
+                <c:pt idx="5">
+                  <c:v>1.508705369598301</c:v>
+                </c:pt>
+                <c:pt idx="6">
+                  <c:v>1.8123911389736993</c:v>
+                </c:pt>
+                <c:pt idx="7">
+                  <c:v>2.11671786236754</c:v>
+                </c:pt>
+                <c:pt idx="8">
+                  <c:v>2.4216822972530094</c:v>
+                </c:pt>
+                <c:pt idx="9">
+                  <c:v>2.7272811396232579</c:v>
+                </c:pt>
+                <c:pt idx="10">
+                  <c:v>3.0335110237293703</c:v>
+                </c:pt>
+                <c:pt idx="11">
+                  <c:v>3.0335110237293703</c:v>
+                </c:pt>
+                <c:pt idx="12">
+                  <c:v>3.3402857820670375</c:v>
+                </c:pt>
+                <c:pt idx="13">
+                  <c:v>3.6476854689965599</c:v>
+                </c:pt>
+                <c:pt idx="14">
+                  <c:v>3.9557076922751877</c:v>
+                </c:pt>
+                <c:pt idx="15">
+                  <c:v>4.2643500154794358</c:v>
+                </c:pt>
+                <c:pt idx="16">
+                  <c:v>4.5736099583872303</c:v>
+                </c:pt>
+                <c:pt idx="17">
+                  <c:v>4.8834849964048663</c:v>
+                </c:pt>
+                <c:pt idx="18">
+                  <c:v>5.1939725607301748</c:v>
+                </c:pt>
+                <c:pt idx="19">
+                  <c:v>5.5050700380131339</c:v>
+                </c:pt>
+                <c:pt idx="20">
+                  <c:v>5.8167747703964769</c:v>
+                </c:pt>
+                <c:pt idx="21">
+                  <c:v>6.1290840552105301</c:v>
+                </c:pt>
+                <c:pt idx="22">
+                  <c:v>6.1290840552105301</c:v>
+                </c:pt>
+                <c:pt idx="23">
+                  <c:v>6.4420796598356711</c:v>
+                </c:pt>
+                <c:pt idx="24">
+                  <c:v>6.7556741857583011</c:v>
+                </c:pt>
+                <c:pt idx="25">
+                  <c:v>7.0698643732875128</c:v>
+                </c:pt>
+                <c:pt idx="26">
+                  <c:v>7.3846469109151309</c:v>
+                </c:pt>
+                <c:pt idx="27">
+                  <c:v>7.7000184361242603</c:v>
+                </c:pt>
+                <c:pt idx="28">
+                  <c:v>8.015975532600967</c:v>
+                </c:pt>
+                <c:pt idx="29">
+                  <c:v>8.3325147351760034</c:v>
+                </c:pt>
+                <c:pt idx="30">
+                  <c:v>8.6496325251906949</c:v>
+                </c:pt>
+                <c:pt idx="31">
+                  <c:v>8.9673253334230232</c:v>
+                </c:pt>
+                <c:pt idx="32">
+                  <c:v>9.2855895379718891</c:v>
+                </c:pt>
+                <c:pt idx="33">
+                  <c:v>9.2855895379718891</c:v>
+                </c:pt>
+                <c:pt idx="34">
+                  <c:v>9.6044216086219762</c:v>
+                </c:pt>
+                <c:pt idx="35">
+                  <c:v>9.9238185321828478</c:v>
+                </c:pt>
+                <c:pt idx="36">
+                  <c:v>10.243777397504852</c:v>
+                </c:pt>
+                <c:pt idx="37">
+                  <c:v>10.564295254574896</c:v>
+                </c:pt>
+                <c:pt idx="38">
+                  <c:v>10.88536911384011</c:v>
+                </c:pt>
+                <c:pt idx="39">
+                  <c:v>11.206995947003925</c:v>
+                </c:pt>
+                <c:pt idx="40">
+                  <c:v>11.529172686555846</c:v>
+                </c:pt>
+                <c:pt idx="41">
+                  <c:v>11.851896225024895</c:v>
+                </c:pt>
+                <c:pt idx="42">
+                  <c:v>12.175163416756968</c:v>
+                </c:pt>
+                <c:pt idx="43">
+                  <c:v>12.49897107430772</c:v>
+                </c:pt>
+                <c:pt idx="44">
+                  <c:v>12.49897107430772</c:v>
+                </c:pt>
+                <c:pt idx="45">
+                  <c:v>12.823315823624402</c:v>
+                </c:pt>
+                <c:pt idx="46">
+                  <c:v>13.148193650472505</c:v>
+                </c:pt>
+                <c:pt idx="47">
+                  <c:v>13.47360034312765</c:v>
+                </c:pt>
+                <c:pt idx="48">
+                  <c:v>13.799531638783913</c:v>
+                </c:pt>
+                <c:pt idx="49">
+                  <c:v>14.125983224701251</c:v>
+                </c:pt>
+                <c:pt idx="50">
+                  <c:v>14.452950735975632</c:v>
+                </c:pt>
+                <c:pt idx="51">
+                  <c:v>14.780429760491426</c:v>
+                </c:pt>
+                <c:pt idx="52">
+                  <c:v>15.108415833832717</c:v>
+                </c:pt>
+                <c:pt idx="53">
+                  <c:v>15.436904443341449</c:v>
+                </c:pt>
+                <c:pt idx="54">
+                  <c:v>15.765891026636316</c:v>
+                </c:pt>
+                <c:pt idx="55">
+                  <c:v>15.765891026636316</c:v>
+                </c:pt>
+                <c:pt idx="56">
+                  <c:v>16.09528200650859</c:v>
+                </c:pt>
+                <c:pt idx="57">
+                  <c:v>16.425161737593264</c:v>
+                </c:pt>
+                <c:pt idx="58">
+                  <c:v>16.755525830618883</c:v>
+                </c:pt>
+                <c:pt idx="59">
+                  <c:v>17.086369850090421</c:v>
+                </c:pt>
+                <c:pt idx="60">
+                  <c:v>17.417689314816506</c:v>
+                </c:pt>
+                <c:pt idx="61">
+                  <c:v>17.749479700624818</c:v>
+                </c:pt>
+                <c:pt idx="62">
+                  <c:v>18.081736437633477</c:v>
+                </c:pt>
+                <c:pt idx="63">
+                  <c:v>18.414454912147033</c:v>
+                </c:pt>
+                <c:pt idx="64">
+                  <c:v>18.747630466706358</c:v>
+                </c:pt>
+                <c:pt idx="65">
+                  <c:v>19.08125840045717</c:v>
+                </c:pt>
+                <c:pt idx="66">
+                  <c:v>19.08125840045717</c:v>
+                </c:pt>
+                <c:pt idx="67">
+                  <c:v>19.415424246369938</c:v>
+                </c:pt>
+                <c:pt idx="68">
+                  <c:v>19.750033181920617</c:v>
+                </c:pt>
+                <c:pt idx="69">
+                  <c:v>20.085080378455032</c:v>
+                </c:pt>
+                <c:pt idx="70">
+                  <c:v>20.420560963951708</c:v>
+                </c:pt>
+                <c:pt idx="71">
+                  <c:v>20.75647002344558</c:v>
+                </c:pt>
+                <c:pt idx="72">
+                  <c:v>21.092802600167651</c:v>
+                </c:pt>
+                <c:pt idx="73">
+                  <c:v>21.429553694912752</c:v>
+                </c:pt>
+                <c:pt idx="74">
+                  <c:v>21.766718268087558</c:v>
+                </c:pt>
+                <c:pt idx="75">
+                  <c:v>22.104291236621311</c:v>
+                </c:pt>
+                <c:pt idx="76">
+                  <c:v>22.442267478309098</c:v>
+                </c:pt>
+                <c:pt idx="77">
+                  <c:v>22.442267478309098</c:v>
+                </c:pt>
+                <c:pt idx="78">
+                  <c:v>22.780641828112259</c:v>
+                </c:pt>
+                <c:pt idx="79">
+                  <c:v>23.119409073468827</c:v>
+                </c:pt>
+                <c:pt idx="80">
+                  <c:v>23.458563960812025</c:v>
+                </c:pt>
+                <c:pt idx="81">
+                  <c:v>23.798101197855754</c:v>
+                </c:pt>
+                <c:pt idx="82">
+                  <c:v>24.138015453699872</c:v>
+                </c:pt>
+                <c:pt idx="83">
+                  <c:v>24.478301359653283</c:v>
+                </c:pt>
+                <c:pt idx="84">
+                  <c:v>24.818953508639609</c:v>
+                </c:pt>
+                <c:pt idx="85">
+                  <c:v>25.159966456770803</c:v>
+                </c:pt>
+                <c:pt idx="86">
+                  <c:v>25.50133472393917</c:v>
+                </c:pt>
+                <c:pt idx="87">
+                  <c:v>25.843052793189408</c:v>
+                </c:pt>
+                <c:pt idx="88">
+                  <c:v>25.843052793189408</c:v>
+                </c:pt>
+                <c:pt idx="89">
+                  <c:v>26.185022716090426</c:v>
+                </c:pt>
+                <c:pt idx="90">
+                  <c:v>26.527331122902357</c:v>
+                </c:pt>
+                <c:pt idx="91">
+                  <c:v>26.869972399000769</c:v>
+                </c:pt>
+                <c:pt idx="92">
+                  <c:v>27.212940895177326</c:v>
+                </c:pt>
+                <c:pt idx="93">
+                  <c:v>27.556230927911376</c:v>
+                </c:pt>
+                <c:pt idx="94">
+                  <c:v>27.899836779865673</c:v>
+                </c:pt>
+                <c:pt idx="95">
+                  <c:v>28.243752700323867</c:v>
+                </c:pt>
+                <c:pt idx="96">
+                  <c:v>28.587972907690908</c:v>
+                </c:pt>
+                <c:pt idx="97">
+                  <c:v>28.932491584721063</c:v>
+                </c:pt>
+                <c:pt idx="98">
+                  <c:v>29.277302885304461</c:v>
+                </c:pt>
+                <c:pt idx="99">
+                  <c:v>29.277302885304461</c:v>
+                </c:pt>
+                <c:pt idx="100">
+                  <c:v>29.622494164664793</c:v>
+                </c:pt>
+                <c:pt idx="101">
+                  <c:v>29.967966434360537</c:v>
+                </c:pt>
+                <c:pt idx="102">
+                  <c:v>30.31371375405298</c:v>
+                </c:pt>
+                <c:pt idx="103">
+                  <c:v>30.659730154233056</c:v>
+                </c:pt>
+                <c:pt idx="104">
+                  <c:v>31.006009635894582</c:v>
+                </c:pt>
+                <c:pt idx="105">
+                  <c:v>31.352546170169223</c:v>
+                </c:pt>
+                <c:pt idx="106">
+                  <c:v>31.699333701750806</c:v>
+                </c:pt>
+                <c:pt idx="107">
+                  <c:v>32.046366147106696</c:v>
+                </c:pt>
+                <c:pt idx="108">
+                  <c:v>32.393637395192478</c:v>
+                </c:pt>
+                <c:pt idx="109">
+                  <c:v>32.741141310104751</c:v>
+                </c:pt>
+                <c:pt idx="110">
+                  <c:v>32.741141310104751</c:v>
+                </c:pt>
+                <c:pt idx="111">
+                  <c:v>33.088871728202818</c:v>
+                </c:pt>
+                <c:pt idx="112">
+                  <c:v>33.436822457266601</c:v>
+                </c:pt>
+                <c:pt idx="113">
+                  <c:v>33.784987280486227</c:v>
+                </c:pt>
+                <c:pt idx="114">
+                  <c:v>34.133359957040618</c:v>
+                </c:pt>
+                <c:pt idx="115">
+                  <c:v>34.481934225113974</c:v>
+                </c:pt>
+                <c:pt idx="116">
+                  <c:v>34.830703799324134</c:v>
+                </c:pt>
+                <c:pt idx="117">
+                  <c:v>35.179662374651507</c:v>
+                </c:pt>
+                <c:pt idx="118">
+                  <c:v>35.528803625114342</c:v>
+                </c:pt>
+                <c:pt idx="119">
+                  <c:v>35.87812120441739</c:v>
+                </c:pt>
+                <c:pt idx="120">
+                  <c:v>36.227608747369757</c:v>
+                </c:pt>
+                <c:pt idx="121">
+                  <c:v>36.227608747369757</c:v>
+                </c:pt>
+                <c:pt idx="122">
+                  <c:v>36.577165450912311</c:v>
+                </c:pt>
+                <c:pt idx="123">
+                  <c:v>36.92687925201507</c:v>
+                </c:pt>
+                <c:pt idx="124">
+                  <c:v>37.276743738968875</c:v>
+                </c:pt>
+                <c:pt idx="125">
+                  <c:v>37.626752483217842</c:v>
+                </c:pt>
+                <c:pt idx="126">
+                  <c:v>37.976899039845478</c:v>
+                </c:pt>
+                <c:pt idx="127">
+                  <c:v>38.327176949602183</c:v>
+                </c:pt>
+                <c:pt idx="128">
+                  <c:v>38.677579737797267</c:v>
+                </c:pt>
+                <c:pt idx="129">
+                  <c:v>39.028100915576772</c:v>
+                </c:pt>
+                <c:pt idx="130">
+                  <c:v>39.378733981400565</c:v>
+                </c:pt>
+                <c:pt idx="131">
+                  <c:v>39.729472421250676</c:v>
+                </c:pt>
+                <c:pt idx="132">
+                  <c:v>39.729472421250676</c:v>
+                </c:pt>
+                <c:pt idx="133">
+                  <c:v>40.080404412835748</c:v>
+                </c:pt>
+                <c:pt idx="134">
+                  <c:v>40.431428449204681</c:v>
+                </c:pt>
+                <c:pt idx="135">
+                  <c:v>40.782537662424019</c:v>
+                </c:pt>
+                <c:pt idx="136">
+                  <c:v>41.133725174081121</c:v>
+                </c:pt>
+                <c:pt idx="137">
+                  <c:v>41.484984095617861</c:v>
+                </c:pt>
+                <c:pt idx="138">
+                  <c:v>41.836307529611915</c:v>
+                </c:pt>
+                <c:pt idx="139">
+                  <c:v>42.187688570742566</c:v>
+                </c:pt>
+                <c:pt idx="140">
+                  <c:v>42.539120306495249</c:v>
+                </c:pt>
+                <c:pt idx="141">
+                  <c:v>42.890595819185201</c:v>
+                </c:pt>
+                <c:pt idx="142">
+                  <c:v>43.242108184438528</c:v>
+                </c:pt>
+                <c:pt idx="143">
+                  <c:v>43.242108184438528</c:v>
+                </c:pt>
+                <c:pt idx="144">
+                  <c:v>43.593650632572221</c:v>
+                </c:pt>
+                <c:pt idx="145">
+                  <c:v>43.945217023345663</c:v>
+                </c:pt>
+                <c:pt idx="146">
+                  <c:v>44.296801371336386</c:v>
+                </c:pt>
+                <c:pt idx="147">
+                  <c:v>44.648397692723769</c:v>
+                </c:pt>
+                <c:pt idx="148">
+                  <c:v>45</c:v>
+                </c:pt>
+                <c:pt idx="149">
+                  <c:v>45.351602307276231</c:v>
+                </c:pt>
+                <c:pt idx="150">
+                  <c:v>45.703198628663614</c:v>
+                </c:pt>
+                <c:pt idx="151">
+                  <c:v>46.054782976654344</c:v>
+                </c:pt>
+                <c:pt idx="152">
+                  <c:v>46.406349367427786</c:v>
+                </c:pt>
+                <c:pt idx="153">
+                  <c:v>46.757891815561472</c:v>
+                </c:pt>
+                <c:pt idx="154">
+                  <c:v>46.757891815561472</c:v>
+                </c:pt>
+                <c:pt idx="155">
+                  <c:v>47.109404180814806</c:v>
+                </c:pt>
+                <c:pt idx="156">
+                  <c:v>47.460879693504751</c:v>
+                </c:pt>
+                <c:pt idx="157">
+                  <c:v>47.812311429257434</c:v>
+                </c:pt>
+                <c:pt idx="158">
+                  <c:v>48.163692470388092</c:v>
+                </c:pt>
+                <c:pt idx="159">
+                  <c:v>48.515015904382139</c:v>
+                </c:pt>
+                <c:pt idx="160">
+                  <c:v>48.866274825918879</c:v>
+                </c:pt>
+                <c:pt idx="161">
+                  <c:v>49.217462337575981</c:v>
+                </c:pt>
+                <c:pt idx="162">
+                  <c:v>49.568571550795326</c:v>
+                </c:pt>
+                <c:pt idx="163">
+                  <c:v>49.919595587164252</c:v>
+                </c:pt>
+                <c:pt idx="164">
+                  <c:v>50.270527578749324</c:v>
+                </c:pt>
+                <c:pt idx="165">
+                  <c:v>50.270527578749324</c:v>
+                </c:pt>
+                <c:pt idx="166">
+                  <c:v>50.621266018599442</c:v>
+                </c:pt>
+                <c:pt idx="167">
+                  <c:v>50.971899084423228</c:v>
+                </c:pt>
+                <c:pt idx="168">
+                  <c:v>51.322420262202733</c:v>
+                </c:pt>
+                <c:pt idx="169">
+                  <c:v>51.672823050397817</c:v>
+                </c:pt>
+                <c:pt idx="170">
+                  <c:v>52.023100960154522</c:v>
+                </c:pt>
+                <c:pt idx="171">
+                  <c:v>52.373247516782165</c:v>
+                </c:pt>
+                <c:pt idx="172">
+                  <c:v>52.723256261031132</c:v>
+                </c:pt>
+                <c:pt idx="173">
+                  <c:v>53.073120747984937</c:v>
+                </c:pt>
+                <c:pt idx="174">
+                  <c:v>53.422834549087689</c:v>
+                </c:pt>
+                <c:pt idx="175">
+                  <c:v>53.772391252630243</c:v>
+                </c:pt>
+                <c:pt idx="176">
+                  <c:v>53.772391252630243</c:v>
+                </c:pt>
+                <c:pt idx="177">
+                  <c:v>54.12187879558261</c:v>
+                </c:pt>
+                <c:pt idx="178">
+                  <c:v>54.471196374885665</c:v>
+                </c:pt>
+                <c:pt idx="179">
+                  <c:v>54.8203376253485</c:v>
+                </c:pt>
+                <c:pt idx="180">
+                  <c:v>55.169296200675866</c:v>
+                </c:pt>
+                <c:pt idx="181">
+                  <c:v>55.518065774886033</c:v>
+                </c:pt>
+                <c:pt idx="182">
+                  <c:v>55.866640042959389</c:v>
+                </c:pt>
+                <c:pt idx="183">
+                  <c:v>56.21501271951378</c:v>
+                </c:pt>
+                <c:pt idx="184">
+                  <c:v>56.563177542733406</c:v>
+                </c:pt>
+                <c:pt idx="185">
+                  <c:v>56.911128271797189</c:v>
+                </c:pt>
+                <c:pt idx="186">
+                  <c:v>57.258858689895256</c:v>
+                </c:pt>
+                <c:pt idx="187">
+                  <c:v>57.258858689895256</c:v>
+                </c:pt>
+                <c:pt idx="188">
+                  <c:v>57.606362604807515</c:v>
+                </c:pt>
+                <c:pt idx="189">
+                  <c:v>57.953633852893304</c:v>
+                </c:pt>
+                <c:pt idx="190">
+                  <c:v>58.300666298249197</c:v>
+                </c:pt>
+                <c:pt idx="191">
+                  <c:v>58.647453829830781</c:v>
+                </c:pt>
+                <c:pt idx="192">
+                  <c:v>58.993990364105414</c:v>
+                </c:pt>
+                <c:pt idx="193">
+                  <c:v>59.340269845766947</c:v>
+                </c:pt>
+                <c:pt idx="194">
+                  <c:v>59.686286245947024</c:v>
+                </c:pt>
+                <c:pt idx="195">
+                  <c:v>60.032033565639466</c:v>
+                </c:pt>
+                <c:pt idx="196">
+                  <c:v>60.377505835335214</c:v>
+                </c:pt>
+                <c:pt idx="197">
+                  <c:v>60.722697114695542</c:v>
+                </c:pt>
+                <c:pt idx="198">
+                  <c:v>60.722697114695542</c:v>
+                </c:pt>
+                <c:pt idx="199">
+                  <c:v>61.067508415278944</c:v>
+                </c:pt>
+                <c:pt idx="200">
+                  <c:v>61.412027092309096</c:v>
+                </c:pt>
+                <c:pt idx="201">
+                  <c:v>61.756247299676133</c:v>
+                </c:pt>
+                <c:pt idx="202">
+                  <c:v>62.100163220134334</c:v>
+                </c:pt>
+                <c:pt idx="203">
+                  <c:v>62.443769072088635</c:v>
+                </c:pt>
+                <c:pt idx="204">
+                  <c:v>62.787059104822674</c:v>
+                </c:pt>
+                <c:pt idx="205">
+                  <c:v>63.130027600999234</c:v>
+                </c:pt>
+                <c:pt idx="206">
+                  <c:v>63.472668877097647</c:v>
+                </c:pt>
+                <c:pt idx="207">
+                  <c:v>63.814977283909577</c:v>
+                </c:pt>
+                <c:pt idx="208">
+                  <c:v>64.156947206810599</c:v>
+                </c:pt>
+                <c:pt idx="209">
+                  <c:v>64.156947206810599</c:v>
+                </c:pt>
+                <c:pt idx="210">
+                  <c:v>64.498665276060834</c:v>
+                </c:pt>
+                <c:pt idx="211">
+                  <c:v>64.840033543229197</c:v>
+                </c:pt>
+                <c:pt idx="212">
+                  <c:v>65.181046491360391</c:v>
+                </c:pt>
+                <c:pt idx="213">
+                  <c:v>65.521698640346713</c:v>
+                </c:pt>
+                <c:pt idx="214">
+                  <c:v>65.861984546300135</c:v>
+                </c:pt>
+                <c:pt idx="215">
+                  <c:v>66.201898802144257</c:v>
+                </c:pt>
+                <c:pt idx="216">
+                  <c:v>66.541436039187985</c:v>
+                </c:pt>
+                <c:pt idx="217">
+                  <c:v>66.880590926531184</c:v>
+                </c:pt>
+                <c:pt idx="218">
+                  <c:v>67.219358171887748</c:v>
+                </c:pt>
+                <c:pt idx="219">
+                  <c:v>67.557732521690895</c:v>
+                </c:pt>
+                <c:pt idx="220">
+                  <c:v>67.557732521690895</c:v>
+                </c:pt>
+                <c:pt idx="221">
+                  <c:v>67.895708763378693</c:v>
+                </c:pt>
+                <c:pt idx="222">
+                  <c:v>68.233281731912456</c:v>
+                </c:pt>
+                <c:pt idx="223">
+                  <c:v>68.570446305087259</c:v>
+                </c:pt>
+                <c:pt idx="224">
+                  <c:v>68.907197399832356</c:v>
+                </c:pt>
+                <c:pt idx="225">
+                  <c:v>69.243529976554427</c:v>
+                </c:pt>
+                <c:pt idx="226">
+                  <c:v>69.579439036048299</c:v>
+                </c:pt>
+                <c:pt idx="227">
+                  <c:v>69.914919621544982</c:v>
+                </c:pt>
+                <c:pt idx="228">
+                  <c:v>70.249966818079386</c:v>
+                </c:pt>
+                <c:pt idx="229">
+                  <c:v>70.584575753630062</c:v>
+                </c:pt>
+                <c:pt idx="230">
+                  <c:v>70.918741599542827</c:v>
+                </c:pt>
+                <c:pt idx="231">
+                  <c:v>70.918741599542827</c:v>
+                </c:pt>
+                <c:pt idx="232">
+                  <c:v>71.252369533293646</c:v>
+                </c:pt>
+                <c:pt idx="233">
+                  <c:v>71.585545087852964</c:v>
+                </c:pt>
+                <c:pt idx="234">
+                  <c:v>71.918263562366519</c:v>
+                </c:pt>
+                <c:pt idx="235">
+                  <c:v>72.250520299375182</c:v>
+                </c:pt>
+                <c:pt idx="236">
+                  <c:v>72.582310685183501</c:v>
+                </c:pt>
+                <c:pt idx="237">
+                  <c:v>72.913630149909594</c:v>
+                </c:pt>
+                <c:pt idx="238">
+                  <c:v>73.244474169381121</c:v>
+                </c:pt>
+                <c:pt idx="239">
+                  <c:v>73.574838262406743</c:v>
+                </c:pt>
+                <c:pt idx="240">
+                  <c:v>73.904717993491417</c:v>
+                </c:pt>
+                <c:pt idx="241">
+                  <c:v>74.234108973363689</c:v>
+                </c:pt>
+                <c:pt idx="242">
+                  <c:v>74.234108973363689</c:v>
+                </c:pt>
+                <c:pt idx="243">
+                  <c:v>74.563095556658553</c:v>
+                </c:pt>
+                <c:pt idx="244">
+                  <c:v>74.891584166167291</c:v>
+                </c:pt>
+                <c:pt idx="245">
+                  <c:v>75.21957023950857</c:v>
+                </c:pt>
+                <c:pt idx="246">
+                  <c:v>75.54704926402438</c:v>
+                </c:pt>
+                <c:pt idx="247">
+                  <c:v>75.874016775298756</c:v>
+                </c:pt>
+                <c:pt idx="248">
+                  <c:v>76.200468361216096</c:v>
+                </c:pt>
+                <c:pt idx="249">
+                  <c:v>76.526399656872343</c:v>
+                </c:pt>
+                <c:pt idx="250">
+                  <c:v>76.851806349527493</c:v>
+                </c:pt>
+                <c:pt idx="251">
+                  <c:v>77.176684176375602</c:v>
+                </c:pt>
+                <c:pt idx="252">
+                  <c:v>77.501028925692282</c:v>
+                </c:pt>
+                <c:pt idx="253">
+                  <c:v>77.501028925692282</c:v>
+                </c:pt>
+                <c:pt idx="254">
+                  <c:v>77.824836583243041</c:v>
+                </c:pt>
+                <c:pt idx="255">
+                  <c:v>78.148103774975098</c:v>
+                </c:pt>
+                <c:pt idx="256">
+                  <c:v>78.470827313444147</c:v>
+                </c:pt>
+                <c:pt idx="257">
+                  <c:v>78.793004052996068</c:v>
+                </c:pt>
+                <c:pt idx="258">
+                  <c:v>79.114630886159887</c:v>
+                </c:pt>
+                <c:pt idx="259">
+                  <c:v>79.435704745425099</c:v>
+                </c:pt>
+                <c:pt idx="260">
+                  <c:v>79.756222602495157</c:v>
+                </c:pt>
+                <c:pt idx="261">
+                  <c:v>80.076181467817165</c:v>
+                </c:pt>
+                <c:pt idx="262">
+                  <c:v>80.395578391378024</c:v>
+                </c:pt>
+                <c:pt idx="263">
+                  <c:v>80.714410462028113</c:v>
+                </c:pt>
+                <c:pt idx="264">
+                  <c:v>80.714410462028113</c:v>
+                </c:pt>
+                <c:pt idx="265">
+                  <c:v>81.03267466657698</c:v>
+                </c:pt>
+                <c:pt idx="266">
+                  <c:v>81.350367474809318</c:v>
+                </c:pt>
+                <c:pt idx="267">
+                  <c:v>81.667485264823995</c:v>
+                </c:pt>
+                <c:pt idx="268">
+                  <c:v>81.984024467399038</c:v>
+                </c:pt>
+                <c:pt idx="269">
+                  <c:v>82.299981563875733</c:v>
+                </c:pt>
+                <c:pt idx="270">
+                  <c:v>82.615353089084877</c:v>
+                </c:pt>
+                <c:pt idx="271">
+                  <c:v>82.930135626712499</c:v>
+                </c:pt>
+                <c:pt idx="272">
+                  <c:v>83.244325814241705</c:v>
+                </c:pt>
+                <c:pt idx="273">
+                  <c:v>83.55792034016433</c:v>
+                </c:pt>
+                <c:pt idx="274">
+                  <c:v>83.870915944789473</c:v>
+                </c:pt>
+                <c:pt idx="275">
+                  <c:v>83.870915944789473</c:v>
+                </c:pt>
+                <c:pt idx="276">
+                  <c:v>84.183225229603522</c:v>
+                </c:pt>
+                <c:pt idx="277">
+                  <c:v>84.49492996198687</c:v>
+                </c:pt>
+                <c:pt idx="278">
+                  <c:v>84.806027439269826</c:v>
+                </c:pt>
+                <c:pt idx="279">
+                  <c:v>85.11651500359514</c:v>
+                </c:pt>
+                <c:pt idx="280">
+                  <c:v>85.426390041612777</c:v>
+                </c:pt>
+                <c:pt idx="281">
+                  <c:v>85.735649984520563</c:v>
+                </c:pt>
+                <c:pt idx="282">
+                  <c:v>86.044292307724817</c:v>
+                </c:pt>
+                <c:pt idx="283">
+                  <c:v>86.352314531003444</c:v>
+                </c:pt>
+                <c:pt idx="284">
+                  <c:v>86.659714217932958</c:v>
+                </c:pt>
+                <c:pt idx="285">
+                  <c:v>86.966488976270625</c:v>
+                </c:pt>
+                <c:pt idx="286">
+                  <c:v>86.966488976270625</c:v>
+                </c:pt>
+                <c:pt idx="287">
+                  <c:v>87.272718860376742</c:v>
+                </c:pt>
+                <c:pt idx="288">
+                  <c:v>87.578317702746986</c:v>
+                </c:pt>
+                <c:pt idx="289">
+                  <c:v>87.883282137632463</c:v>
+                </c:pt>
+                <c:pt idx="290">
+                  <c:v>88.187608861026305</c:v>
+                </c:pt>
+                <c:pt idx="291">
+                  <c:v>88.491294630401711</c:v>
+                </c:pt>
+                <c:pt idx="292">
+                  <c:v>88.794336264984949</c:v>
+                </c:pt>
+                <c:pt idx="293">
+                  <c:v>89.096730645659122</c:v>
+                </c:pt>
+                <c:pt idx="294">
+                  <c:v>89.398474715170821</c:v>
+                </c:pt>
+                <c:pt idx="295">
+                  <c:v>89.699565477877471</c:v>
+                </c:pt>
+                <c:pt idx="296">
+                  <c:v>90</c:v>
+                </c:pt>
+              </c:numCache>
+            </c:numRef>
+          </c:xVal>
+          <c:yVal>
+            <c:numRef>
+              <c:f>'3_30x30'!$L$3:$L$3159</c:f>
+              <c:numCache>
+                <c:formatCode>General</c:formatCode>
+                <c:ptCount val="297"/>
+                <c:pt idx="0">
+                  <c:v>0</c:v>
+                </c:pt>
+                <c:pt idx="1">
+                  <c:v>-4.5897415207651444E-8</c:v>
+                </c:pt>
+                <c:pt idx="2">
+                  <c:v>-1.4906482720174554E-7</c:v>
+                </c:pt>
+                <c:pt idx="3">
+                  <c:v>-2.6330606184912903E-7</c:v>
+                </c:pt>
+                <c:pt idx="4">
+                  <c:v>-3.5371093797755444E-7</c:v>
+                </c:pt>
+                <c:pt idx="5">
+                  <c:v>-3.9398943849952082E-7</c:v>
+                </c:pt>
+                <c:pt idx="6">
+                  <c:v>-3.6920589815740594E-7</c:v>
+                </c:pt>
+                <c:pt idx="7">
+                  <c:v>-2.7430578372587873E-7</c:v>
+                </c:pt>
+                <c:pt idx="8">
+                  <c:v>-1.1474100433542263E-7</c:v>
+                </c:pt>
+                <c:pt idx="9">
+                  <c:v>9.261876341724903E-8</c:v>
+                </c:pt>
+                <c:pt idx="10">
+                  <c:v>3.200686112734761E-7</c:v>
+                </c:pt>
+                <c:pt idx="11">
+                  <c:v>3.200686112734761E-7</c:v>
+                </c:pt>
+                <c:pt idx="12">
+                  <c:v>5.3498154638781312E-7</c:v>
+                </c:pt>
+                <c:pt idx="13">
+                  <c:v>7.2340812171225164E-7</c:v>
+                </c:pt>
+                <c:pt idx="14">
+                  <c:v>8.7709546368993776E-7</c:v>
+                </c:pt>
+                <c:pt idx="15">
+                  <c:v>9.902421536767829E-7</c:v>
+                </c:pt>
+                <c:pt idx="16">
+                  <c:v>1.057671432344148E-6</c:v>
+                </c:pt>
+                <c:pt idx="17">
+                  <c:v>1.0768495087283033E-6</c:v>
+                </c:pt>
+                <c:pt idx="18">
+                  <c:v>1.0457460149651782E-6</c:v>
+                </c:pt>
+                <c:pt idx="19">
+                  <c:v>9.6454988514644929E-7</c:v>
+                </c:pt>
+                <c:pt idx="20">
+                  <c:v>8.3441461112498867E-7</c:v>
+                </c:pt>
+                <c:pt idx="21">
+                  <c:v>6.5945827475527137E-7</c:v>
+                </c:pt>
+                <c:pt idx="22">
+                  <c:v>6.5945827475527137E-7</c:v>
+                </c:pt>
+                <c:pt idx="23">
+                  <c:v>4.463615901927185E-7</c:v>
+                </c:pt>
+                <c:pt idx="24">
+                  <c:v>2.1474967242904068E-7</c:v>
+                </c:pt>
+                <c:pt idx="25">
+                  <c:v>-1.6469856591357467E-8</c:v>
+                </c:pt>
+                <c:pt idx="26">
+                  <c:v>-2.3134357379662429E-7</c:v>
+                </c:pt>
+                <c:pt idx="27">
+                  <c:v>-4.1698340631484049E-7</c:v>
+                </c:pt>
+                <c:pt idx="28">
+                  <c:v>-5.6332735247280181E-7</c:v>
+                </c:pt>
+                <c:pt idx="29">
+                  <c:v>-6.6384203860044824E-7</c:v>
+                </c:pt>
+                <c:pt idx="30">
+                  <c:v>-7.1510533685793725E-7</c:v>
+                </c:pt>
+                <c:pt idx="31">
+                  <c:v>-7.1674199141489137E-7</c:v>
+                </c:pt>
+                <c:pt idx="32">
+                  <c:v>-6.7201497673124713E-7</c:v>
+                </c:pt>
+                <c:pt idx="33">
+                  <c:v>-6.7201497673124713E-7</c:v>
+                </c:pt>
+                <c:pt idx="34">
+                  <c:v>-5.9029952604920495E-7</c:v>
+                </c:pt>
+                <c:pt idx="35">
+                  <c:v>-4.9689126837006154E-7</c:v>
+                </c:pt>
+                <c:pt idx="36">
+                  <c:v>-4.1388979960017861E-7</c:v>
+                </c:pt>
+                <c:pt idx="37">
+                  <c:v>-3.5762973212295894E-7</c:v>
+                </c:pt>
+                <c:pt idx="38">
+                  <c:v>-3.378530124259187E-7</c:v>
+                </c:pt>
+                <c:pt idx="39">
+                  <c:v>-3.5792028164010871E-7</c:v>
+                </c:pt>
+                <c:pt idx="40">
+                  <c:v>-4.148471805195595E-7</c:v>
+                </c:pt>
+                <c:pt idx="41">
+                  <c:v>-4.98800257408539E-7</c:v>
+                </c:pt>
+                <c:pt idx="42">
+                  <c:v>-5.9321161115150558E-7</c:v>
+                </c:pt>
+                <c:pt idx="43">
+                  <c:v>-6.7602712050580454E-7</c:v>
+                </c:pt>
+                <c:pt idx="44">
+                  <c:v>-6.7602712050580454E-7</c:v>
+                </c:pt>
+                <c:pt idx="45">
+                  <c:v>-7.2177704907743849E-7</c:v>
+                </c:pt>
+                <c:pt idx="46">
+                  <c:v>-7.2081733089394366E-7</c:v>
+                </c:pt>
+                <c:pt idx="47">
+                  <c:v>-6.6991224347379633E-7</c:v>
+                </c:pt>
+                <c:pt idx="48">
+                  <c:v>-5.6913455797724296E-7</c:v>
+                </c:pt>
+                <c:pt idx="49">
+                  <c:v>-4.2175878167385268E-7</c:v>
+                </c:pt>
+                <c:pt idx="50">
+                  <c:v>-2.3454289435999379E-7</c:v>
+                </c:pt>
+                <c:pt idx="51">
+                  <c:v>-1.7123627241911272E-8</c:v>
+                </c:pt>
+                <c:pt idx="52">
+                  <c:v>2.1738217049917411E-7</c:v>
+                </c:pt>
+                <c:pt idx="53">
+                  <c:v>4.5234998722573979E-7</c:v>
+                </c:pt>
+                <c:pt idx="54">
+                  <c:v>6.6892997035682316E-7</c:v>
+                </c:pt>
+                <c:pt idx="55">
+                  <c:v>6.6892997035682316E-7</c:v>
+                </c:pt>
+                <c:pt idx="56">
+                  <c:v>8.4850300612749318E-7</c:v>
+                </c:pt>
+                <c:pt idx="57">
+                  <c:v>9.8749672875304221E-7</c:v>
+                </c:pt>
+                <c:pt idx="58">
+                  <c:v>1.0856847593644888E-6</c:v>
+                </c:pt>
+                <c:pt idx="59">
+                  <c:v>1.1434718595977781E-6</c:v>
+                </c:pt>
+                <c:pt idx="60">
+                  <c:v>1.1612253906327268E-6</c:v>
+                </c:pt>
+                <c:pt idx="61">
+                  <c:v>1.1389597042719897E-6</c:v>
+                </c:pt>
+                <c:pt idx="62">
+                  <c:v>1.076920596972869E-6</c:v>
+                </c:pt>
+                <c:pt idx="63">
+                  <c:v>9.7545502005735484E-7</c:v>
+                </c:pt>
+                <c:pt idx="64">
+                  <c:v>8.3491549673930913E-7</c:v>
+                </c:pt>
+                <c:pt idx="65">
+                  <c:v>6.5590094328091887E-7</c:v>
+                </c:pt>
+                <c:pt idx="66">
+                  <c:v>6.5590094328091887E-7</c:v>
+                </c:pt>
+                <c:pt idx="67">
+                  <c:v>4.4036111368581068E-7</c:v>
+                </c:pt>
+                <c:pt idx="68">
+                  <c:v>1.9868670666193897E-7</c:v>
+                </c:pt>
+                <c:pt idx="69">
+                  <c:v>-5.6899084543174554E-8</c:v>
+                </c:pt>
+                <c:pt idx="70">
+                  <c:v>-3.1488697152418666E-7</c:v>
+                </c:pt>
+                <c:pt idx="71">
+                  <c:v>-5.6309179837299208E-7</c:v>
+                </c:pt>
+                <c:pt idx="72">
+                  <c:v>-7.903482422238697E-7</c:v>
+                </c:pt>
+                <c:pt idx="73">
+                  <c:v>-9.847250747396103E-7</c:v>
+                </c:pt>
+                <c:pt idx="74">
+                  <c:v>-1.1355422185364558E-6</c:v>
+                </c:pt>
+                <c:pt idx="75">
+                  <c:v>-1.2317130280128535E-6</c:v>
+                </c:pt>
+                <c:pt idx="76">
+                  <c:v>-1.2622650388266984E-6</c:v>
+                </c:pt>
+                <c:pt idx="77">
+                  <c:v>-1.2622650388266984E-6</c:v>
+                </c:pt>
+                <c:pt idx="78">
+                  <c:v>-1.220526516018805E-6</c:v>
+                </c:pt>
+                <c:pt idx="79">
+                  <c:v>-1.1154105169117022E-6</c:v>
+                </c:pt>
+                <c:pt idx="80">
+                  <c:v>-9.5875395050232131E-7</c:v>
+                </c:pt>
+                <c:pt idx="81">
+                  <c:v>-7.6237405202612959E-7</c:v>
+                </c:pt>
+                <c:pt idx="82">
+                  <c:v>-5.3861926043999233E-7</c:v>
+                </c:pt>
+                <c:pt idx="83">
+                  <c:v>-2.9872036518201231E-7</c:v>
+                </c:pt>
+                <c:pt idx="84">
+                  <c:v>-5.395388944398508E-8</c:v>
+                </c:pt>
+                <c:pt idx="85">
+                  <c:v>1.8414477245131758E-7</c:v>
+                </c:pt>
+                <c:pt idx="86">
+                  <c:v>4.0493109265513398E-7</c:v>
+                </c:pt>
+                <c:pt idx="87">
+                  <c:v>5.980655599060353E-7</c:v>
+                </c:pt>
+                <c:pt idx="88">
+                  <c:v>5.980655599060353E-7</c:v>
+                </c:pt>
+                <c:pt idx="89">
+                  <c:v>7.5478134447228465E-7</c:v>
+                </c:pt>
+                <c:pt idx="90">
+                  <c:v>8.7360453241098443E-7</c:v>
+                </c:pt>
+                <c:pt idx="91">
+                  <c:v>9.5573922675581026E-7</c:v>
+                </c:pt>
+                <c:pt idx="92">
+                  <c:v>1.0014193667714363E-6</c:v>
+                </c:pt>
+                <c:pt idx="93">
+                  <c:v>1.01158016851832E-6</c:v>
+                </c:pt>
+                <c:pt idx="94">
+                  <c:v>9.8689126557749161E-7</c:v>
+                </c:pt>
+                <c:pt idx="95">
+                  <c:v>9.2826939409264498E-7</c:v>
+                </c:pt>
+                <c:pt idx="96">
+                  <c:v>8.3637975881655299E-7</c:v>
+                </c:pt>
+                <c:pt idx="97">
+                  <c:v>7.1211575617187983E-7</c:v>
+                </c:pt>
+                <c:pt idx="98">
+                  <c:v>5.5628137945442383E-7</c:v>
+                </c:pt>
+                <c:pt idx="99">
+                  <c:v>5.5628137945442383E-7</c:v>
+                </c:pt>
+                <c:pt idx="100">
+                  <c:v>3.7136731593626175E-7</c:v>
+                </c:pt>
+                <c:pt idx="101">
+                  <c:v>1.665397350798085E-7</c:v>
+                </c:pt>
+                <c:pt idx="102">
+                  <c:v>-4.7698063313185514E-8</c:v>
+                </c:pt>
+                <c:pt idx="103">
+                  <c:v>-2.6127863864719564E-7</c:v>
+                </c:pt>
+                <c:pt idx="104">
+                  <c:v>-4.6451650217040333E-7</c:v>
+                </c:pt>
+                <c:pt idx="105">
+                  <c:v>-6.4805166804210347E-7</c:v>
+                </c:pt>
+                <c:pt idx="106">
+                  <c:v>-8.0267762543487349E-7</c:v>
+                </c:pt>
+                <c:pt idx="107">
+                  <c:v>-9.1996623716670128E-7</c:v>
+                </c:pt>
+                <c:pt idx="108">
+                  <c:v>-9.9169729462906077E-7</c:v>
+                </c:pt>
+                <c:pt idx="109">
+                  <c:v>-1.0099794182645165E-6</c:v>
+                </c:pt>
+                <c:pt idx="110">
+                  <c:v>-1.0099794182645165E-6</c:v>
+                </c:pt>
+                <c:pt idx="111">
+                  <c:v>-9.7061374539057712E-7</c:v>
+                </c:pt>
+                <c:pt idx="112">
+                  <c:v>-8.8123562839348226E-7</c:v>
+                </c:pt>
+                <c:pt idx="113">
+                  <c:v>-7.5253918189855747E-7</c:v>
+                </c:pt>
+                <c:pt idx="114">
+                  <c:v>-5.9455525840000919E-7</c:v>
+                </c:pt>
+                <c:pt idx="115">
+                  <c:v>-4.1717626647113861E-7</c:v>
+                </c:pt>
+                <c:pt idx="116">
+                  <c:v>-2.2969000312980899E-7</c:v>
+                </c:pt>
+                <c:pt idx="117">
+                  <c:v>-4.1059096791683528E-8</c:v>
+                </c:pt>
+                <c:pt idx="118">
+                  <c:v>1.4000792688858776E-7</c:v>
+                </c:pt>
+                <c:pt idx="119">
+                  <c:v>3.0559710324372035E-7</c:v>
+                </c:pt>
+                <c:pt idx="120">
+                  <c:v>4.4768793205282502E-7</c:v>
+                </c:pt>
+                <c:pt idx="121">
+                  <c:v>4.4768793205282502E-7</c:v>
+                </c:pt>
+                <c:pt idx="122">
+                  <c:v>5.6086561531150472E-7</c:v>
+                </c:pt>
+                <c:pt idx="123">
+                  <c:v>6.4437754511055516E-7</c:v>
+                </c:pt>
+                <c:pt idx="124">
+                  <c:v>6.9943797262710785E-7</c:v>
+                </c:pt>
+                <c:pt idx="125">
+                  <c:v>7.2724055690265479E-7</c:v>
+                </c:pt>
+                <c:pt idx="126">
+                  <c:v>7.2879103946694556E-7</c:v>
+                </c:pt>
+                <c:pt idx="127">
+                  <c:v>7.0545301235264488E-7</c:v>
+                </c:pt>
+                <c:pt idx="128">
+                  <c:v>6.5812241196172426E-7</c:v>
+                </c:pt>
+                <c:pt idx="129">
+                  <c:v>5.8803041488048834E-7</c:v>
+                </c:pt>
+                <c:pt idx="130">
+                  <c:v>4.9629631126697841E-7</c:v>
+                </c:pt>
+                <c:pt idx="131">
+                  <c:v>3.8435106345955583E-7</c:v>
+                </c:pt>
+                <c:pt idx="132">
+                  <c:v>3.8435106345955583E-7</c:v>
+                </c:pt>
+                <c:pt idx="133">
+                  <c:v>2.5532820414851573E-7</c:v>
+                </c:pt>
+                <c:pt idx="134">
+                  <c:v>1.2063225772887682E-7</c:v>
+                </c:pt>
+                <c:pt idx="135">
+                  <c:v>-8.7477630284602199E-9</c:v>
+                </c:pt>
+                <c:pt idx="136">
+                  <c:v>-1.2409846604092569E-7</c:v>
+                </c:pt>
+                <c:pt idx="137">
+                  <c:v>-2.1919999406926486E-7</c:v>
+                </c:pt>
+                <c:pt idx="138">
+                  <c:v>-2.9015457339803487E-7</c:v>
+                </c:pt>
+                <c:pt idx="139">
+                  <c:v>-3.3476897866507685E-7</c:v>
+                </c:pt>
+                <c:pt idx="140">
+                  <c:v>-3.5280247340045934E-7</c:v>
+                </c:pt>
+                <c:pt idx="141">
+                  <c:v>-3.4591880896047049E-7</c:v>
+                </c:pt>
+                <c:pt idx="142">
+                  <c:v>-3.1702181913524077E-7</c:v>
+                </c:pt>
+                <c:pt idx="143">
+                  <c:v>-3.1702181913524077E-7</c:v>
+                </c:pt>
+                <c:pt idx="144">
+                  <c:v>-2.7220970640066291E-7</c:v>
+                </c:pt>
+                <c:pt idx="145">
+                  <c:v>-2.2369851754902547E-7</c:v>
+                </c:pt>
+                <c:pt idx="146">
+                  <c:v>-1.8190653417218091E-7</c:v>
+                </c:pt>
+                <c:pt idx="147">
+                  <c:v>-1.5332312610894576E-7</c:v>
+                </c:pt>
+                <c:pt idx="148">
+                  <c:v>-1.4137253478985204E-7</c:v>
+                </c:pt>
+                <c:pt idx="149">
+                  <c:v>-1.4597655892700172E-7</c:v>
+                </c:pt>
+                <c:pt idx="150">
+                  <c:v>-1.6488344700380693E-7</c:v>
+                </c:pt>
+                <c:pt idx="151">
+                  <c:v>-1.930192893790653E-7</c:v>
+                </c:pt>
+                <c:pt idx="152">
+                  <c:v>-2.2355429456218762E-7</c:v>
+                </c:pt>
+                <c:pt idx="153">
+                  <c:v>-2.4775378048551858E-7</c:v>
+                </c:pt>
+                <c:pt idx="154">
+                  <c:v>-2.4775378048551858E-7</c:v>
+                </c:pt>
+                <c:pt idx="155">
+                  <c:v>-2.571836390219804E-7</c:v>
+                </c:pt>
+                <c:pt idx="156">
+                  <c:v>-2.4945989990550238E-7</c:v>
+                </c:pt>
+                <c:pt idx="157">
+                  <c:v>-2.2503544637259191E-7</c:v>
+                </c:pt>
+                <c:pt idx="158">
+                  <c:v>-1.8534545040188917E-7</c:v>
+                </c:pt>
+                <c:pt idx="159">
+                  <c:v>-1.3299098231335099E-7</c:v>
+                </c:pt>
+                <c:pt idx="160">
+                  <c:v>-7.1471045655266299E-8</c:v>
+                </c:pt>
+                <c:pt idx="161">
+                  <c:v>-4.7793008849830531E-9</c:v>
+                </c:pt>
+                <c:pt idx="162">
+                  <c:v>6.2477333094472484E-8</c:v>
+                </c:pt>
+                <c:pt idx="163">
+                  <c:v>1.2525681601695346E-7</c:v>
+                </c:pt>
+                <c:pt idx="164">
+                  <c:v>1.7843784423911895E-7</c:v>
+                </c:pt>
+                <c:pt idx="165">
+                  <c:v>1.7843784423911895E-7</c:v>
+                </c:pt>
+                <c:pt idx="166">
+                  <c:v>2.1783767068243786E-7</c:v>
+                </c:pt>
+                <c:pt idx="167">
+                  <c:v>2.4375213462362378E-7</c:v>
+                </c:pt>
+                <c:pt idx="168">
+                  <c:v>2.573263082006352E-7</c:v>
+                </c:pt>
+                <c:pt idx="169">
+                  <c:v>2.5983015770974707E-7</c:v>
+                </c:pt>
+                <c:pt idx="170">
+                  <c:v>2.5247584383729827E-7</c:v>
+                </c:pt>
+                <c:pt idx="171">
+                  <c:v>2.3657567991819209E-7</c:v>
+                </c:pt>
+                <c:pt idx="172">
+                  <c:v>2.1326293222662805E-7</c:v>
+                </c:pt>
+                <c:pt idx="173">
+                  <c:v>1.8377548881658178E-7</c:v>
+                </c:pt>
+                <c:pt idx="174">
+                  <c:v>1.4927537847557373E-7</c:v>
+                </c:pt>
+                <c:pt idx="175">
+                  <c:v>1.1090875130040455E-7</c:v>
+                </c:pt>
+                <c:pt idx="176">
+                  <c:v>1.1090875130040455E-7</c:v>
+                </c:pt>
+                <c:pt idx="177">
+                  <c:v>7.0263207409233071E-8</c:v>
+                </c:pt>
+                <c:pt idx="178">
+                  <c:v>2.9777406681672601E-8</c:v>
+                </c:pt>
+                <c:pt idx="179">
+                  <c:v>-8.0475908134769284E-9</c:v>
+                </c:pt>
+                <c:pt idx="180">
+                  <c:v>-4.1309124453073665E-8</c:v>
+                </c:pt>
+                <c:pt idx="181">
+                  <c:v>-6.8501646970978775E-8</c:v>
+                </c:pt>
+                <c:pt idx="182">
+                  <c:v>-8.861668061989051E-8</c:v>
+                </c:pt>
+                <c:pt idx="183">
+                  <c:v>-1.0111066224726321E-7</c:v>
+                </c:pt>
+                <c:pt idx="184">
+                  <c:v>-1.0585540940277925E-7</c:v>
+                </c:pt>
+                <c:pt idx="185">
+                  <c:v>-1.0319192343695486E-7</c:v>
+                </c:pt>
+                <c:pt idx="186">
+                  <c:v>-9.3853775474007147E-8</c:v>
+                </c:pt>
+                <c:pt idx="187">
+                  <c:v>-9.3853775474007147E-8</c:v>
+                </c:pt>
+                <c:pt idx="188">
+                  <c:v>-7.9272882357147174E-8</c:v>
+                </c:pt>
+                <c:pt idx="189">
+                  <c:v>-6.1942794694093639E-8</c:v>
+                </c:pt>
+                <c:pt idx="190">
+                  <c:v>-4.4225322336026484E-8</c:v>
+                </c:pt>
+                <c:pt idx="191">
+                  <c:v>-2.8008764038912495E-8</c:v>
+                </c:pt>
+                <c:pt idx="192">
+                  <c:v>-1.4719066836016505E-8</c:v>
+                </c:pt>
+                <c:pt idx="193">
+                  <c:v>-5.352467435630693E-9</c:v>
+                </c:pt>
+                <c:pt idx="194">
+                  <c:v>-4.5812683345655792E-10</c:v>
+                </c:pt>
+                <c:pt idx="195">
+                  <c:v>-1.6106312901313749E-10</c:v>
+                </c:pt>
+                <c:pt idx="196">
+                  <c:v>-4.1743343599808917E-9</c:v>
+                </c:pt>
+                <c:pt idx="197">
+                  <c:v>-1.1807288085938382E-8</c:v>
+                </c:pt>
+                <c:pt idx="198">
+                  <c:v>-1.1807288085938382E-8</c:v>
+                </c:pt>
+                <c:pt idx="199">
+                  <c:v>-2.2025039379056028E-8</c:v>
+                </c:pt>
+                <c:pt idx="200">
+                  <c:v>-3.3759021166635734E-8</c:v>
+                </c:pt>
+                <c:pt idx="201">
+                  <c:v>-4.5983627424710863E-8</c:v>
+                </c:pt>
+                <c:pt idx="202">
+                  <c:v>-5.7692126833594682E-8</c:v>
+                </c:pt>
+                <c:pt idx="203">
+                  <c:v>-6.7913250577531642E-8</c:v>
+                </c:pt>
+                <c:pt idx="204">
+                  <c:v>-7.5683990637606825E-8</c:v>
+                </c:pt>
+                <c:pt idx="205">
+                  <c:v>-8.0079991633582372E-8</c:v>
+                </c:pt>
+                <c:pt idx="206">
+                  <c:v>-8.0177939095823681E-8</c:v>
+                </c:pt>
+                <c:pt idx="207">
+                  <c:v>-7.5140563040939274E-8</c:v>
+                </c:pt>
+                <c:pt idx="208">
+                  <c:v>-6.406380375877321E-8</c:v>
+                </c:pt>
+                <c:pt idx="209">
+                  <c:v>-6.406380375877321E-8</c:v>
+                </c:pt>
+                <c:pt idx="210">
+                  <c:v>-4.6357838233121856E-8</c:v>
+                </c:pt>
+                <c:pt idx="211">
+                  <c:v>-2.2401463704908298E-8</c:v>
+                </c:pt>
+                <c:pt idx="212">
+                  <c:v>6.9399988855956183E-9</c:v>
+                </c:pt>
+                <c:pt idx="213">
+                  <c:v>4.0452609111716111E-8</c:v>
+                </c:pt>
+                <c:pt idx="214">
+                  <c:v>7.6500401704953496E-8</c:v>
+                </c:pt>
+                <c:pt idx="215">
+                  <c:v>1.1318671924649694E-7</c:v>
+                </c:pt>
+                <c:pt idx="216">
+                  <c:v>1.4834910727007282E-7</c:v>
+                </c:pt>
+                <c:pt idx="217">
+                  <c:v>1.7939183212882222E-7</c:v>
+                </c:pt>
+                <c:pt idx="218">
+                  <c:v>2.0354488377851699E-7</c:v>
+                </c:pt>
+                <c:pt idx="219">
+                  <c:v>2.178022869842528E-7</c:v>
+                </c:pt>
+                <c:pt idx="220">
+                  <c:v>2.178022869842528E-7</c:v>
+                </c:pt>
+                <c:pt idx="221">
+                  <c:v>2.1946230921134302E-7</c:v>
+                </c:pt>
+                <c:pt idx="222">
+                  <c:v>2.0854827470812006E-7</c:v>
+                </c:pt>
+                <c:pt idx="223">
+                  <c:v>1.8610203814877063E-7</c:v>
+                </c:pt>
+                <c:pt idx="224">
+                  <c:v>1.5347057828404195E-7</c:v>
+                </c:pt>
+                <c:pt idx="225">
+                  <c:v>1.1218769320819657E-7</c:v>
+                </c:pt>
+                <c:pt idx="226">
+                  <c:v>6.4285718441892357E-8</c:v>
+                </c:pt>
+                <c:pt idx="227">
+                  <c:v>1.1888689132347374E-8</c:v>
+                </c:pt>
+                <c:pt idx="228">
+                  <c:v>-4.2440258659888096E-8</c:v>
+                </c:pt>
+                <c:pt idx="229">
+                  <c:v>-9.6060127075830689E-8</c:v>
+                </c:pt>
+                <c:pt idx="230">
+                  <c:v>-1.4597269032454792E-7</c:v>
+                </c:pt>
+                <c:pt idx="231">
+                  <c:v>-1.4597269032454792E-7</c:v>
+                </c:pt>
+                <c:pt idx="232">
+                  <c:v>-1.8939735446665943E-7</c:v>
+                </c:pt>
+                <c:pt idx="233">
+                  <c:v>-2.2535249662935685E-7</c:v>
+                </c:pt>
+                <c:pt idx="234">
+                  <c:v>-2.5316899337704521E-7</c:v>
+                </c:pt>
+                <c:pt idx="235">
+                  <c:v>-2.7225457771547899E-7</c:v>
+                </c:pt>
+                <c:pt idx="236">
+                  <c:v>-2.8203972303113704E-7</c:v>
+                </c:pt>
+                <c:pt idx="237">
+                  <c:v>-2.8200069297339478E-7</c:v>
+                </c:pt>
+                <c:pt idx="238">
+                  <c:v>-2.7169341503613137E-7</c:v>
+                </c:pt>
+                <c:pt idx="239">
+                  <c:v>-2.5060858269516299E-7</c:v>
+                </c:pt>
+                <c:pt idx="240">
+                  <c:v>-2.182459407015278E-7</c:v>
+                </c:pt>
+                <c:pt idx="241">
+                  <c:v>-1.7428738346668587E-7</c:v>
+                </c:pt>
+                <c:pt idx="242">
+                  <c:v>-1.7428738346668587E-7</c:v>
+                </c:pt>
+                <c:pt idx="243">
+                  <c:v>-1.1932330321837494E-7</c:v>
+                </c:pt>
+                <c:pt idx="244">
+                  <c:v>-5.8025912309982472E-8</c:v>
+                </c:pt>
+                <c:pt idx="245">
+                  <c:v>4.6230977414969109E-9</c:v>
+                </c:pt>
+                <c:pt idx="246">
+                  <c:v>6.4017682630993669E-8</c:v>
+                </c:pt>
+                <c:pt idx="247">
+                  <c:v>1.1633003049440422E-7</c:v>
+                </c:pt>
+                <c:pt idx="248">
+                  <c:v>1.5856612983311165E-7</c:v>
+                </c:pt>
+                <c:pt idx="249">
+                  <c:v>1.8845442097504204E-7</c:v>
+                </c:pt>
+                <c:pt idx="250">
+                  <c:v>2.0466274293443831E-7</c:v>
+                </c:pt>
+                <c:pt idx="251">
+                  <c:v>2.0676668805335651E-7</c:v>
+                </c:pt>
+                <c:pt idx="252">
+                  <c:v>1.9532168726905463E-7</c:v>
+                </c:pt>
+                <c:pt idx="253">
+                  <c:v>1.9532168726905463E-7</c:v>
+                </c:pt>
+                <c:pt idx="254">
+                  <c:v>1.7280469742559298E-7</c:v>
+                </c:pt>
+                <c:pt idx="255">
+                  <c:v>1.4644962207319788E-7</c:v>
+                </c:pt>
+                <c:pt idx="256">
+                  <c:v>1.2272319551777962E-7</c:v>
+                </c:pt>
+                <c:pt idx="257">
+                  <c:v>1.0665170014306478E-7</c:v>
+                </c:pt>
+                <c:pt idx="258">
+                  <c:v>1.0137311676036529E-7</c:v>
+                </c:pt>
+                <c:pt idx="259">
+                  <c:v>1.0802318113913147E-7</c:v>
+                </c:pt>
+                <c:pt idx="260">
+                  <c:v>1.2581581493349728E-7</c:v>
+                </c:pt>
+                <c:pt idx="261">
+                  <c:v>1.5197132909318395E-7</c:v>
+                </c:pt>
+                <c:pt idx="262">
+                  <c:v>1.8159701421542431E-7</c:v>
+                </c:pt>
+                <c:pt idx="263">
+                  <c:v>2.0789341332743947E-7</c:v>
+                </c:pt>
+                <c:pt idx="264">
+                  <c:v>2.0789341332743947E-7</c:v>
+                </c:pt>
+                <c:pt idx="265">
+                  <c:v>2.229168350924331E-7</c:v>
+                </c:pt>
+                <c:pt idx="266">
+                  <c:v>2.2354450703955463E-7</c:v>
+                </c:pt>
+                <c:pt idx="267">
+                  <c:v>2.0853130281969209E-7</c:v>
+                </c:pt>
+                <c:pt idx="268">
+                  <c:v>1.7777926568299086E-7</c:v>
+                </c:pt>
+                <c:pt idx="269">
+                  <c:v>1.3217721213081191E-7</c:v>
+                </c:pt>
+                <c:pt idx="270">
+                  <c:v>7.3640878449640318E-8</c:v>
+                </c:pt>
+                <c:pt idx="271">
+                  <c:v>5.263607329482721E-9</c:v>
+                </c:pt>
+                <c:pt idx="272">
+                  <c:v>-6.8892017586056076E-8</c:v>
+                </c:pt>
+                <c:pt idx="273">
+                  <c:v>-1.4370721085664264E-7</c:v>
+                </c:pt>
+                <c:pt idx="274">
+                  <c:v>-2.1303400831268039E-7</c:v>
+                </c:pt>
+                <c:pt idx="275">
+                  <c:v>-2.1303400831268039E-7</c:v>
+                </c:pt>
+                <c:pt idx="276">
+                  <c:v>-2.704141259213247E-7</c:v>
+                </c:pt>
+                <c:pt idx="277">
+                  <c:v>-3.1352785108702635E-7</c:v>
+                </c:pt>
+                <c:pt idx="278">
+                  <c:v>-3.4087985064020958E-7</c:v>
+                </c:pt>
+                <c:pt idx="279">
+                  <c:v>-3.519452076978543E-7</c:v>
+                </c:pt>
+                <c:pt idx="280">
+                  <c:v>-3.465280803606249E-7</c:v>
+                </c:pt>
+                <c:pt idx="281">
+                  <c:v>-3.2517768573499349E-7</c:v>
+                </c:pt>
+                <c:pt idx="282">
+                  <c:v>-2.8863114197416187E-7</c:v>
+                </c:pt>
+                <c:pt idx="283">
+                  <c:v>-2.3851913830254798E-7</c:v>
+                </c:pt>
+                <c:pt idx="284">
+                  <c:v>-1.767054098516512E-7</c:v>
+                </c:pt>
+                <c:pt idx="285">
+                  <c:v>-1.0588977993646755E-7</c:v>
+                </c:pt>
+                <c:pt idx="286">
+                  <c:v>-1.0588977993646755E-7</c:v>
+                </c:pt>
+                <c:pt idx="287">
+                  <c:v>-3.0685962307472638E-8</c:v>
+                </c:pt>
+                <c:pt idx="288">
+                  <c:v>3.8064472544868853E-8</c:v>
+                </c:pt>
+                <c:pt idx="289">
+                  <c:v>9.1102024895803726E-8</c:v>
+                </c:pt>
+                <c:pt idx="290">
+                  <c:v>1.2273993274296184E-7</c:v>
+                </c:pt>
+                <c:pt idx="291">
+                  <c:v>1.310868254865378E-7</c:v>
+                </c:pt>
+                <c:pt idx="292">
+                  <c:v>1.1776437124857046E-7</c:v>
+                </c:pt>
+                <c:pt idx="293">
+                  <c:v>8.7710505975586782E-8</c:v>
+                </c:pt>
+                <c:pt idx="294">
+                  <c:v>4.967366967530496E-8</c:v>
+                </c:pt>
+                <c:pt idx="295">
+                  <c:v>1.5298016637121488E-8</c:v>
+                </c:pt>
+                <c:pt idx="296">
+                  <c:v>0</c:v>
+                </c:pt>
+              </c:numCache>
+            </c:numRef>
+          </c:yVal>
+          <c:smooth val="0"/>
+          <c:extLst>
+            <c:ext xmlns:c16="http://schemas.microsoft.com/office/drawing/2014/chart" uri="{C3380CC4-5D6E-409C-BE32-E72D297353CC}">
+              <c16:uniqueId val="{00000003-7C73-4D40-B349-0BC9EC841170}"/>
+            </c:ext>
+          </c:extLst>
+        </c:ser>
+        <c:dLbls>
+          <c:showLegendKey val="0"/>
+          <c:showVal val="0"/>
+          <c:showCatName val="0"/>
+          <c:showSerName val="0"/>
+          <c:showPercent val="0"/>
+          <c:showBubbleSize val="0"/>
+        </c:dLbls>
+        <c:axId val="307534607"/>
+        <c:axId val="307536271"/>
+      </c:scatterChart>
+      <c:valAx>
+        <c:axId val="307534607"/>
+        <c:scaling>
+          <c:orientation val="minMax"/>
+          <c:max val="90"/>
+        </c:scaling>
+        <c:delete val="0"/>
+        <c:axPos val="b"/>
+        <c:majorGridlines>
+          <c:spPr>
+            <a:ln w="9525" cap="flat" cmpd="sng" algn="ctr">
+              <a:solidFill>
+                <a:schemeClr val="tx1">
+                  <a:lumMod val="15000"/>
+                  <a:lumOff val="85000"/>
+                </a:schemeClr>
+              </a:solidFill>
+              <a:round/>
+            </a:ln>
+            <a:effectLst/>
+          </c:spPr>
+        </c:majorGridlines>
+        <c:title>
+          <c:tx>
+            <c:rich>
+              <a:bodyPr rot="0" spcFirstLastPara="1" vertOverflow="ellipsis" vert="horz" wrap="square" anchor="ctr" anchorCtr="1"/>
+              <a:lstStyle/>
+              <a:p>
+                <a:pPr>
+                  <a:defRPr sz="1000" b="0" i="0" u="none" strike="noStrike" kern="1200" baseline="0">
+                    <a:solidFill>
+                      <a:schemeClr val="tx1">
+                        <a:lumMod val="65000"/>
+                        <a:lumOff val="35000"/>
+                      </a:schemeClr>
+                    </a:solidFill>
+                    <a:latin typeface="+mn-lt"/>
+                    <a:ea typeface="+mn-ea"/>
+                    <a:cs typeface="+mn-cs"/>
+                  </a:defRPr>
+                </a:pPr>
+                <a:r>
+                  <a:rPr lang="en-US" altLang="ja-JP"/>
+                  <a:t>Angle [degree]</a:t>
+                </a:r>
+                <a:endParaRPr lang="ja-JP" altLang="en-US"/>
+              </a:p>
+            </c:rich>
+          </c:tx>
+          <c:overlay val="0"/>
+          <c:spPr>
+            <a:noFill/>
+            <a:ln>
+              <a:noFill/>
+            </a:ln>
+            <a:effectLst/>
+          </c:spPr>
+          <c:txPr>
+            <a:bodyPr rot="0" spcFirstLastPara="1" vertOverflow="ellipsis" vert="horz" wrap="square" anchor="ctr" anchorCtr="1"/>
+            <a:lstStyle/>
+            <a:p>
+              <a:pPr>
+                <a:defRPr sz="1000" b="0" i="0" u="none" strike="noStrike" kern="1200" baseline="0">
+                  <a:solidFill>
+                    <a:schemeClr val="tx1">
+                      <a:lumMod val="65000"/>
+                      <a:lumOff val="35000"/>
+                    </a:schemeClr>
+                  </a:solidFill>
+                  <a:latin typeface="+mn-lt"/>
+                  <a:ea typeface="+mn-ea"/>
+                  <a:cs typeface="+mn-cs"/>
+                </a:defRPr>
+              </a:pPr>
+              <a:endParaRPr lang="ja-JP"/>
+            </a:p>
+          </c:txPr>
+        </c:title>
+        <c:numFmt formatCode="General" sourceLinked="1"/>
+        <c:majorTickMark val="none"/>
+        <c:minorTickMark val="none"/>
+        <c:tickLblPos val="low"/>
+        <c:spPr>
+          <a:noFill/>
+          <a:ln w="9525" cap="flat" cmpd="sng" algn="ctr">
+            <a:solidFill>
+              <a:schemeClr val="tx1">
+                <a:lumMod val="25000"/>
+                <a:lumOff val="75000"/>
+              </a:schemeClr>
+            </a:solidFill>
+            <a:round/>
+          </a:ln>
+          <a:effectLst/>
+        </c:spPr>
+        <c:txPr>
+          <a:bodyPr rot="-60000000" spcFirstLastPara="1" vertOverflow="ellipsis" vert="horz" wrap="square" anchor="ctr" anchorCtr="1"/>
+          <a:lstStyle/>
+          <a:p>
+            <a:pPr>
+              <a:defRPr sz="900" b="0" i="0" u="none" strike="noStrike" kern="1200" baseline="0">
+                <a:solidFill>
+                  <a:schemeClr val="tx1">
+                    <a:lumMod val="65000"/>
+                    <a:lumOff val="35000"/>
+                  </a:schemeClr>
+                </a:solidFill>
+                <a:latin typeface="+mn-lt"/>
+                <a:ea typeface="+mn-ea"/>
+                <a:cs typeface="+mn-cs"/>
+              </a:defRPr>
+            </a:pPr>
+            <a:endParaRPr lang="ja-JP"/>
+          </a:p>
+        </c:txPr>
+        <c:crossAx val="307536271"/>
+        <c:crosses val="autoZero"/>
+        <c:crossBetween val="midCat"/>
+        <c:majorUnit val="30"/>
+      </c:valAx>
+      <c:valAx>
+        <c:axId val="307536271"/>
+        <c:scaling>
+          <c:orientation val="minMax"/>
+          <c:min val="-60"/>
+        </c:scaling>
+        <c:delete val="0"/>
+        <c:axPos val="l"/>
+        <c:majorGridlines>
+          <c:spPr>
+            <a:ln w="9525" cap="flat" cmpd="sng" algn="ctr">
+              <a:solidFill>
+                <a:schemeClr val="tx1">
+                  <a:lumMod val="15000"/>
+                  <a:lumOff val="85000"/>
+                </a:schemeClr>
+              </a:solidFill>
+              <a:round/>
+            </a:ln>
+            <a:effectLst/>
+          </c:spPr>
+        </c:majorGridlines>
+        <c:title>
+          <c:tx>
+            <c:rich>
+              <a:bodyPr rot="-5400000" spcFirstLastPara="1" vertOverflow="ellipsis" vert="horz" wrap="square" anchor="ctr" anchorCtr="1"/>
+              <a:lstStyle/>
+              <a:p>
+                <a:pPr>
+                  <a:defRPr sz="1000" b="0" i="0" u="none" strike="noStrike" kern="1200" baseline="0">
+                    <a:solidFill>
+                      <a:schemeClr val="tx1">
+                        <a:lumMod val="65000"/>
+                        <a:lumOff val="35000"/>
+                      </a:schemeClr>
+                    </a:solidFill>
+                    <a:latin typeface="+mn-lt"/>
+                    <a:ea typeface="+mn-ea"/>
+                    <a:cs typeface="+mn-cs"/>
+                  </a:defRPr>
+                </a:pPr>
+                <a:r>
+                  <a:rPr lang="en-US" altLang="ja-JP"/>
+                  <a:t>Stress</a:t>
+                </a:r>
+                <a:r>
+                  <a:rPr lang="en-US" altLang="ja-JP" baseline="0"/>
+                  <a:t> [MPa]</a:t>
+                </a:r>
+                <a:endParaRPr lang="ja-JP" altLang="en-US"/>
+              </a:p>
+            </c:rich>
+          </c:tx>
+          <c:overlay val="0"/>
+          <c:spPr>
+            <a:noFill/>
+            <a:ln>
+              <a:noFill/>
+            </a:ln>
+            <a:effectLst/>
+          </c:spPr>
+          <c:txPr>
+            <a:bodyPr rot="-5400000" spcFirstLastPara="1" vertOverflow="ellipsis" vert="horz" wrap="square" anchor="ctr" anchorCtr="1"/>
+            <a:lstStyle/>
+            <a:p>
+              <a:pPr>
+                <a:defRPr sz="1000" b="0" i="0" u="none" strike="noStrike" kern="1200" baseline="0">
+                  <a:solidFill>
+                    <a:schemeClr val="tx1">
+                      <a:lumMod val="65000"/>
+                      <a:lumOff val="35000"/>
+                    </a:schemeClr>
+                  </a:solidFill>
+                  <a:latin typeface="+mn-lt"/>
+                  <a:ea typeface="+mn-ea"/>
+                  <a:cs typeface="+mn-cs"/>
+                </a:defRPr>
+              </a:pPr>
+              <a:endParaRPr lang="ja-JP"/>
+            </a:p>
+          </c:txPr>
+        </c:title>
+        <c:numFmt formatCode="General" sourceLinked="0"/>
+        <c:majorTickMark val="none"/>
+        <c:minorTickMark val="none"/>
+        <c:tickLblPos val="nextTo"/>
+        <c:spPr>
+          <a:noFill/>
+          <a:ln w="9525" cap="flat" cmpd="sng" algn="ctr">
+            <a:solidFill>
+              <a:schemeClr val="tx1">
+                <a:lumMod val="25000"/>
+                <a:lumOff val="75000"/>
+              </a:schemeClr>
+            </a:solidFill>
+            <a:round/>
+          </a:ln>
+          <a:effectLst/>
+        </c:spPr>
+        <c:txPr>
+          <a:bodyPr rot="-60000000" spcFirstLastPara="1" vertOverflow="ellipsis" vert="horz" wrap="square" anchor="ctr" anchorCtr="1"/>
+          <a:lstStyle/>
+          <a:p>
+            <a:pPr>
+              <a:defRPr sz="900" b="0" i="0" u="none" strike="noStrike" kern="1200" baseline="0">
+                <a:solidFill>
+                  <a:schemeClr val="tx1">
+                    <a:lumMod val="65000"/>
+                    <a:lumOff val="35000"/>
+                  </a:schemeClr>
+                </a:solidFill>
+                <a:latin typeface="+mn-lt"/>
+                <a:ea typeface="+mn-ea"/>
+                <a:cs typeface="+mn-cs"/>
+              </a:defRPr>
+            </a:pPr>
+            <a:endParaRPr lang="ja-JP"/>
+          </a:p>
+        </c:txPr>
+        <c:crossAx val="307534607"/>
+        <c:crosses val="autoZero"/>
+        <c:crossBetween val="midCat"/>
+      </c:valAx>
+      <c:spPr>
+        <a:noFill/>
+        <a:ln>
+          <a:noFill/>
+        </a:ln>
+        <a:effectLst/>
+      </c:spPr>
+    </c:plotArea>
+    <c:legend>
+      <c:legendPos val="tr"/>
+      <c:legendEntry>
+        <c:idx val="3"/>
+        <c:delete val="1"/>
+      </c:legendEntry>
+      <c:layout>
+        <c:manualLayout>
+          <c:xMode val="edge"/>
+          <c:yMode val="edge"/>
+          <c:x val="0.69375940507436573"/>
+          <c:y val="9.2592592592592587E-2"/>
+          <c:w val="0.22116710411198601"/>
+          <c:h val="0.28477143482064743"/>
+        </c:manualLayout>
+      </c:layout>
+      <c:overlay val="1"/>
+      <c:spPr>
+        <a:solidFill>
+          <a:schemeClr val="bg1"/>
+        </a:solidFill>
+        <a:ln>
+          <a:solidFill>
+            <a:schemeClr val="tx1"/>
+          </a:solidFill>
+        </a:ln>
+        <a:effectLst/>
+      </c:spPr>
+      <c:txPr>
+        <a:bodyPr rot="0" spcFirstLastPara="1" vertOverflow="ellipsis" vert="horz" wrap="square" anchor="ctr" anchorCtr="1"/>
+        <a:lstStyle/>
+        <a:p>
+          <a:pPr>
+            <a:defRPr sz="1200" b="0" i="0" u="none" strike="noStrike" kern="1200" baseline="0">
+              <a:solidFill>
+                <a:schemeClr val="tx1">
+                  <a:lumMod val="65000"/>
+                  <a:lumOff val="35000"/>
+                </a:schemeClr>
+              </a:solidFill>
+              <a:latin typeface="+mn-lt"/>
+              <a:ea typeface="+mn-ea"/>
+              <a:cs typeface="+mn-cs"/>
+            </a:defRPr>
+          </a:pPr>
+          <a:endParaRPr lang="ja-JP"/>
+        </a:p>
+      </c:txPr>
+    </c:legend>
+    <c:plotVisOnly val="1"/>
+    <c:dispBlanksAs val="gap"/>
+    <c:extLst>
+      <c:ext xmlns:c16r3="http://schemas.microsoft.com/office/drawing/2017/03/chart" uri="{56B9EC1D-385E-4148-901F-78D8002777C0}">
+        <c16r3:dataDisplayOptions16>
+          <c16r3:dispNaAsBlank val="1"/>
+        </c16r3:dataDisplayOptions16>
+      </c:ext>
+    </c:extLst>
+    <c:showDLblsOverMax val="0"/>
+  </c:chart>
+  <c:spPr>
+    <a:noFill/>
+    <a:ln>
+      <a:noFill/>
+    </a:ln>
+    <a:effectLst/>
+  </c:spPr>
+  <c:txPr>
+    <a:bodyPr/>
+    <a:lstStyle/>
+    <a:p>
+      <a:pPr>
+        <a:defRPr/>
+      </a:pPr>
+      <a:endParaRPr lang="ja-JP"/>
+    </a:p>
+  </c:txPr>
+  <c:externalData r:id="rId3">
+    <c:autoUpdate val="0"/>
+  </c:externalData>
+</c:chartSpace>
+</file>
+
+<file path=ppt/charts/colors1.xml><?xml version="1.0" encoding="utf-8"?>
+<cs:colorStyle xmlns:cs="http://schemas.microsoft.com/office/drawing/2012/chartStyle" xmlns:a="http://schemas.openxmlformats.org/drawingml/2006/main" meth="cycle" id="10">
+  <a:schemeClr val="accent1"/>
+  <a:schemeClr val="accent2"/>
+  <a:schemeClr val="accent3"/>
+  <a:schemeClr val="accent4"/>
+  <a:schemeClr val="accent5"/>
+  <a:schemeClr val="accent6"/>
+  <cs:variation/>
+  <cs:variation>
+    <a:lumMod val="60000"/>
+  </cs:variation>
+  <cs:variation>
+    <a:lumMod val="80000"/>
+    <a:lumOff val="20000"/>
+  </cs:variation>
+  <cs:variation>
+    <a:lumMod val="80000"/>
+  </cs:variation>
+  <cs:variation>
+    <a:lumMod val="60000"/>
+    <a:lumOff val="40000"/>
+  </cs:variation>
+  <cs:variation>
+    <a:lumMod val="50000"/>
+  </cs:variation>
+  <cs:variation>
+    <a:lumMod val="70000"/>
+    <a:lumOff val="30000"/>
+  </cs:variation>
+  <cs:variation>
+    <a:lumMod val="70000"/>
+  </cs:variation>
+  <cs:variation>
+    <a:lumMod val="50000"/>
+    <a:lumOff val="50000"/>
+  </cs:variation>
+</cs:colorStyle>
+</file>
+
+<file path=ppt/charts/style1.xml><?xml version="1.0" encoding="utf-8"?>
+<cs:chartStyle xmlns:cs="http://schemas.microsoft.com/office/drawing/2012/chartStyle" xmlns:a="http://schemas.openxmlformats.org/drawingml/2006/main" id="240">
+  <cs:axisTitle>
+    <cs:lnRef idx="0"/>
+    <cs:fillRef idx="0"/>
+    <cs:effectRef idx="0"/>
+    <cs:fontRef idx="minor">
+      <a:schemeClr val="tx1">
+        <a:lumMod val="65000"/>
+        <a:lumOff val="35000"/>
+      </a:schemeClr>
+    </cs:fontRef>
+    <cs:defRPr sz="1000" kern="1200"/>
+  </cs:axisTitle>
+  <cs:categoryAxis>
+    <cs:lnRef idx="0"/>
+    <cs:fillRef idx="0"/>
+    <cs:effectRef idx="0"/>
+    <cs:fontRef idx="minor">
+      <a:schemeClr val="tx1">
+        <a:lumMod val="65000"/>
+        <a:lumOff val="35000"/>
+      </a:schemeClr>
+    </cs:fontRef>
+    <cs:spPr>
+      <a:ln w="9525" cap="flat" cmpd="sng" algn="ctr">
+        <a:solidFill>
+          <a:schemeClr val="tx1">
+            <a:lumMod val="25000"/>
+            <a:lumOff val="75000"/>
+          </a:schemeClr>
+        </a:solidFill>
+        <a:round/>
+      </a:ln>
+    </cs:spPr>
+    <cs:defRPr sz="900" kern="1200"/>
+  </cs:categoryAxis>
+  <cs:chartArea mods="allowNoFillOverride allowNoLineOverride">
+    <cs:lnRef idx="0"/>
+    <cs:fillRef idx="0"/>
+    <cs:effectRef idx="0"/>
+    <cs:fontRef idx="minor">
+      <a:schemeClr val="tx1"/>
+    </cs:fontRef>
+    <cs:spPr>
+      <a:solidFill>
+        <a:schemeClr val="bg1"/>
+      </a:solidFill>
+      <a:ln w="9525" cap="flat" cmpd="sng" algn="ctr">
+        <a:solidFill>
+          <a:schemeClr val="tx1">
+            <a:lumMod val="15000"/>
+            <a:lumOff val="85000"/>
+          </a:schemeClr>
+        </a:solidFill>
+        <a:round/>
+      </a:ln>
+    </cs:spPr>
+    <cs:defRPr sz="1000" kern="1200"/>
+  </cs:chartArea>
+  <cs:dataLabel>
+    <cs:lnRef idx="0"/>
+    <cs:fillRef idx="0"/>
+    <cs:effectRef idx="0"/>
+    <cs:fontRef idx="minor">
+      <a:schemeClr val="tx1">
+        <a:lumMod val="75000"/>
+        <a:lumOff val="25000"/>
+      </a:schemeClr>
+    </cs:fontRef>
+    <cs:defRPr sz="900" kern="1200"/>
+  </cs:dataLabel>
+  <cs:dataLabelCallout>
+    <cs:lnRef idx="0"/>
+    <cs:fillRef idx="0"/>
+    <cs:effectRef idx="0"/>
+    <cs:fontRef idx="minor">
+      <a:schemeClr val="dk1">
+        <a:lumMod val="65000"/>
+        <a:lumOff val="35000"/>
+      </a:schemeClr>
+    </cs:fontRef>
+    <cs:spPr>
+      <a:solidFill>
+        <a:schemeClr val="lt1"/>
+      </a:solidFill>
+      <a:ln>
+        <a:solidFill>
+          <a:schemeClr val="dk1">
+            <a:lumMod val="25000"/>
+            <a:lumOff val="75000"/>
+          </a:schemeClr>
+        </a:solidFill>
+      </a:ln>
+    </cs:spPr>
+    <cs:defRPr sz="900" kern="1200"/>
+    <cs:bodyPr rot="0" spcFirstLastPara="1" vertOverflow="clip" horzOverflow="clip" vert="horz" wrap="square" lIns="36576" tIns="18288" rIns="36576" bIns="18288" anchor="ctr" anchorCtr="1">
+      <a:spAutoFit/>
+    </cs:bodyPr>
+  </cs:dataLabelCallout>
+  <cs:dataPoint>
+    <cs:lnRef idx="0"/>
+    <cs:fillRef idx="1">
+      <cs:styleClr val="auto"/>
+    </cs:fillRef>
+    <cs:effectRef idx="0"/>
+    <cs:fontRef idx="minor">
+      <a:schemeClr val="tx1"/>
+    </cs:fontRef>
+  </cs:dataPoint>
+  <cs:dataPoint3D>
+    <cs:lnRef idx="0"/>
+    <cs:fillRef idx="1">
+      <cs:styleClr val="auto"/>
+    </cs:fillRef>
+    <cs:effectRef idx="0"/>
+    <cs:fontRef idx="minor">
+      <a:schemeClr val="tx1"/>
+    </cs:fontRef>
+  </cs:dataPoint3D>
+  <cs:dataPointLine>
+    <cs:lnRef idx="0">
+      <cs:styleClr val="auto"/>
+    </cs:lnRef>
+    <cs:fillRef idx="1"/>
+    <cs:effectRef idx="0"/>
+    <cs:fontRef idx="minor">
+      <a:schemeClr val="tx1"/>
+    </cs:fontRef>
+    <cs:spPr>
+      <a:ln w="19050" cap="rnd">
+        <a:solidFill>
+          <a:schemeClr val="phClr"/>
+        </a:solidFill>
+        <a:round/>
+      </a:ln>
+    </cs:spPr>
+  </cs:dataPointLine>
+  <cs:dataPointMarker>
+    <cs:lnRef idx="0">
+      <cs:styleClr val="auto"/>
+    </cs:lnRef>
+    <cs:fillRef idx="1">
+      <cs:styleClr val="auto"/>
+    </cs:fillRef>
+    <cs:effectRef idx="0"/>
+    <cs:fontRef idx="minor">
+      <a:schemeClr val="tx1"/>
+    </cs:fontRef>
+    <cs:spPr>
+      <a:ln w="9525">
+        <a:solidFill>
+          <a:schemeClr val="phClr"/>
+        </a:solidFill>
+      </a:ln>
+    </cs:spPr>
+  </cs:dataPointMarker>
+  <cs:dataPointMarkerLayout symbol="circle" size="5"/>
+  <cs:dataPointWireframe>
+    <cs:lnRef idx="0">
+      <cs:styleClr val="auto"/>
+    </cs:lnRef>
+    <cs:fillRef idx="0"/>
+    <cs:effectRef idx="0"/>
+    <cs:fontRef idx="minor">
+      <a:schemeClr val="dk1"/>
+    </cs:fontRef>
+    <cs:spPr>
+      <a:ln w="9525" cap="rnd">
+        <a:solidFill>
+          <a:schemeClr val="phClr"/>
+        </a:solidFill>
+        <a:round/>
+      </a:ln>
+    </cs:spPr>
+  </cs:dataPointWireframe>
+  <cs:dataTable>
+    <cs:lnRef idx="0"/>
+    <cs:fillRef idx="0"/>
+    <cs:effectRef idx="0"/>
+    <cs:fontRef idx="minor">
+      <a:schemeClr val="tx1">
+        <a:lumMod val="65000"/>
+        <a:lumOff val="35000"/>
+      </a:schemeClr>
+    </cs:fontRef>
+    <cs:spPr>
+      <a:noFill/>
+      <a:ln w="9525" cap="flat" cmpd="sng" algn="ctr">
+        <a:solidFill>
+          <a:schemeClr val="tx1">
+            <a:lumMod val="15000"/>
+            <a:lumOff val="85000"/>
+          </a:schemeClr>
+        </a:solidFill>
+        <a:round/>
+      </a:ln>
+    </cs:spPr>
+    <cs:defRPr sz="900" kern="1200"/>
+  </cs:dataTable>
+  <cs:downBar>
+    <cs:lnRef idx="0"/>
+    <cs:fillRef idx="0"/>
+    <cs:effectRef idx="0"/>
+    <cs:fontRef idx="minor">
+      <a:schemeClr val="tx1"/>
+    </cs:fontRef>
+    <cs:spPr>
+      <a:solidFill>
+        <a:schemeClr val="dk1">
+          <a:lumMod val="75000"/>
+          <a:lumOff val="25000"/>
+        </a:schemeClr>
+      </a:solidFill>
+      <a:ln w="9525" cap="flat" cmpd="sng" algn="ctr">
+        <a:solidFill>
+          <a:schemeClr val="tx1">
+            <a:lumMod val="65000"/>
+            <a:lumOff val="35000"/>
+          </a:schemeClr>
+        </a:solidFill>
+        <a:round/>
+      </a:ln>
+    </cs:spPr>
+  </cs:downBar>
+  <cs:dropLine>
+    <cs:lnRef idx="0"/>
+    <cs:fillRef idx="0"/>
+    <cs:effectRef idx="0"/>
+    <cs:fontRef idx="minor">
+      <a:schemeClr val="tx1"/>
+    </cs:fontRef>
+    <cs:spPr>
+      <a:ln w="9525" cap="flat" cmpd="sng" algn="ctr">
+        <a:solidFill>
+          <a:schemeClr val="tx1">
+            <a:lumMod val="35000"/>
+            <a:lumOff val="65000"/>
+          </a:schemeClr>
+        </a:solidFill>
+        <a:round/>
+      </a:ln>
+    </cs:spPr>
+  </cs:dropLine>
+  <cs:errorBar>
+    <cs:lnRef idx="0"/>
+    <cs:fillRef idx="0"/>
+    <cs:effectRef idx="0"/>
+    <cs:fontRef idx="minor">
+      <a:schemeClr val="tx1"/>
+    </cs:fontRef>
+    <cs:spPr>
+      <a:ln w="9525" cap="flat" cmpd="sng" algn="ctr">
+        <a:solidFill>
+          <a:schemeClr val="tx1">
+            <a:lumMod val="65000"/>
+            <a:lumOff val="35000"/>
+          </a:schemeClr>
+        </a:solidFill>
+        <a:round/>
+      </a:ln>
+    </cs:spPr>
+  </cs:errorBar>
+  <cs:floor>
+    <cs:lnRef idx="0"/>
+    <cs:fillRef idx="0"/>
+    <cs:effectRef idx="0"/>
+    <cs:fontRef idx="minor">
+      <a:schemeClr val="tx1"/>
+    </cs:fontRef>
+    <cs:spPr>
+      <a:noFill/>
+      <a:ln>
+        <a:noFill/>
+      </a:ln>
+    </cs:spPr>
+  </cs:floor>
+  <cs:gridlineMajor>
+    <cs:lnRef idx="0"/>
+    <cs:fillRef idx="0"/>
+    <cs:effectRef idx="0"/>
+    <cs:fontRef idx="minor">
+      <a:schemeClr val="tx1"/>
+    </cs:fontRef>
+    <cs:spPr>
+      <a:ln w="9525" cap="flat" cmpd="sng" algn="ctr">
+        <a:solidFill>
+          <a:schemeClr val="tx1">
+            <a:lumMod val="15000"/>
+            <a:lumOff val="85000"/>
+          </a:schemeClr>
+        </a:solidFill>
+        <a:round/>
+      </a:ln>
+    </cs:spPr>
+  </cs:gridlineMajor>
+  <cs:gridlineMinor>
+    <cs:lnRef idx="0"/>
+    <cs:fillRef idx="0"/>
+    <cs:effectRef idx="0"/>
+    <cs:fontRef idx="minor">
+      <a:schemeClr val="tx1"/>
+    </cs:fontRef>
+    <cs:spPr>
+      <a:ln w="9525" cap="flat" cmpd="sng" algn="ctr">
+        <a:solidFill>
+          <a:schemeClr val="tx1">
+            <a:lumMod val="5000"/>
+            <a:lumOff val="95000"/>
+          </a:schemeClr>
+        </a:solidFill>
+        <a:round/>
+      </a:ln>
+    </cs:spPr>
+  </cs:gridlineMinor>
+  <cs:hiLoLine>
+    <cs:lnRef idx="0"/>
+    <cs:fillRef idx="0"/>
+    <cs:effectRef idx="0"/>
+    <cs:fontRef idx="minor">
+      <a:schemeClr val="tx1"/>
+    </cs:fontRef>
+    <cs:spPr>
+      <a:ln w="9525" cap="flat" cmpd="sng" algn="ctr">
+        <a:solidFill>
+          <a:schemeClr val="tx1">
+            <a:lumMod val="50000"/>
+            <a:lumOff val="50000"/>
+          </a:schemeClr>
+        </a:solidFill>
+        <a:round/>
+      </a:ln>
+    </cs:spPr>
+  </cs:hiLoLine>
+  <cs:leaderLine>
+    <cs:lnRef idx="0"/>
+    <cs:fillRef idx="0"/>
+    <cs:effectRef idx="0"/>
+    <cs:fontRef idx="minor">
+      <a:schemeClr val="tx1"/>
+    </cs:fontRef>
+    <cs:spPr>
+      <a:ln w="9525" cap="flat" cmpd="sng" algn="ctr">
+        <a:solidFill>
+          <a:schemeClr val="tx1">
+            <a:lumMod val="35000"/>
+            <a:lumOff val="65000"/>
+          </a:schemeClr>
+        </a:solidFill>
+        <a:round/>
+      </a:ln>
+    </cs:spPr>
+  </cs:leaderLine>
+  <cs:legend>
+    <cs:lnRef idx="0"/>
+    <cs:fillRef idx="0"/>
+    <cs:effectRef idx="0"/>
+    <cs:fontRef idx="minor">
+      <a:schemeClr val="tx1">
+        <a:lumMod val="65000"/>
+        <a:lumOff val="35000"/>
+      </a:schemeClr>
+    </cs:fontRef>
+    <cs:defRPr sz="900" kern="1200"/>
+  </cs:legend>
+  <cs:plotArea mods="allowNoFillOverride allowNoLineOverride">
+    <cs:lnRef idx="0"/>
+    <cs:fillRef idx="0"/>
+    <cs:effectRef idx="0"/>
+    <cs:fontRef idx="minor">
+      <a:schemeClr val="tx1"/>
+    </cs:fontRef>
+  </cs:plotArea>
+  <cs:plotArea3D mods="allowNoFillOverride allowNoLineOverride">
+    <cs:lnRef idx="0"/>
+    <cs:fillRef idx="0"/>
+    <cs:effectRef idx="0"/>
+    <cs:fontRef idx="minor">
+      <a:schemeClr val="tx1"/>
+    </cs:fontRef>
+  </cs:plotArea3D>
+  <cs:seriesAxis>
+    <cs:lnRef idx="0"/>
+    <cs:fillRef idx="0"/>
+    <cs:effectRef idx="0"/>
+    <cs:fontRef idx="minor">
+      <a:schemeClr val="tx1">
+        <a:lumMod val="65000"/>
+        <a:lumOff val="35000"/>
+      </a:schemeClr>
+    </cs:fontRef>
+    <cs:defRPr sz="900" kern="1200"/>
+  </cs:seriesAxis>
+  <cs:seriesLine>
+    <cs:lnRef idx="0"/>
+    <cs:fillRef idx="0"/>
+    <cs:effectRef idx="0"/>
+    <cs:fontRef idx="minor">
+      <a:schemeClr val="tx1"/>
+    </cs:fontRef>
+    <cs:spPr>
+      <a:ln w="9525" cap="flat" cmpd="sng" algn="ctr">
+        <a:solidFill>
+          <a:schemeClr val="tx1">
+            <a:lumMod val="35000"/>
+            <a:lumOff val="65000"/>
+          </a:schemeClr>
+        </a:solidFill>
+        <a:round/>
+      </a:ln>
+    </cs:spPr>
+  </cs:seriesLine>
+  <cs:title>
+    <cs:lnRef idx="0"/>
+    <cs:fillRef idx="0"/>
+    <cs:effectRef idx="0"/>
+    <cs:fontRef idx="minor">
+      <a:schemeClr val="tx1">
+        <a:lumMod val="65000"/>
+        <a:lumOff val="35000"/>
+      </a:schemeClr>
+    </cs:fontRef>
+    <cs:defRPr sz="1400" b="0" kern="1200" spc="0" baseline="0"/>
+  </cs:title>
+  <cs:trendline>
+    <cs:lnRef idx="0">
+      <cs:styleClr val="auto"/>
+    </cs:lnRef>
+    <cs:fillRef idx="0"/>
+    <cs:effectRef idx="0"/>
+    <cs:fontRef idx="minor">
+      <a:schemeClr val="tx1"/>
+    </cs:fontRef>
+    <cs:spPr>
+      <a:ln w="19050" cap="rnd">
+        <a:solidFill>
+          <a:schemeClr val="phClr"/>
+        </a:solidFill>
+        <a:prstDash val="sysDot"/>
+      </a:ln>
+    </cs:spPr>
+  </cs:trendline>
+  <cs:trendlineLabel>
+    <cs:lnRef idx="0"/>
+    <cs:fillRef idx="0"/>
+    <cs:effectRef idx="0"/>
+    <cs:fontRef idx="minor">
+      <a:schemeClr val="tx1">
+        <a:lumMod val="65000"/>
+        <a:lumOff val="35000"/>
+      </a:schemeClr>
+    </cs:fontRef>
+    <cs:defRPr sz="900" kern="1200"/>
+  </cs:trendlineLabel>
+  <cs:upBar>
+    <cs:lnRef idx="0"/>
+    <cs:fillRef idx="0"/>
+    <cs:effectRef idx="0"/>
+    <cs:fontRef idx="minor">
+      <a:schemeClr val="tx1"/>
+    </cs:fontRef>
+    <cs:spPr>
+      <a:solidFill>
+        <a:schemeClr val="lt1"/>
+      </a:solidFill>
+      <a:ln w="9525" cap="flat" cmpd="sng" algn="ctr">
+        <a:solidFill>
+          <a:schemeClr val="tx1">
+            <a:lumMod val="65000"/>
+            <a:lumOff val="35000"/>
+          </a:schemeClr>
+        </a:solidFill>
+        <a:round/>
+      </a:ln>
+    </cs:spPr>
+  </cs:upBar>
+  <cs:valueAxis>
+    <cs:lnRef idx="0"/>
+    <cs:fillRef idx="0"/>
+    <cs:effectRef idx="0"/>
+    <cs:fontRef idx="minor">
+      <a:schemeClr val="tx1">
+        <a:lumMod val="65000"/>
+        <a:lumOff val="35000"/>
+      </a:schemeClr>
+    </cs:fontRef>
+    <cs:spPr>
+      <a:ln w="9525" cap="flat" cmpd="sng" algn="ctr">
+        <a:solidFill>
+          <a:schemeClr val="tx1">
+            <a:lumMod val="25000"/>
+            <a:lumOff val="75000"/>
+          </a:schemeClr>
+        </a:solidFill>
+        <a:round/>
+      </a:ln>
+    </cs:spPr>
+    <cs:defRPr sz="900" kern="1200"/>
+  </cs:valueAxis>
+  <cs:wall>
+    <cs:lnRef idx="0"/>
+    <cs:fillRef idx="0"/>
+    <cs:effectRef idx="0"/>
+    <cs:fontRef idx="minor">
+      <a:schemeClr val="tx1"/>
+    </cs:fontRef>
+    <cs:spPr>
+      <a:noFill/>
+      <a:ln>
+        <a:noFill/>
+      </a:ln>
+    </cs:spPr>
+  </cs:wall>
+</cs:chartStyle>
 </file>
 
 <file path=ppt/notesMasters/notesMaster1.xml><?xml version="1.0" encoding="utf-8"?>
@@ -588,6 +5526,90 @@
 </p:notes>
 </file>
 
+<file path=ppt/notesSlides/notesSlide10.xml><?xml version="1.0" encoding="utf-8"?>
+<p:notes xmlns:a="http://schemas.openxmlformats.org/drawingml/2006/main" xmlns:r="http://schemas.openxmlformats.org/officeDocument/2006/relationships" xmlns:p="http://schemas.openxmlformats.org/presentationml/2006/main">
+  <p:cSld>
+    <p:spTree>
+      <p:nvGrpSpPr>
+        <p:cNvPr id="1" name=""/>
+        <p:cNvGrpSpPr/>
+        <p:nvPr/>
+      </p:nvGrpSpPr>
+      <p:grpSpPr>
+        <a:xfrm>
+          <a:off x="0" y="0"/>
+          <a:ext cx="0" cy="0"/>
+          <a:chOff x="0" y="0"/>
+          <a:chExt cx="0" cy="0"/>
+        </a:xfrm>
+      </p:grpSpPr>
+      <p:sp>
+        <p:nvSpPr>
+          <p:cNvPr id="2" name="スライド イメージ プレースホルダー 1"/>
+          <p:cNvSpPr>
+            <a:spLocks noGrp="1" noRot="1" noChangeAspect="1"/>
+          </p:cNvSpPr>
+          <p:nvPr>
+            <p:ph type="sldImg"/>
+          </p:nvPr>
+        </p:nvSpPr>
+        <p:spPr/>
+      </p:sp>
+      <p:sp>
+        <p:nvSpPr>
+          <p:cNvPr id="3" name="ノート プレースホルダー 2"/>
+          <p:cNvSpPr>
+            <a:spLocks noGrp="1"/>
+          </p:cNvSpPr>
+          <p:nvPr>
+            <p:ph type="body" idx="1"/>
+          </p:nvPr>
+        </p:nvSpPr>
+        <p:spPr/>
+        <p:txBody>
+          <a:bodyPr/>
+          <a:lstStyle/>
+          <a:p>
+            <a:endParaRPr kumimoji="1" lang="ja-JP" altLang="en-US" dirty="0"/>
+          </a:p>
+        </p:txBody>
+      </p:sp>
+      <p:sp>
+        <p:nvSpPr>
+          <p:cNvPr id="4" name="スライド番号プレースホルダー 3"/>
+          <p:cNvSpPr>
+            <a:spLocks noGrp="1"/>
+          </p:cNvSpPr>
+          <p:nvPr>
+            <p:ph type="sldNum" sz="quarter" idx="5"/>
+          </p:nvPr>
+        </p:nvSpPr>
+        <p:spPr/>
+        <p:txBody>
+          <a:bodyPr/>
+          <a:lstStyle/>
+          <a:p>
+            <a:fld id="{4158A5DB-EEFC-4441-B3AE-FE78730A50E3}" type="slidenum">
+              <a:rPr kumimoji="1" lang="ja-JP" altLang="en-US" smtClean="0"/>
+              <a:t>10</a:t>
+            </a:fld>
+            <a:endParaRPr kumimoji="1" lang="ja-JP" altLang="en-US"/>
+          </a:p>
+        </p:txBody>
+      </p:sp>
+    </p:spTree>
+    <p:extLst>
+      <p:ext uri="{BB962C8B-B14F-4D97-AF65-F5344CB8AC3E}">
+        <p14:creationId xmlns:p14="http://schemas.microsoft.com/office/powerpoint/2010/main" val="3570724839"/>
+      </p:ext>
+    </p:extLst>
+  </p:cSld>
+  <p:clrMapOvr>
+    <a:masterClrMapping/>
+  </p:clrMapOvr>
+</p:notes>
+</file>
+
 <file path=ppt/notesSlides/notesSlide2.xml><?xml version="1.0" encoding="utf-8"?>
 <p:notes xmlns:a="http://schemas.openxmlformats.org/drawingml/2006/main" xmlns:r="http://schemas.openxmlformats.org/officeDocument/2006/relationships" xmlns:p="http://schemas.openxmlformats.org/presentationml/2006/main">
   <p:cSld>
@@ -1250,7 +6272,7 @@
     </p:spTree>
     <p:extLst>
       <p:ext uri="{BB962C8B-B14F-4D97-AF65-F5344CB8AC3E}">
-        <p14:creationId xmlns:p14="http://schemas.microsoft.com/office/powerpoint/2010/main" val="3570724839"/>
+        <p14:creationId xmlns:p14="http://schemas.microsoft.com/office/powerpoint/2010/main" val="1834483589"/>
       </p:ext>
     </p:extLst>
   </p:cSld>
@@ -4914,6 +9936,308 @@
     <p:extLst>
       <p:ext uri="{BB962C8B-B14F-4D97-AF65-F5344CB8AC3E}">
         <p14:creationId xmlns:p14="http://schemas.microsoft.com/office/powerpoint/2010/main" val="4198148205"/>
+      </p:ext>
+    </p:extLst>
+  </p:cSld>
+  <p:clrMapOvr>
+    <a:masterClrMapping/>
+  </p:clrMapOvr>
+</p:sld>
+</file>
+
+<file path=ppt/slides/slide10.xml><?xml version="1.0" encoding="utf-8"?>
+<p:sld xmlns:a="http://schemas.openxmlformats.org/drawingml/2006/main" xmlns:r="http://schemas.openxmlformats.org/officeDocument/2006/relationships" xmlns:p="http://schemas.openxmlformats.org/presentationml/2006/main">
+  <p:cSld>
+    <p:spTree>
+      <p:nvGrpSpPr>
+        <p:cNvPr id="1" name=""/>
+        <p:cNvGrpSpPr/>
+        <p:nvPr/>
+      </p:nvGrpSpPr>
+      <p:grpSpPr>
+        <a:xfrm>
+          <a:off x="0" y="0"/>
+          <a:ext cx="0" cy="0"/>
+          <a:chOff x="0" y="0"/>
+          <a:chExt cx="0" cy="0"/>
+        </a:xfrm>
+      </p:grpSpPr>
+      <p:sp>
+        <p:nvSpPr>
+          <p:cNvPr id="3" name="正方形/長方形 2">
+            <a:extLst>
+              <a:ext uri="{FF2B5EF4-FFF2-40B4-BE49-F238E27FC236}">
+                <a16:creationId xmlns:a16="http://schemas.microsoft.com/office/drawing/2014/main" id="{73FCCAC7-5AF0-48C7-9D0E-C2252AB14F7C}"/>
+              </a:ext>
+            </a:extLst>
+          </p:cNvPr>
+          <p:cNvSpPr/>
+          <p:nvPr/>
+        </p:nvSpPr>
+        <p:spPr>
+          <a:xfrm>
+            <a:off x="0" y="0"/>
+            <a:ext cx="12192000" cy="659336"/>
+          </a:xfrm>
+          <a:prstGeom prst="rect">
+            <a:avLst/>
+          </a:prstGeom>
+          <a:solidFill>
+            <a:schemeClr val="accent3">
+              <a:lumMod val="40000"/>
+              <a:lumOff val="60000"/>
+            </a:schemeClr>
+          </a:solidFill>
+          <a:ln>
+            <a:solidFill>
+              <a:schemeClr val="accent3">
+                <a:lumMod val="40000"/>
+                <a:lumOff val="60000"/>
+              </a:schemeClr>
+            </a:solidFill>
+          </a:ln>
+        </p:spPr>
+        <p:style>
+          <a:lnRef idx="2">
+            <a:schemeClr val="accent1">
+              <a:shade val="50000"/>
+            </a:schemeClr>
+          </a:lnRef>
+          <a:fillRef idx="1">
+            <a:schemeClr val="accent1"/>
+          </a:fillRef>
+          <a:effectRef idx="0">
+            <a:schemeClr val="accent1"/>
+          </a:effectRef>
+          <a:fontRef idx="minor">
+            <a:schemeClr val="lt1"/>
+          </a:fontRef>
+        </p:style>
+        <p:txBody>
+          <a:bodyPr rtlCol="0" anchor="ctr"/>
+          <a:lstStyle/>
+          <a:p>
+            <a:pPr algn="ctr"/>
+            <a:endParaRPr kumimoji="1" lang="ja-JP" altLang="en-US"/>
+          </a:p>
+        </p:txBody>
+      </p:sp>
+      <p:sp>
+        <p:nvSpPr>
+          <p:cNvPr id="5" name="スライド番号プレースホルダー 4">
+            <a:extLst>
+              <a:ext uri="{FF2B5EF4-FFF2-40B4-BE49-F238E27FC236}">
+                <a16:creationId xmlns:a16="http://schemas.microsoft.com/office/drawing/2014/main" id="{D54403E9-2D48-434B-A0F9-737CDFA7A1D7}"/>
+              </a:ext>
+            </a:extLst>
+          </p:cNvPr>
+          <p:cNvSpPr>
+            <a:spLocks noGrp="1"/>
+          </p:cNvSpPr>
+          <p:nvPr>
+            <p:ph type="sldNum" sz="quarter" idx="12"/>
+          </p:nvPr>
+        </p:nvSpPr>
+        <p:spPr/>
+        <p:txBody>
+          <a:bodyPr/>
+          <a:lstStyle/>
+          <a:p>
+            <a:fld id="{7E2B344B-F3D5-46BD-B18E-8B6286E993A1}" type="slidenum">
+              <a:rPr kumimoji="1" lang="ja-JP" altLang="en-US" smtClean="0"/>
+              <a:t>10</a:t>
+            </a:fld>
+            <a:endParaRPr kumimoji="1" lang="ja-JP" altLang="en-US" dirty="0"/>
+          </a:p>
+        </p:txBody>
+      </p:sp>
+      <p:sp>
+        <p:nvSpPr>
+          <p:cNvPr id="11" name="テキスト ボックス 10">
+            <a:extLst>
+              <a:ext uri="{FF2B5EF4-FFF2-40B4-BE49-F238E27FC236}">
+                <a16:creationId xmlns:a16="http://schemas.microsoft.com/office/drawing/2014/main" id="{D854241A-B7A4-4315-832C-51B23B3AB9C7}"/>
+              </a:ext>
+            </a:extLst>
+          </p:cNvPr>
+          <p:cNvSpPr txBox="1"/>
+          <p:nvPr/>
+        </p:nvSpPr>
+        <p:spPr>
+          <a:xfrm>
+            <a:off x="412459" y="142476"/>
+            <a:ext cx="11367082" cy="461665"/>
+          </a:xfrm>
+          <a:prstGeom prst="rect">
+            <a:avLst/>
+          </a:prstGeom>
+          <a:noFill/>
+        </p:spPr>
+        <p:txBody>
+          <a:bodyPr wrap="square" rtlCol="0">
+            <a:spAutoFit/>
+          </a:bodyPr>
+          <a:lstStyle/>
+          <a:p>
+            <a:r>
+              <a:rPr lang="ja-JP" altLang="en-US" sz="2400" dirty="0"/>
+              <a:t>まとめ</a:t>
+            </a:r>
+            <a:endParaRPr lang="en-US" altLang="ja-JP" sz="2400" dirty="0"/>
+          </a:p>
+        </p:txBody>
+      </p:sp>
+      <p:sp>
+        <p:nvSpPr>
+          <p:cNvPr id="16" name="テキスト ボックス 15">
+            <a:extLst>
+              <a:ext uri="{FF2B5EF4-FFF2-40B4-BE49-F238E27FC236}">
+                <a16:creationId xmlns:a16="http://schemas.microsoft.com/office/drawing/2014/main" id="{9156E39F-BDD2-E6E7-B6FD-388B7987DBFF}"/>
+              </a:ext>
+            </a:extLst>
+          </p:cNvPr>
+          <p:cNvSpPr txBox="1"/>
+          <p:nvPr/>
+        </p:nvSpPr>
+        <p:spPr>
+          <a:xfrm>
+            <a:off x="412459" y="1030803"/>
+            <a:ext cx="11367082" cy="3416320"/>
+          </a:xfrm>
+          <a:prstGeom prst="rect">
+            <a:avLst/>
+          </a:prstGeom>
+          <a:noFill/>
+        </p:spPr>
+        <p:txBody>
+          <a:bodyPr wrap="square" rtlCol="0">
+            <a:spAutoFit/>
+          </a:bodyPr>
+          <a:lstStyle/>
+          <a:p>
+            <a:pPr marL="342900" indent="-342900">
+              <a:buFont typeface="Wingdings" panose="05000000000000000000" pitchFamily="2" charset="2"/>
+              <a:buChar char="ü"/>
+            </a:pPr>
+            <a:r>
+              <a:rPr lang="ja-JP" altLang="en-US" sz="2400" dirty="0"/>
+              <a:t>グローバルパッチの基底関数を</a:t>
+            </a:r>
+            <a:r>
+              <a:rPr lang="en-US" altLang="ja-JP" sz="2400" dirty="0"/>
+              <a:t>3</a:t>
+            </a:r>
+            <a:r>
+              <a:rPr lang="ja-JP" altLang="en-US" sz="2400" dirty="0"/>
+              <a:t>次にすると，グローバル要素境界での</a:t>
+            </a:r>
+            <a:r>
+              <a:rPr lang="en-US" altLang="ja-JP" sz="2400" dirty="0" err="1"/>
+              <a:t>dSF</a:t>
+            </a:r>
+            <a:r>
+              <a:rPr lang="ja-JP" altLang="en-US" sz="2400" dirty="0"/>
+              <a:t>の連続性が</a:t>
+            </a:r>
+            <a:r>
+              <a:rPr lang="en-US" altLang="ja-JP" sz="2400" dirty="0"/>
+              <a:t>C0</a:t>
+            </a:r>
+            <a:r>
+              <a:rPr lang="ja-JP" altLang="en-US" sz="2400" dirty="0"/>
+              <a:t>→</a:t>
+            </a:r>
+            <a:r>
+              <a:rPr lang="en-US" altLang="ja-JP" sz="2400" dirty="0"/>
+              <a:t>C1</a:t>
+            </a:r>
+            <a:r>
+              <a:rPr lang="ja-JP" altLang="en-US" sz="2400" dirty="0"/>
+              <a:t>連続になり，</a:t>
+            </a:r>
+            <a:r>
+              <a:rPr lang="en-US" altLang="ja-JP" sz="2400" dirty="0"/>
+              <a:t>K^GL</a:t>
+            </a:r>
+            <a:r>
+              <a:rPr lang="ja-JP" altLang="en-US" sz="2400" dirty="0"/>
+              <a:t>の積分誤差が小さくなる</a:t>
+            </a:r>
+            <a:endParaRPr lang="en-US" altLang="ja-JP" sz="2400" dirty="0"/>
+          </a:p>
+          <a:p>
+            <a:pPr marL="342900" indent="-342900">
+              <a:buFont typeface="Wingdings" panose="05000000000000000000" pitchFamily="2" charset="2"/>
+              <a:buChar char="ü"/>
+            </a:pPr>
+            <a:endParaRPr lang="en-US" altLang="ja-JP" sz="2400" dirty="0"/>
+          </a:p>
+          <a:p>
+            <a:pPr marL="342900" indent="-342900">
+              <a:buFont typeface="Wingdings" panose="05000000000000000000" pitchFamily="2" charset="2"/>
+              <a:buChar char="ü"/>
+            </a:pPr>
+            <a:r>
+              <a:rPr lang="ja-JP" altLang="en-US" sz="2400" dirty="0"/>
+              <a:t>グローバルパッチの基底関数が</a:t>
+            </a:r>
+            <a:r>
+              <a:rPr lang="en-US" altLang="ja-JP" sz="2400" dirty="0"/>
+              <a:t>3</a:t>
+            </a:r>
+            <a:r>
+              <a:rPr lang="ja-JP" altLang="en-US" sz="2400" dirty="0"/>
+              <a:t>次の場合でも，ローカル</a:t>
+            </a:r>
+            <a:r>
+              <a:rPr lang="en-US" altLang="ja-JP" sz="2400" dirty="0"/>
+              <a:t>1</a:t>
+            </a:r>
+            <a:r>
+              <a:rPr lang="ja-JP" altLang="en-US" sz="2400" dirty="0"/>
+              <a:t>要素がグローバル要素をまたぐ数が多い場合は被積分関数が高次式の形になりガウス積分で積分点数を上げる必要がある</a:t>
+            </a:r>
+            <a:r>
+              <a:rPr lang="en-US" altLang="ja-JP" sz="2400" dirty="0"/>
+              <a:t>(</a:t>
+            </a:r>
+            <a:r>
+              <a:rPr lang="ja-JP" altLang="en-US" sz="2400" dirty="0"/>
+              <a:t>ローカル</a:t>
+            </a:r>
+            <a:r>
+              <a:rPr lang="en-US" altLang="ja-JP" sz="2400" dirty="0"/>
+              <a:t>1</a:t>
+            </a:r>
+            <a:r>
+              <a:rPr lang="ja-JP" altLang="en-US" sz="2400" dirty="0"/>
+              <a:t>要素が複数のグローバル要素をまたがないように分割数を設定する</a:t>
+            </a:r>
+            <a:r>
+              <a:rPr lang="en-US" altLang="ja-JP" sz="2400" dirty="0"/>
+              <a:t>)</a:t>
+            </a:r>
+          </a:p>
+          <a:p>
+            <a:pPr marL="342900" indent="-342900">
+              <a:buFont typeface="Wingdings" panose="05000000000000000000" pitchFamily="2" charset="2"/>
+              <a:buChar char="ü"/>
+            </a:pPr>
+            <a:endParaRPr lang="en-US" altLang="ja-JP" sz="2400" dirty="0"/>
+          </a:p>
+          <a:p>
+            <a:pPr marL="342900" indent="-342900">
+              <a:buFont typeface="Wingdings" panose="05000000000000000000" pitchFamily="2" charset="2"/>
+              <a:buChar char="ü"/>
+            </a:pPr>
+            <a:endParaRPr lang="en-US" altLang="ja-JP" sz="2400" dirty="0"/>
+          </a:p>
+        </p:txBody>
+      </p:sp>
+    </p:spTree>
+    <p:extLst>
+      <p:ext uri="{BB962C8B-B14F-4D97-AF65-F5344CB8AC3E}">
+        <p14:creationId xmlns:p14="http://schemas.microsoft.com/office/powerpoint/2010/main" val="3396139632"/>
       </p:ext>
     </p:extLst>
   </p:cSld>
@@ -7161,6 +12485,22 @@
               <a:rPr lang="ja-JP" altLang="en-US" sz="2400" dirty="0"/>
               <a:t>の微係数</a:t>
             </a:r>
+            <a:r>
+              <a:rPr lang="en-US" altLang="ja-JP" sz="2400" dirty="0"/>
+              <a:t>(</a:t>
+            </a:r>
+            <a:r>
+              <a:rPr lang="en-US" altLang="ja-JP" sz="2400" dirty="0" err="1"/>
+              <a:t>dSF</a:t>
+            </a:r>
+            <a:r>
+              <a:rPr lang="en-US" altLang="ja-JP" sz="2400" dirty="0"/>
+              <a:t>)</a:t>
+            </a:r>
+            <a:r>
+              <a:rPr lang="ja-JP" altLang="en-US" sz="2400" dirty="0"/>
+              <a:t>から算出される</a:t>
+            </a:r>
             <a:endParaRPr lang="en-US" altLang="ja-JP" sz="2400" dirty="0"/>
           </a:p>
           <a:p>
@@ -7183,12 +12523,12 @@
               <a:t>      </a:t>
             </a:r>
             <a:r>
-              <a:rPr lang="en-US" altLang="ja-JP" sz="2400" dirty="0"/>
-              <a:t>B</a:t>
+              <a:rPr lang="en-US" altLang="ja-JP" sz="2400" dirty="0" err="1"/>
+              <a:t>dSF</a:t>
             </a:r>
             <a:r>
               <a:rPr lang="ja-JP" altLang="en-US" sz="2400" dirty="0"/>
-              <a:t>マトリックスが</a:t>
+              <a:t>が</a:t>
             </a:r>
             <a:endParaRPr lang="en-US" altLang="ja-JP" sz="2400" dirty="0"/>
           </a:p>
@@ -7835,8 +13175,8 @@
               <a:t>の場合の</a:t>
             </a:r>
             <a:r>
-              <a:rPr lang="en-US" altLang="ja-JP" sz="2400" dirty="0"/>
-              <a:t>B</a:t>
+              <a:rPr lang="en-US" altLang="ja-JP" sz="2400" dirty="0" err="1"/>
+              <a:t>dSF</a:t>
             </a:r>
             <a:r>
               <a:rPr lang="ja-JP" altLang="en-US" sz="2400" dirty="0"/>
@@ -8124,10 +13464,10 @@
       </p:pic>
       <p:pic>
         <p:nvPicPr>
-          <p:cNvPr id="36" name="グラフィックス 35">
+          <p:cNvPr id="4" name="グラフィックス 3">
             <a:extLst>
               <a:ext uri="{FF2B5EF4-FFF2-40B4-BE49-F238E27FC236}">
-                <a16:creationId xmlns:a16="http://schemas.microsoft.com/office/drawing/2014/main" id="{A67A2EFA-BDFF-E69C-B11F-F6B26529BAB2}"/>
+                <a16:creationId xmlns:a16="http://schemas.microsoft.com/office/drawing/2014/main" id="{1014470A-803B-5BC9-6EE9-8F832E11CA4A}"/>
               </a:ext>
             </a:extLst>
           </p:cNvPr>
@@ -8153,8 +13493,8 @@
         </p:blipFill>
         <p:spPr>
           <a:xfrm>
-            <a:off x="6482309" y="2343457"/>
-            <a:ext cx="5472526" cy="3211009"/>
+            <a:off x="6136268" y="2309495"/>
+            <a:ext cx="5974452" cy="3573145"/>
           </a:xfrm>
           <a:prstGeom prst="rect">
             <a:avLst/>
@@ -8316,84 +13656,6 @@
           </a:p>
         </p:txBody>
       </p:sp>
-      <p:pic>
-        <p:nvPicPr>
-          <p:cNvPr id="34" name="グラフィックス 33">
-            <a:extLst>
-              <a:ext uri="{FF2B5EF4-FFF2-40B4-BE49-F238E27FC236}">
-                <a16:creationId xmlns:a16="http://schemas.microsoft.com/office/drawing/2014/main" id="{E25DAC61-C9DB-4DC2-7556-19F00A1012BB}"/>
-              </a:ext>
-            </a:extLst>
-          </p:cNvPr>
-          <p:cNvPicPr>
-            <a:picLocks noChangeAspect="1"/>
-          </p:cNvPicPr>
-          <p:nvPr/>
-        </p:nvPicPr>
-        <p:blipFill>
-          <a:blip r:embed="rId3">
-            <a:extLst>
-              <a:ext uri="{28A0092B-C50C-407E-A947-70E740481C1C}">
-                <a14:useLocalDpi xmlns:a14="http://schemas.microsoft.com/office/drawing/2010/main" val="0"/>
-              </a:ext>
-              <a:ext uri="{96DAC541-7B7A-43D3-8B79-37D633B846F1}">
-                <asvg:svgBlip xmlns:asvg="http://schemas.microsoft.com/office/drawing/2016/SVG/main" r:embed="rId4"/>
-              </a:ext>
-            </a:extLst>
-          </a:blip>
-          <a:stretch>
-            <a:fillRect/>
-          </a:stretch>
-        </p:blipFill>
-        <p:spPr>
-          <a:xfrm>
-            <a:off x="289357" y="2048968"/>
-            <a:ext cx="5420335" cy="3400995"/>
-          </a:xfrm>
-          <a:prstGeom prst="rect">
-            <a:avLst/>
-          </a:prstGeom>
-        </p:spPr>
-      </p:pic>
-      <p:pic>
-        <p:nvPicPr>
-          <p:cNvPr id="36" name="グラフィックス 35">
-            <a:extLst>
-              <a:ext uri="{FF2B5EF4-FFF2-40B4-BE49-F238E27FC236}">
-                <a16:creationId xmlns:a16="http://schemas.microsoft.com/office/drawing/2014/main" id="{A67A2EFA-BDFF-E69C-B11F-F6B26529BAB2}"/>
-              </a:ext>
-            </a:extLst>
-          </p:cNvPr>
-          <p:cNvPicPr>
-            <a:picLocks noChangeAspect="1"/>
-          </p:cNvPicPr>
-          <p:nvPr/>
-        </p:nvPicPr>
-        <p:blipFill>
-          <a:blip r:embed="rId5">
-            <a:extLst>
-              <a:ext uri="{28A0092B-C50C-407E-A947-70E740481C1C}">
-                <a14:useLocalDpi xmlns:a14="http://schemas.microsoft.com/office/drawing/2010/main" val="0"/>
-              </a:ext>
-              <a:ext uri="{96DAC541-7B7A-43D3-8B79-37D633B846F1}">
-                <asvg:svgBlip xmlns:asvg="http://schemas.microsoft.com/office/drawing/2016/SVG/main" r:embed="rId6"/>
-              </a:ext>
-            </a:extLst>
-          </a:blip>
-          <a:stretch>
-            <a:fillRect/>
-          </a:stretch>
-        </p:blipFill>
-        <p:spPr>
-          <a:xfrm>
-            <a:off x="6482309" y="2343457"/>
-            <a:ext cx="5472526" cy="3211009"/>
-          </a:xfrm>
-          <a:prstGeom prst="rect">
-            <a:avLst/>
-          </a:prstGeom>
-        </p:spPr>
-      </p:pic>
       <p:sp>
         <p:nvSpPr>
           <p:cNvPr id="7" name="テキスト ボックス 6">
@@ -8409,7 +13671,7 @@
         <p:spPr>
           <a:xfrm>
             <a:off x="412459" y="999555"/>
-            <a:ext cx="5901255" cy="461665"/>
+            <a:ext cx="5901255" cy="830997"/>
           </a:xfrm>
           <a:prstGeom prst="rect">
             <a:avLst/>
@@ -8424,19 +13686,165 @@
           <a:p>
             <a:r>
               <a:rPr lang="en-US" altLang="ja-JP" sz="2400" dirty="0"/>
-              <a:t>(2, 3)</a:t>
+              <a:t>(3, 3)</a:t>
             </a:r>
             <a:r>
               <a:rPr lang="ja-JP" altLang="en-US" sz="2400" dirty="0"/>
-              <a:t>の場合の</a:t>
+              <a:t>でもローカル</a:t>
             </a:r>
             <a:r>
               <a:rPr lang="en-US" altLang="ja-JP" sz="2400" dirty="0"/>
-              <a:t>K^GL</a:t>
+              <a:t>1</a:t>
             </a:r>
             <a:r>
               <a:rPr lang="ja-JP" altLang="en-US" sz="2400" dirty="0"/>
-              <a:t> のマッピング</a:t>
+              <a:t>要素がグローバル要素をまたぎすぎると精度が落ちる問題</a:t>
+            </a:r>
+            <a:endParaRPr lang="en-US" altLang="ja-JP" sz="2400" dirty="0"/>
+          </a:p>
+        </p:txBody>
+      </p:sp>
+      <p:graphicFrame>
+        <p:nvGraphicFramePr>
+          <p:cNvPr id="10" name="グラフ 9">
+            <a:extLst>
+              <a:ext uri="{FF2B5EF4-FFF2-40B4-BE49-F238E27FC236}">
+                <a16:creationId xmlns:a16="http://schemas.microsoft.com/office/drawing/2014/main" id="{A6EDA230-3F83-A5AD-9EE5-31E08117B1DD}"/>
+              </a:ext>
+            </a:extLst>
+          </p:cNvPr>
+          <p:cNvGraphicFramePr>
+            <a:graphicFrameLocks/>
+          </p:cNvGraphicFramePr>
+          <p:nvPr>
+            <p:extLst>
+              <p:ext uri="{D42A27DB-BD31-4B8C-83A1-F6EECF244321}">
+                <p14:modId xmlns:p14="http://schemas.microsoft.com/office/powerpoint/2010/main" val="2982026046"/>
+              </p:ext>
+            </p:extLst>
+          </p:nvPr>
+        </p:nvGraphicFramePr>
+        <p:xfrm>
+          <a:off x="631075" y="2586619"/>
+          <a:ext cx="5974931" cy="3617674"/>
+        </p:xfrm>
+        <a:graphic>
+          <a:graphicData uri="http://schemas.openxmlformats.org/drawingml/2006/chart">
+            <c:chart xmlns:c="http://schemas.openxmlformats.org/drawingml/2006/chart" xmlns:r="http://schemas.openxmlformats.org/officeDocument/2006/relationships" r:id="rId3"/>
+          </a:graphicData>
+        </a:graphic>
+      </p:graphicFrame>
+      <p:sp>
+        <p:nvSpPr>
+          <p:cNvPr id="12" name="テキスト ボックス 11">
+            <a:extLst>
+              <a:ext uri="{FF2B5EF4-FFF2-40B4-BE49-F238E27FC236}">
+                <a16:creationId xmlns:a16="http://schemas.microsoft.com/office/drawing/2014/main" id="{32D7359D-4D17-3F03-C6B7-405D43C15D14}"/>
+              </a:ext>
+            </a:extLst>
+          </p:cNvPr>
+          <p:cNvSpPr txBox="1"/>
+          <p:nvPr/>
+        </p:nvSpPr>
+        <p:spPr>
+          <a:xfrm>
+            <a:off x="793268" y="2034700"/>
+            <a:ext cx="4205452" cy="369332"/>
+          </a:xfrm>
+          <a:prstGeom prst="rect">
+            <a:avLst/>
+          </a:prstGeom>
+          <a:noFill/>
+        </p:spPr>
+        <p:txBody>
+          <a:bodyPr wrap="square" rtlCol="0">
+            <a:spAutoFit/>
+          </a:bodyPr>
+          <a:lstStyle/>
+          <a:p>
+            <a:r>
+              <a:rPr lang="en-US" altLang="ja-JP" dirty="0"/>
+              <a:t>(3, 3) global_30x30, local_5x5</a:t>
+            </a:r>
+          </a:p>
+        </p:txBody>
+      </p:sp>
+      <p:sp>
+        <p:nvSpPr>
+          <p:cNvPr id="13" name="テキスト ボックス 12">
+            <a:extLst>
+              <a:ext uri="{FF2B5EF4-FFF2-40B4-BE49-F238E27FC236}">
+                <a16:creationId xmlns:a16="http://schemas.microsoft.com/office/drawing/2014/main" id="{FE609061-54C5-ED6E-49E3-5EB1A696EA5A}"/>
+              </a:ext>
+            </a:extLst>
+          </p:cNvPr>
+          <p:cNvSpPr txBox="1"/>
+          <p:nvPr/>
+        </p:nvSpPr>
+        <p:spPr>
+          <a:xfrm>
+            <a:off x="6606006" y="2219366"/>
+            <a:ext cx="5098313" cy="3785652"/>
+          </a:xfrm>
+          <a:prstGeom prst="rect">
+            <a:avLst/>
+          </a:prstGeom>
+          <a:noFill/>
+        </p:spPr>
+        <p:txBody>
+          <a:bodyPr wrap="square" rtlCol="0">
+            <a:spAutoFit/>
+          </a:bodyPr>
+          <a:lstStyle/>
+          <a:p>
+            <a:r>
+              <a:rPr lang="ja-JP" altLang="en-US" sz="2400" dirty="0"/>
+              <a:t>昨年はグローバル要素を</a:t>
+            </a:r>
+            <a:r>
+              <a:rPr lang="en-US" altLang="ja-JP" sz="2400" dirty="0"/>
+              <a:t>2</a:t>
+            </a:r>
+            <a:r>
+              <a:rPr lang="ja-JP" altLang="en-US" sz="2400" dirty="0"/>
+              <a:t>要素以上またぐローカル要素に対しては</a:t>
+            </a:r>
+            <a:r>
+              <a:rPr lang="en-US" altLang="ja-JP" sz="2400" dirty="0"/>
+              <a:t>10</a:t>
+            </a:r>
+            <a:r>
+              <a:rPr lang="ja-JP" altLang="en-US" sz="2400" dirty="0"/>
+              <a:t>点積分にすることでこの誤差は見られなくなった</a:t>
+            </a:r>
+            <a:endParaRPr lang="en-US" altLang="ja-JP" sz="2400" dirty="0"/>
+          </a:p>
+          <a:p>
+            <a:endParaRPr lang="en-US" altLang="ja-JP" sz="2400" dirty="0"/>
+          </a:p>
+          <a:p>
+            <a:endParaRPr lang="en-US" altLang="ja-JP" sz="2400" dirty="0"/>
+          </a:p>
+          <a:p>
+            <a:r>
+              <a:rPr lang="ja-JP" altLang="en-US" sz="2400" dirty="0"/>
+              <a:t>グローバル要素境界で</a:t>
+            </a:r>
+            <a:r>
+              <a:rPr lang="en-US" altLang="ja-JP" sz="2400" dirty="0"/>
+              <a:t>C1</a:t>
+            </a:r>
+            <a:r>
+              <a:rPr lang="ja-JP" altLang="en-US" sz="2400" dirty="0"/>
+              <a:t>連続になった場合でも</a:t>
+            </a:r>
+            <a:r>
+              <a:rPr lang="en-US" altLang="ja-JP" sz="2400" dirty="0" err="1"/>
+              <a:t>dSF</a:t>
+            </a:r>
+            <a:r>
+              <a:rPr lang="ja-JP" altLang="en-US" sz="2400" dirty="0"/>
+              <a:t>がガウス積分の精度を超えた高次式の形となったため積分誤差が生じたと考えられる</a:t>
             </a:r>
             <a:endParaRPr lang="en-US" altLang="ja-JP" sz="2400" dirty="0"/>
           </a:p>
@@ -8591,7 +13999,7 @@
           <a:p>
             <a:r>
               <a:rPr lang="ja-JP" altLang="en-US" sz="2400" dirty="0"/>
-              <a:t>まとめ</a:t>
+              <a:t>グローバルパッチとローカルパッチの基底関数の次数の関係についての考察</a:t>
             </a:r>
             <a:endParaRPr lang="en-US" altLang="ja-JP" sz="2400" dirty="0"/>
           </a:p>
@@ -8599,10 +14007,10 @@
       </p:sp>
       <p:sp>
         <p:nvSpPr>
-          <p:cNvPr id="16" name="テキスト ボックス 15">
+          <p:cNvPr id="7" name="テキスト ボックス 6">
             <a:extLst>
               <a:ext uri="{FF2B5EF4-FFF2-40B4-BE49-F238E27FC236}">
-                <a16:creationId xmlns:a16="http://schemas.microsoft.com/office/drawing/2014/main" id="{9156E39F-BDD2-E6E7-B6FD-388B7987DBFF}"/>
+                <a16:creationId xmlns:a16="http://schemas.microsoft.com/office/drawing/2014/main" id="{3B8A0C44-C45D-4C36-8B58-71F1853B228C}"/>
               </a:ext>
             </a:extLst>
           </p:cNvPr>
@@ -8611,8 +14019,8 @@
         </p:nvSpPr>
         <p:spPr>
           <a:xfrm>
-            <a:off x="412459" y="1030803"/>
-            <a:ext cx="11367082" cy="3416320"/>
+            <a:off x="412459" y="999555"/>
+            <a:ext cx="5901255" cy="830997"/>
           </a:xfrm>
           <a:prstGeom prst="rect">
             <a:avLst/>
@@ -8625,79 +14033,13 @@
           </a:bodyPr>
           <a:lstStyle/>
           <a:p>
-            <a:pPr marL="342900" indent="-342900">
-              <a:buFont typeface="Wingdings" panose="05000000000000000000" pitchFamily="2" charset="2"/>
-              <a:buChar char="ü"/>
-            </a:pPr>
+            <a:r>
+              <a:rPr lang="en-US" altLang="ja-JP" sz="2400" dirty="0"/>
+              <a:t>(3, 3)</a:t>
+            </a:r>
             <a:r>
               <a:rPr lang="ja-JP" altLang="en-US" sz="2400" dirty="0"/>
-              <a:t>グローバルパッチの基底関数を</a:t>
-            </a:r>
-            <a:r>
-              <a:rPr lang="en-US" altLang="ja-JP" sz="2400" dirty="0"/>
-              <a:t>3</a:t>
-            </a:r>
-            <a:r>
-              <a:rPr lang="ja-JP" altLang="en-US" sz="2400" dirty="0"/>
-              <a:t>次にすると，グローバル要素境界での</a:t>
-            </a:r>
-            <a:r>
-              <a:rPr lang="en-US" altLang="ja-JP" sz="2400" dirty="0"/>
-              <a:t>B</a:t>
-            </a:r>
-            <a:r>
-              <a:rPr lang="ja-JP" altLang="en-US" sz="2400" dirty="0"/>
-              <a:t>の連続性が</a:t>
-            </a:r>
-            <a:r>
-              <a:rPr lang="en-US" altLang="ja-JP" sz="2400" dirty="0"/>
-              <a:t>C0</a:t>
-            </a:r>
-            <a:r>
-              <a:rPr lang="ja-JP" altLang="en-US" sz="2400" dirty="0"/>
-              <a:t>→</a:t>
-            </a:r>
-            <a:r>
-              <a:rPr lang="en-US" altLang="ja-JP" sz="2400" dirty="0"/>
-              <a:t>C1</a:t>
-            </a:r>
-            <a:r>
-              <a:rPr lang="ja-JP" altLang="en-US" sz="2400" dirty="0"/>
-              <a:t>連続になり，</a:t>
-            </a:r>
-            <a:r>
-              <a:rPr lang="en-US" altLang="ja-JP" sz="2400" dirty="0"/>
-              <a:t>K^GL</a:t>
-            </a:r>
-            <a:r>
-              <a:rPr lang="ja-JP" altLang="en-US" sz="2400" dirty="0"/>
-              <a:t>の積分誤差が小さくなる</a:t>
-            </a:r>
-            <a:endParaRPr lang="en-US" altLang="ja-JP" sz="2400" dirty="0"/>
-          </a:p>
-          <a:p>
-            <a:pPr marL="342900" indent="-342900">
-              <a:buFont typeface="Wingdings" panose="05000000000000000000" pitchFamily="2" charset="2"/>
-              <a:buChar char="ü"/>
-            </a:pPr>
-            <a:endParaRPr lang="en-US" altLang="ja-JP" sz="2400" dirty="0"/>
-          </a:p>
-          <a:p>
-            <a:pPr marL="342900" indent="-342900">
-              <a:buFont typeface="Wingdings" panose="05000000000000000000" pitchFamily="2" charset="2"/>
-              <a:buChar char="ü"/>
-            </a:pPr>
-            <a:r>
-              <a:rPr lang="ja-JP" altLang="en-US" sz="2400" dirty="0"/>
-              <a:t>グローバルパッチの基底関数が</a:t>
-            </a:r>
-            <a:r>
-              <a:rPr lang="en-US" altLang="ja-JP" sz="2400" dirty="0"/>
-              <a:t>3</a:t>
-            </a:r>
-            <a:r>
-              <a:rPr lang="ja-JP" altLang="en-US" sz="2400" dirty="0"/>
-              <a:t>次の場合でも，ローカル</a:t>
+              <a:t>でもローカル</a:t>
             </a:r>
             <a:r>
               <a:rPr lang="en-US" altLang="ja-JP" sz="2400" dirty="0"/>
@@ -8705,49 +14047,87 @@
             </a:r>
             <a:r>
               <a:rPr lang="ja-JP" altLang="en-US" sz="2400" dirty="0"/>
-              <a:t>要素がグローバル要素をまたぐ数が多い場合は被積分関数が高次式の形になりガウス積分で積分点数を上げる必要がある</a:t>
-            </a:r>
-            <a:r>
-              <a:rPr lang="en-US" altLang="ja-JP" sz="2400" dirty="0"/>
-              <a:t>(</a:t>
-            </a:r>
-            <a:r>
-              <a:rPr lang="ja-JP" altLang="en-US" sz="2400" dirty="0"/>
-              <a:t>ローカル</a:t>
-            </a:r>
-            <a:r>
-              <a:rPr lang="en-US" altLang="ja-JP" sz="2400" dirty="0"/>
-              <a:t>1</a:t>
-            </a:r>
-            <a:r>
-              <a:rPr lang="ja-JP" altLang="en-US" sz="2400" dirty="0"/>
-              <a:t>要素が複数のグローバル要素をまたがないように分割数を設定する</a:t>
-            </a:r>
-            <a:r>
-              <a:rPr lang="en-US" altLang="ja-JP" sz="2400" dirty="0"/>
-              <a:t>)</a:t>
-            </a:r>
-          </a:p>
-          <a:p>
-            <a:pPr marL="342900" indent="-342900">
-              <a:buFont typeface="Wingdings" panose="05000000000000000000" pitchFamily="2" charset="2"/>
-              <a:buChar char="ü"/>
-            </a:pPr>
+              <a:t>要素がグローバル要素をまたぎすぎると精度が落ちる問題</a:t>
+            </a:r>
             <a:endParaRPr lang="en-US" altLang="ja-JP" sz="2400" dirty="0"/>
           </a:p>
-          <a:p>
-            <a:pPr marL="342900" indent="-342900">
-              <a:buFont typeface="Wingdings" panose="05000000000000000000" pitchFamily="2" charset="2"/>
-              <a:buChar char="ü"/>
-            </a:pPr>
-            <a:endParaRPr lang="en-US" altLang="ja-JP" sz="2400" dirty="0"/>
-          </a:p>
         </p:txBody>
       </p:sp>
+      <p:sp>
+        <p:nvSpPr>
+          <p:cNvPr id="12" name="テキスト ボックス 11">
+            <a:extLst>
+              <a:ext uri="{FF2B5EF4-FFF2-40B4-BE49-F238E27FC236}">
+                <a16:creationId xmlns:a16="http://schemas.microsoft.com/office/drawing/2014/main" id="{32D7359D-4D17-3F03-C6B7-405D43C15D14}"/>
+              </a:ext>
+            </a:extLst>
+          </p:cNvPr>
+          <p:cNvSpPr txBox="1"/>
+          <p:nvPr/>
+        </p:nvSpPr>
+        <p:spPr>
+          <a:xfrm>
+            <a:off x="793268" y="2034700"/>
+            <a:ext cx="4205452" cy="369332"/>
+          </a:xfrm>
+          <a:prstGeom prst="rect">
+            <a:avLst/>
+          </a:prstGeom>
+          <a:noFill/>
+        </p:spPr>
+        <p:txBody>
+          <a:bodyPr wrap="square" rtlCol="0">
+            <a:spAutoFit/>
+          </a:bodyPr>
+          <a:lstStyle/>
+          <a:p>
+            <a:r>
+              <a:rPr lang="en-US" altLang="ja-JP" dirty="0"/>
+              <a:t>(3, 3) global_30x30, local_5x5</a:t>
+            </a:r>
+          </a:p>
+        </p:txBody>
+      </p:sp>
+      <p:pic>
+        <p:nvPicPr>
+          <p:cNvPr id="9" name="図 8" descr="黒い背景と白い文字&#10;&#10;中程度の精度で自動的に生成された説明">
+            <a:extLst>
+              <a:ext uri="{FF2B5EF4-FFF2-40B4-BE49-F238E27FC236}">
+                <a16:creationId xmlns:a16="http://schemas.microsoft.com/office/drawing/2014/main" id="{337088EA-90D4-55C9-5466-7BD28284F3B6}"/>
+              </a:ext>
+            </a:extLst>
+          </p:cNvPr>
+          <p:cNvPicPr>
+            <a:picLocks noChangeAspect="1"/>
+          </p:cNvPicPr>
+          <p:nvPr/>
+        </p:nvPicPr>
+        <p:blipFill>
+          <a:blip r:embed="rId3">
+            <a:extLst>
+              <a:ext uri="{28A0092B-C50C-407E-A947-70E740481C1C}">
+                <a14:useLocalDpi xmlns:a14="http://schemas.microsoft.com/office/drawing/2010/main" val="0"/>
+              </a:ext>
+            </a:extLst>
+          </a:blip>
+          <a:stretch>
+            <a:fillRect/>
+          </a:stretch>
+        </p:blipFill>
+        <p:spPr>
+          <a:xfrm>
+            <a:off x="5469568" y="373308"/>
+            <a:ext cx="6282064" cy="6282064"/>
+          </a:xfrm>
+          <a:prstGeom prst="rect">
+            <a:avLst/>
+          </a:prstGeom>
+        </p:spPr>
+      </p:pic>
     </p:spTree>
     <p:extLst>
       <p:ext uri="{BB962C8B-B14F-4D97-AF65-F5344CB8AC3E}">
-        <p14:creationId xmlns:p14="http://schemas.microsoft.com/office/powerpoint/2010/main" val="3396139632"/>
+        <p14:creationId xmlns:p14="http://schemas.microsoft.com/office/powerpoint/2010/main" val="3128748056"/>
       </p:ext>
     </p:extLst>
   </p:cSld>
